--- a/Project3-MachineLearning/xKCD/Kaggle Project Presentation.pptx
+++ b/Project3-MachineLearning/xKCD/Kaggle Project Presentation.pptx
@@ -1,50 +1,50 @@
 
 <file path=ppt/presentation.xml><?xml version="1.0" encoding="utf-8"?>
-<p:presentation xmlns:a="http://schemas.openxmlformats.org/drawingml/2006/main" xmlns:r="http://schemas.openxmlformats.org/officeDocument/2006/relationships" xmlns:mc="http://schemas.openxmlformats.org/markup-compatibility/2006" xmlns:mv="urn:schemas-microsoft-com:mac:vml" xmlns:p="http://schemas.openxmlformats.org/presentationml/2006/main" xmlns:c="http://schemas.openxmlformats.org/drawingml/2006/chart" xmlns:dgm="http://schemas.openxmlformats.org/drawingml/2006/diagram" xmlns:o="urn:schemas-microsoft-com:office:office" xmlns:v="urn:schemas-microsoft-com:vml" xmlns:pvml="urn:schemas-microsoft-com:office:powerpoint" xmlns:com="http://schemas.openxmlformats.org/drawingml/2006/compatibility" xmlns:p14="http://schemas.microsoft.com/office/powerpoint/2010/main" autoCompressPictures="0" embedTrueTypeFonts="1" strictFirstAndLastChars="0" saveSubsetFonts="1">
+<p:presentation xmlns:a="http://schemas.openxmlformats.org/drawingml/2006/main" xmlns:r="http://schemas.openxmlformats.org/officeDocument/2006/relationships" xmlns:p="http://schemas.openxmlformats.org/presentationml/2006/main" strictFirstAndLastChars="0" embedTrueTypeFonts="1" saveSubsetFonts="1" autoCompressPictures="0">
   <p:sldMasterIdLst>
-    <p:sldMasterId id="2147483659" r:id="rId4"/>
+    <p:sldMasterId id="2147483659" r:id="rId1"/>
   </p:sldMasterIdLst>
   <p:notesMasterIdLst>
-    <p:notesMasterId r:id="rId5"/>
+    <p:notesMasterId r:id="rId25"/>
   </p:notesMasterIdLst>
   <p:sldIdLst>
-    <p:sldId id="256" r:id="rId6"/>
-    <p:sldId id="257" r:id="rId7"/>
-    <p:sldId id="258" r:id="rId8"/>
-    <p:sldId id="259" r:id="rId9"/>
-    <p:sldId id="260" r:id="rId10"/>
-    <p:sldId id="261" r:id="rId11"/>
-    <p:sldId id="262" r:id="rId12"/>
-    <p:sldId id="263" r:id="rId13"/>
-    <p:sldId id="264" r:id="rId14"/>
-    <p:sldId id="265" r:id="rId15"/>
-    <p:sldId id="266" r:id="rId16"/>
-    <p:sldId id="267" r:id="rId17"/>
-    <p:sldId id="268" r:id="rId18"/>
-    <p:sldId id="269" r:id="rId19"/>
-    <p:sldId id="270" r:id="rId20"/>
-    <p:sldId id="271" r:id="rId21"/>
-    <p:sldId id="272" r:id="rId22"/>
-    <p:sldId id="273" r:id="rId23"/>
-    <p:sldId id="274" r:id="rId24"/>
-    <p:sldId id="275" r:id="rId25"/>
-    <p:sldId id="276" r:id="rId26"/>
-    <p:sldId id="277" r:id="rId27"/>
-    <p:sldId id="278" r:id="rId28"/>
+    <p:sldId id="256" r:id="rId2"/>
+    <p:sldId id="257" r:id="rId3"/>
+    <p:sldId id="258" r:id="rId4"/>
+    <p:sldId id="259" r:id="rId5"/>
+    <p:sldId id="260" r:id="rId6"/>
+    <p:sldId id="261" r:id="rId7"/>
+    <p:sldId id="262" r:id="rId8"/>
+    <p:sldId id="263" r:id="rId9"/>
+    <p:sldId id="264" r:id="rId10"/>
+    <p:sldId id="265" r:id="rId11"/>
+    <p:sldId id="266" r:id="rId12"/>
+    <p:sldId id="267" r:id="rId13"/>
+    <p:sldId id="268" r:id="rId14"/>
+    <p:sldId id="269" r:id="rId15"/>
+    <p:sldId id="270" r:id="rId16"/>
+    <p:sldId id="271" r:id="rId17"/>
+    <p:sldId id="272" r:id="rId18"/>
+    <p:sldId id="273" r:id="rId19"/>
+    <p:sldId id="274" r:id="rId20"/>
+    <p:sldId id="275" r:id="rId21"/>
+    <p:sldId id="276" r:id="rId22"/>
+    <p:sldId id="277" r:id="rId23"/>
+    <p:sldId id="278" r:id="rId24"/>
   </p:sldIdLst>
-  <p:sldSz cy="5143500" cx="9144000"/>
+  <p:sldSz cx="9144000" cy="5143500" type="screen16x9"/>
   <p:notesSz cx="6858000" cy="9144000"/>
   <p:embeddedFontLst>
     <p:embeddedFont>
-      <p:font typeface="Roboto"/>
-      <p:regular r:id="rId29"/>
-      <p:bold r:id="rId30"/>
-      <p:italic r:id="rId31"/>
-      <p:boldItalic r:id="rId32"/>
+      <p:font typeface="Roboto" panose="020B0604020202020204" charset="0"/>
+      <p:regular r:id="rId26"/>
+      <p:bold r:id="rId27"/>
+      <p:italic r:id="rId28"/>
+      <p:boldItalic r:id="rId29"/>
     </p:embeddedFont>
   </p:embeddedFontLst>
   <p:defaultTextStyle>
-    <a:defPPr lvl="0" marR="0" rtl="0" algn="l">
+    <a:defPPr marR="0" lvl="0" algn="l" rtl="0">
       <a:lnSpc>
         <a:spcPct val="100000"/>
       </a:lnSpc>
@@ -55,7 +55,7 @@
         <a:spcPts val="0"/>
       </a:spcAft>
     </a:defPPr>
-    <a:lvl1pPr lvl="0" marR="0" rtl="0" algn="l">
+    <a:lvl1pPr marR="0" lvl="0" algn="l" rtl="0">
       <a:lnSpc>
         <a:spcPct val="100000"/>
       </a:lnSpc>
@@ -66,7 +66,7 @@
         <a:spcPts val="0"/>
       </a:spcAft>
       <a:buNone/>
-      <a:defRPr b="0" i="0" sz="1400" u="none" cap="none" strike="noStrike">
+      <a:defRPr sz="1400" b="0" i="0" u="none" strike="noStrike" cap="none">
         <a:solidFill>
           <a:srgbClr val="000000"/>
         </a:solidFill>
@@ -76,7 +76,7 @@
         <a:sym typeface="Arial"/>
       </a:defRPr>
     </a:lvl1pPr>
-    <a:lvl2pPr lvl="1" marR="0" rtl="0" algn="l">
+    <a:lvl2pPr marR="0" lvl="1" algn="l" rtl="0">
       <a:lnSpc>
         <a:spcPct val="100000"/>
       </a:lnSpc>
@@ -87,7 +87,7 @@
         <a:spcPts val="0"/>
       </a:spcAft>
       <a:buNone/>
-      <a:defRPr b="0" i="0" sz="1400" u="none" cap="none" strike="noStrike">
+      <a:defRPr sz="1400" b="0" i="0" u="none" strike="noStrike" cap="none">
         <a:solidFill>
           <a:srgbClr val="000000"/>
         </a:solidFill>
@@ -97,7 +97,7 @@
         <a:sym typeface="Arial"/>
       </a:defRPr>
     </a:lvl2pPr>
-    <a:lvl3pPr lvl="2" marR="0" rtl="0" algn="l">
+    <a:lvl3pPr marR="0" lvl="2" algn="l" rtl="0">
       <a:lnSpc>
         <a:spcPct val="100000"/>
       </a:lnSpc>
@@ -108,7 +108,7 @@
         <a:spcPts val="0"/>
       </a:spcAft>
       <a:buNone/>
-      <a:defRPr b="0" i="0" sz="1400" u="none" cap="none" strike="noStrike">
+      <a:defRPr sz="1400" b="0" i="0" u="none" strike="noStrike" cap="none">
         <a:solidFill>
           <a:srgbClr val="000000"/>
         </a:solidFill>
@@ -118,7 +118,7 @@
         <a:sym typeface="Arial"/>
       </a:defRPr>
     </a:lvl3pPr>
-    <a:lvl4pPr lvl="3" marR="0" rtl="0" algn="l">
+    <a:lvl4pPr marR="0" lvl="3" algn="l" rtl="0">
       <a:lnSpc>
         <a:spcPct val="100000"/>
       </a:lnSpc>
@@ -129,7 +129,7 @@
         <a:spcPts val="0"/>
       </a:spcAft>
       <a:buNone/>
-      <a:defRPr b="0" i="0" sz="1400" u="none" cap="none" strike="noStrike">
+      <a:defRPr sz="1400" b="0" i="0" u="none" strike="noStrike" cap="none">
         <a:solidFill>
           <a:srgbClr val="000000"/>
         </a:solidFill>
@@ -139,7 +139,7 @@
         <a:sym typeface="Arial"/>
       </a:defRPr>
     </a:lvl4pPr>
-    <a:lvl5pPr lvl="4" marR="0" rtl="0" algn="l">
+    <a:lvl5pPr marR="0" lvl="4" algn="l" rtl="0">
       <a:lnSpc>
         <a:spcPct val="100000"/>
       </a:lnSpc>
@@ -150,7 +150,7 @@
         <a:spcPts val="0"/>
       </a:spcAft>
       <a:buNone/>
-      <a:defRPr b="0" i="0" sz="1400" u="none" cap="none" strike="noStrike">
+      <a:defRPr sz="1400" b="0" i="0" u="none" strike="noStrike" cap="none">
         <a:solidFill>
           <a:srgbClr val="000000"/>
         </a:solidFill>
@@ -160,7 +160,7 @@
         <a:sym typeface="Arial"/>
       </a:defRPr>
     </a:lvl5pPr>
-    <a:lvl6pPr lvl="5" marR="0" rtl="0" algn="l">
+    <a:lvl6pPr marR="0" lvl="5" algn="l" rtl="0">
       <a:lnSpc>
         <a:spcPct val="100000"/>
       </a:lnSpc>
@@ -171,7 +171,7 @@
         <a:spcPts val="0"/>
       </a:spcAft>
       <a:buNone/>
-      <a:defRPr b="0" i="0" sz="1400" u="none" cap="none" strike="noStrike">
+      <a:defRPr sz="1400" b="0" i="0" u="none" strike="noStrike" cap="none">
         <a:solidFill>
           <a:srgbClr val="000000"/>
         </a:solidFill>
@@ -181,7 +181,7 @@
         <a:sym typeface="Arial"/>
       </a:defRPr>
     </a:lvl6pPr>
-    <a:lvl7pPr lvl="6" marR="0" rtl="0" algn="l">
+    <a:lvl7pPr marR="0" lvl="6" algn="l" rtl="0">
       <a:lnSpc>
         <a:spcPct val="100000"/>
       </a:lnSpc>
@@ -192,7 +192,7 @@
         <a:spcPts val="0"/>
       </a:spcAft>
       <a:buNone/>
-      <a:defRPr b="0" i="0" sz="1400" u="none" cap="none" strike="noStrike">
+      <a:defRPr sz="1400" b="0" i="0" u="none" strike="noStrike" cap="none">
         <a:solidFill>
           <a:srgbClr val="000000"/>
         </a:solidFill>
@@ -202,7 +202,7 @@
         <a:sym typeface="Arial"/>
       </a:defRPr>
     </a:lvl7pPr>
-    <a:lvl8pPr lvl="7" marR="0" rtl="0" algn="l">
+    <a:lvl8pPr marR="0" lvl="7" algn="l" rtl="0">
       <a:lnSpc>
         <a:spcPct val="100000"/>
       </a:lnSpc>
@@ -213,7 +213,7 @@
         <a:spcPts val="0"/>
       </a:spcAft>
       <a:buNone/>
-      <a:defRPr b="0" i="0" sz="1400" u="none" cap="none" strike="noStrike">
+      <a:defRPr sz="1400" b="0" i="0" u="none" strike="noStrike" cap="none">
         <a:solidFill>
           <a:srgbClr val="000000"/>
         </a:solidFill>
@@ -223,7 +223,7 @@
         <a:sym typeface="Arial"/>
       </a:defRPr>
     </a:lvl8pPr>
-    <a:lvl9pPr lvl="8" marR="0" rtl="0" algn="l">
+    <a:lvl9pPr marR="0" lvl="8" algn="l" rtl="0">
       <a:lnSpc>
         <a:spcPct val="100000"/>
       </a:lnSpc>
@@ -234,7 +234,7 @@
         <a:spcPts val="0"/>
       </a:spcAft>
       <a:buNone/>
-      <a:defRPr b="0" i="0" sz="1400" u="none" cap="none" strike="noStrike">
+      <a:defRPr sz="1400" b="0" i="0" u="none" strike="noStrike" cap="none">
         <a:solidFill>
           <a:srgbClr val="000000"/>
         </a:solidFill>
@@ -249,11 +249,16 @@
 </file>
 
 <file path=ppt/notesMasters/notesMaster1.xml><?xml version="1.0" encoding="utf-8"?>
-<p:notesMaster xmlns:a="http://schemas.openxmlformats.org/drawingml/2006/main" xmlns:r="http://schemas.openxmlformats.org/officeDocument/2006/relationships" xmlns:mc="http://schemas.openxmlformats.org/markup-compatibility/2006" xmlns:mv="urn:schemas-microsoft-com:mac:vml" xmlns:p="http://schemas.openxmlformats.org/presentationml/2006/main" xmlns:c="http://schemas.openxmlformats.org/drawingml/2006/chart" xmlns:dgm="http://schemas.openxmlformats.org/drawingml/2006/diagram" xmlns:o="urn:schemas-microsoft-com:office:office" xmlns:v="urn:schemas-microsoft-com:vml" xmlns:pvml="urn:schemas-microsoft-com:office:powerpoint" xmlns:com="http://schemas.openxmlformats.org/drawingml/2006/compatibility" xmlns:p14="http://schemas.microsoft.com/office/powerpoint/2010/main">
+<p:notesMaster xmlns:a="http://schemas.openxmlformats.org/drawingml/2006/main" xmlns:r="http://schemas.openxmlformats.org/officeDocument/2006/relationships" xmlns:p="http://schemas.openxmlformats.org/presentationml/2006/main">
   <p:cSld>
+    <p:bg>
+      <p:bgRef idx="1001">
+        <a:schemeClr val="bg1"/>
+      </p:bgRef>
+    </p:bg>
     <p:spTree>
       <p:nvGrpSpPr>
-        <p:cNvPr id="2" name="Shape 2"/>
+        <p:cNvPr id="1" name="Shape 2"/>
         <p:cNvGrpSpPr/>
         <p:nvPr/>
       </p:nvGrpSpPr>
@@ -268,9 +273,11 @@
       <p:sp>
         <p:nvSpPr>
           <p:cNvPr id="3" name="Shape 3"/>
-          <p:cNvSpPr/>
+          <p:cNvSpPr>
+            <a:spLocks noGrp="1" noRot="1" noChangeAspect="1"/>
+          </p:cNvSpPr>
           <p:nvPr>
-            <p:ph idx="2" type="sldImg"/>
+            <p:ph type="sldImg" idx="2"/>
           </p:nvPr>
         </p:nvSpPr>
         <p:spPr>
@@ -279,8 +286,13 @@
             <a:ext cx="6096075" cy="3429000"/>
           </a:xfrm>
           <a:custGeom>
+            <a:avLst/>
+            <a:gdLst/>
+            <a:ahLst/>
+            <a:cxnLst/>
+            <a:rect l="0" t="0" r="0" b="0"/>
             <a:pathLst>
-              <a:path extrusionOk="0" h="120000" w="120000">
+              <a:path w="120000" h="120000" extrusionOk="0">
                 <a:moveTo>
                   <a:pt x="0" y="0"/>
                 </a:moveTo>
@@ -298,23 +310,25 @@
             </a:pathLst>
           </a:custGeom>
           <a:noFill/>
-          <a:ln cap="flat" cmpd="sng" w="9525">
+          <a:ln w="9525" cap="flat" cmpd="sng">
             <a:solidFill>
               <a:srgbClr val="000000"/>
             </a:solidFill>
             <a:prstDash val="solid"/>
             <a:round/>
-            <a:headEnd len="med" w="med" type="none"/>
-            <a:tailEnd len="med" w="med" type="none"/>
+            <a:headEnd type="none" w="med" len="med"/>
+            <a:tailEnd type="none" w="med" len="med"/>
           </a:ln>
         </p:spPr>
       </p:sp>
       <p:sp>
         <p:nvSpPr>
           <p:cNvPr id="4" name="Shape 4"/>
-          <p:cNvSpPr txBox="1"/>
+          <p:cNvSpPr txBox="1">
+            <a:spLocks noGrp="1"/>
+          </p:cNvSpPr>
           <p:nvPr>
-            <p:ph idx="1" type="body"/>
+            <p:ph type="body" idx="1"/>
           </p:nvPr>
         </p:nvSpPr>
         <p:spPr>
@@ -331,7 +345,7 @@
           </a:ln>
         </p:spPr>
         <p:txBody>
-          <a:bodyPr anchorCtr="0" anchor="t" bIns="91425" lIns="91425" rIns="91425" tIns="91425"/>
+          <a:bodyPr lIns="91425" tIns="91425" rIns="91425" bIns="91425" anchor="t" anchorCtr="0"/>
           <a:lstStyle>
             <a:lvl1pPr lvl="0">
               <a:spcBef>
@@ -388,21 +402,115 @@
               <a:defRPr sz="1100"/>
             </a:lvl9pPr>
           </a:lstStyle>
-          <a:p/>
+          <a:p>
+            <a:endParaRPr/>
+          </a:p>
         </p:txBody>
       </p:sp>
     </p:spTree>
   </p:cSld>
-  <p:clrMap accent1="accent1" accent2="accent2" accent3="accent3" accent4="accent4" accent5="accent5" accent6="accent6" bg1="lt1" bg2="dk2" tx1="dk1" tx2="lt2" folHlink="folHlink" hlink="hlink"/>
+  <p:clrMap bg1="lt1" tx1="dk1" bg2="dk2" tx2="lt2" accent1="accent1" accent2="accent2" accent3="accent3" accent4="accent4" accent5="accent5" accent6="accent6" hlink="hlink" folHlink="folHlink"/>
+  <p:notesStyle>
+    <a:lvl1pPr marL="0" algn="l" defTabSz="914400" rtl="0" eaLnBrk="1" latinLnBrk="0" hangingPunct="1">
+      <a:defRPr sz="1200" kern="1200">
+        <a:solidFill>
+          <a:schemeClr val="tx1"/>
+        </a:solidFill>
+        <a:latin typeface="+mn-lt"/>
+        <a:ea typeface="+mn-ea"/>
+        <a:cs typeface="+mn-cs"/>
+      </a:defRPr>
+    </a:lvl1pPr>
+    <a:lvl2pPr marL="457200" algn="l" defTabSz="914400" rtl="0" eaLnBrk="1" latinLnBrk="0" hangingPunct="1">
+      <a:defRPr sz="1200" kern="1200">
+        <a:solidFill>
+          <a:schemeClr val="tx1"/>
+        </a:solidFill>
+        <a:latin typeface="+mn-lt"/>
+        <a:ea typeface="+mn-ea"/>
+        <a:cs typeface="+mn-cs"/>
+      </a:defRPr>
+    </a:lvl2pPr>
+    <a:lvl3pPr marL="914400" algn="l" defTabSz="914400" rtl="0" eaLnBrk="1" latinLnBrk="0" hangingPunct="1">
+      <a:defRPr sz="1200" kern="1200">
+        <a:solidFill>
+          <a:schemeClr val="tx1"/>
+        </a:solidFill>
+        <a:latin typeface="+mn-lt"/>
+        <a:ea typeface="+mn-ea"/>
+        <a:cs typeface="+mn-cs"/>
+      </a:defRPr>
+    </a:lvl3pPr>
+    <a:lvl4pPr marL="1371600" algn="l" defTabSz="914400" rtl="0" eaLnBrk="1" latinLnBrk="0" hangingPunct="1">
+      <a:defRPr sz="1200" kern="1200">
+        <a:solidFill>
+          <a:schemeClr val="tx1"/>
+        </a:solidFill>
+        <a:latin typeface="+mn-lt"/>
+        <a:ea typeface="+mn-ea"/>
+        <a:cs typeface="+mn-cs"/>
+      </a:defRPr>
+    </a:lvl4pPr>
+    <a:lvl5pPr marL="1828800" algn="l" defTabSz="914400" rtl="0" eaLnBrk="1" latinLnBrk="0" hangingPunct="1">
+      <a:defRPr sz="1200" kern="1200">
+        <a:solidFill>
+          <a:schemeClr val="tx1"/>
+        </a:solidFill>
+        <a:latin typeface="+mn-lt"/>
+        <a:ea typeface="+mn-ea"/>
+        <a:cs typeface="+mn-cs"/>
+      </a:defRPr>
+    </a:lvl5pPr>
+    <a:lvl6pPr marL="2286000" algn="l" defTabSz="914400" rtl="0" eaLnBrk="1" latinLnBrk="0" hangingPunct="1">
+      <a:defRPr sz="1200" kern="1200">
+        <a:solidFill>
+          <a:schemeClr val="tx1"/>
+        </a:solidFill>
+        <a:latin typeface="+mn-lt"/>
+        <a:ea typeface="+mn-ea"/>
+        <a:cs typeface="+mn-cs"/>
+      </a:defRPr>
+    </a:lvl6pPr>
+    <a:lvl7pPr marL="2743200" algn="l" defTabSz="914400" rtl="0" eaLnBrk="1" latinLnBrk="0" hangingPunct="1">
+      <a:defRPr sz="1200" kern="1200">
+        <a:solidFill>
+          <a:schemeClr val="tx1"/>
+        </a:solidFill>
+        <a:latin typeface="+mn-lt"/>
+        <a:ea typeface="+mn-ea"/>
+        <a:cs typeface="+mn-cs"/>
+      </a:defRPr>
+    </a:lvl7pPr>
+    <a:lvl8pPr marL="3200400" algn="l" defTabSz="914400" rtl="0" eaLnBrk="1" latinLnBrk="0" hangingPunct="1">
+      <a:defRPr sz="1200" kern="1200">
+        <a:solidFill>
+          <a:schemeClr val="tx1"/>
+        </a:solidFill>
+        <a:latin typeface="+mn-lt"/>
+        <a:ea typeface="+mn-ea"/>
+        <a:cs typeface="+mn-cs"/>
+      </a:defRPr>
+    </a:lvl8pPr>
+    <a:lvl9pPr marL="3657600" algn="l" defTabSz="914400" rtl="0" eaLnBrk="1" latinLnBrk="0" hangingPunct="1">
+      <a:defRPr sz="1200" kern="1200">
+        <a:solidFill>
+          <a:schemeClr val="tx1"/>
+        </a:solidFill>
+        <a:latin typeface="+mn-lt"/>
+        <a:ea typeface="+mn-ea"/>
+        <a:cs typeface="+mn-cs"/>
+      </a:defRPr>
+    </a:lvl9pPr>
+  </p:notesStyle>
 </p:notesMaster>
 </file>
 
 <file path=ppt/notesSlides/notesSlide1.xml><?xml version="1.0" encoding="utf-8"?>
-<p:notes xmlns:a="http://schemas.openxmlformats.org/drawingml/2006/main" xmlns:r="http://schemas.openxmlformats.org/officeDocument/2006/relationships" xmlns:mc="http://schemas.openxmlformats.org/markup-compatibility/2006" xmlns:mv="urn:schemas-microsoft-com:mac:vml" xmlns:p="http://schemas.openxmlformats.org/presentationml/2006/main" xmlns:c="http://schemas.openxmlformats.org/drawingml/2006/chart" xmlns:dgm="http://schemas.openxmlformats.org/drawingml/2006/diagram" xmlns:o="urn:schemas-microsoft-com:office:office" xmlns:v="urn:schemas-microsoft-com:vml" xmlns:pvml="urn:schemas-microsoft-com:office:powerpoint" xmlns:com="http://schemas.openxmlformats.org/drawingml/2006/compatibility" xmlns:p14="http://schemas.microsoft.com/office/powerpoint/2010/main" showMasterPhAnim="0" showMasterSp="0">
+<p:notes xmlns:a="http://schemas.openxmlformats.org/drawingml/2006/main" xmlns:r="http://schemas.openxmlformats.org/officeDocument/2006/relationships" xmlns:p="http://schemas.openxmlformats.org/presentationml/2006/main" showMasterSp="0" showMasterPhAnim="0">
   <p:cSld>
     <p:spTree>
       <p:nvGrpSpPr>
-        <p:cNvPr id="81" name="Shape 81"/>
+        <p:cNvPr id="1" name="Shape 81"/>
         <p:cNvGrpSpPr/>
         <p:nvPr/>
       </p:nvGrpSpPr>
@@ -417,19 +525,26 @@
       <p:sp>
         <p:nvSpPr>
           <p:cNvPr id="82" name="Shape 82"/>
-          <p:cNvSpPr/>
+          <p:cNvSpPr>
+            <a:spLocks noGrp="1" noRot="1" noChangeAspect="1"/>
+          </p:cNvSpPr>
           <p:nvPr>
-            <p:ph idx="2" type="sldImg"/>
+            <p:ph type="sldImg" idx="2"/>
           </p:nvPr>
         </p:nvSpPr>
         <p:spPr>
           <a:xfrm>
-            <a:off x="381300" y="685800"/>
-            <a:ext cx="6096075" cy="3429000"/>
+            <a:off x="381000" y="685800"/>
+            <a:ext cx="6096000" cy="3429000"/>
           </a:xfrm>
           <a:custGeom>
+            <a:avLst/>
+            <a:gdLst/>
+            <a:ahLst/>
+            <a:cxnLst/>
+            <a:rect l="0" t="0" r="0" b="0"/>
             <a:pathLst>
-              <a:path extrusionOk="0" h="120000" w="120000">
+              <a:path w="120000" h="120000" extrusionOk="0">
                 <a:moveTo>
                   <a:pt x="0" y="0"/>
                 </a:moveTo>
@@ -451,9 +566,11 @@
       <p:sp>
         <p:nvSpPr>
           <p:cNvPr id="83" name="Shape 83"/>
-          <p:cNvSpPr txBox="1"/>
+          <p:cNvSpPr txBox="1">
+            <a:spLocks noGrp="1"/>
+          </p:cNvSpPr>
           <p:nvPr>
-            <p:ph idx="1" type="body"/>
+            <p:ph type="body" idx="1"/>
           </p:nvPr>
         </p:nvSpPr>
         <p:spPr>
@@ -466,7 +583,7 @@
           </a:prstGeom>
         </p:spPr>
         <p:txBody>
-          <a:bodyPr anchorCtr="0" anchor="t" bIns="91425" lIns="91425" rIns="91425" tIns="91425">
+          <a:bodyPr lIns="91425" tIns="91425" rIns="91425" bIns="91425" anchor="t" anchorCtr="0">
             <a:noAutofit/>
           </a:bodyPr>
           <a:lstStyle/>
@@ -477,9 +594,6 @@
               </a:spcBef>
               <a:buNone/>
             </a:pPr>
-            <a:r>
-              <a:t/>
-            </a:r>
             <a:endParaRPr/>
           </a:p>
         </p:txBody>
@@ -493,11 +607,11 @@
 </file>
 
 <file path=ppt/notesSlides/notesSlide10.xml><?xml version="1.0" encoding="utf-8"?>
-<p:notes xmlns:a="http://schemas.openxmlformats.org/drawingml/2006/main" xmlns:r="http://schemas.openxmlformats.org/officeDocument/2006/relationships" xmlns:mc="http://schemas.openxmlformats.org/markup-compatibility/2006" xmlns:mv="urn:schemas-microsoft-com:mac:vml" xmlns:p="http://schemas.openxmlformats.org/presentationml/2006/main" xmlns:c="http://schemas.openxmlformats.org/drawingml/2006/chart" xmlns:dgm="http://schemas.openxmlformats.org/drawingml/2006/diagram" xmlns:o="urn:schemas-microsoft-com:office:office" xmlns:v="urn:schemas-microsoft-com:vml" xmlns:pvml="urn:schemas-microsoft-com:office:powerpoint" xmlns:com="http://schemas.openxmlformats.org/drawingml/2006/compatibility" xmlns:p14="http://schemas.microsoft.com/office/powerpoint/2010/main" showMasterPhAnim="0" showMasterSp="0">
+<p:notes xmlns:a="http://schemas.openxmlformats.org/drawingml/2006/main" xmlns:r="http://schemas.openxmlformats.org/officeDocument/2006/relationships" xmlns:p="http://schemas.openxmlformats.org/presentationml/2006/main" showMasterSp="0" showMasterPhAnim="0">
   <p:cSld>
     <p:spTree>
       <p:nvGrpSpPr>
-        <p:cNvPr id="146" name="Shape 146"/>
+        <p:cNvPr id="1" name="Shape 146"/>
         <p:cNvGrpSpPr/>
         <p:nvPr/>
       </p:nvGrpSpPr>
@@ -512,19 +626,26 @@
       <p:sp>
         <p:nvSpPr>
           <p:cNvPr id="147" name="Shape 147"/>
-          <p:cNvSpPr/>
+          <p:cNvSpPr>
+            <a:spLocks noGrp="1" noRot="1" noChangeAspect="1"/>
+          </p:cNvSpPr>
           <p:nvPr>
-            <p:ph idx="2" type="sldImg"/>
+            <p:ph type="sldImg" idx="2"/>
           </p:nvPr>
         </p:nvSpPr>
         <p:spPr>
           <a:xfrm>
-            <a:off x="381300" y="685800"/>
+            <a:off x="381000" y="685800"/>
             <a:ext cx="6096000" cy="3429000"/>
           </a:xfrm>
           <a:custGeom>
+            <a:avLst/>
+            <a:gdLst/>
+            <a:ahLst/>
+            <a:cxnLst/>
+            <a:rect l="0" t="0" r="0" b="0"/>
             <a:pathLst>
-              <a:path extrusionOk="0" h="120000" w="120000">
+              <a:path w="120000" h="120000" extrusionOk="0">
                 <a:moveTo>
                   <a:pt x="0" y="0"/>
                 </a:moveTo>
@@ -546,9 +667,11 @@
       <p:sp>
         <p:nvSpPr>
           <p:cNvPr id="148" name="Shape 148"/>
-          <p:cNvSpPr txBox="1"/>
+          <p:cNvSpPr txBox="1">
+            <a:spLocks noGrp="1"/>
+          </p:cNvSpPr>
           <p:nvPr>
-            <p:ph idx="1" type="body"/>
+            <p:ph type="body" idx="1"/>
           </p:nvPr>
         </p:nvSpPr>
         <p:spPr>
@@ -561,7 +684,7 @@
           </a:prstGeom>
         </p:spPr>
         <p:txBody>
-          <a:bodyPr anchorCtr="0" anchor="t" bIns="91425" lIns="91425" rIns="91425" tIns="91425">
+          <a:bodyPr lIns="91425" tIns="91425" rIns="91425" bIns="91425" anchor="t" anchorCtr="0">
             <a:noAutofit/>
           </a:bodyPr>
           <a:lstStyle/>
@@ -572,9 +695,6 @@
               </a:spcBef>
               <a:buNone/>
             </a:pPr>
-            <a:r>
-              <a:t/>
-            </a:r>
             <a:endParaRPr/>
           </a:p>
         </p:txBody>
@@ -588,11 +708,11 @@
 </file>
 
 <file path=ppt/notesSlides/notesSlide11.xml><?xml version="1.0" encoding="utf-8"?>
-<p:notes xmlns:a="http://schemas.openxmlformats.org/drawingml/2006/main" xmlns:r="http://schemas.openxmlformats.org/officeDocument/2006/relationships" xmlns:mc="http://schemas.openxmlformats.org/markup-compatibility/2006" xmlns:mv="urn:schemas-microsoft-com:mac:vml" xmlns:p="http://schemas.openxmlformats.org/presentationml/2006/main" xmlns:c="http://schemas.openxmlformats.org/drawingml/2006/chart" xmlns:dgm="http://schemas.openxmlformats.org/drawingml/2006/diagram" xmlns:o="urn:schemas-microsoft-com:office:office" xmlns:v="urn:schemas-microsoft-com:vml" xmlns:pvml="urn:schemas-microsoft-com:office:powerpoint" xmlns:com="http://schemas.openxmlformats.org/drawingml/2006/compatibility" xmlns:p14="http://schemas.microsoft.com/office/powerpoint/2010/main" showMasterPhAnim="0" showMasterSp="0">
+<p:notes xmlns:a="http://schemas.openxmlformats.org/drawingml/2006/main" xmlns:r="http://schemas.openxmlformats.org/officeDocument/2006/relationships" xmlns:p="http://schemas.openxmlformats.org/presentationml/2006/main" showMasterSp="0" showMasterPhAnim="0">
   <p:cSld>
     <p:spTree>
       <p:nvGrpSpPr>
-        <p:cNvPr id="153" name="Shape 153"/>
+        <p:cNvPr id="1" name="Shape 153"/>
         <p:cNvGrpSpPr/>
         <p:nvPr/>
       </p:nvGrpSpPr>
@@ -607,19 +727,26 @@
       <p:sp>
         <p:nvSpPr>
           <p:cNvPr id="154" name="Shape 154"/>
-          <p:cNvSpPr/>
+          <p:cNvSpPr>
+            <a:spLocks noGrp="1" noRot="1" noChangeAspect="1"/>
+          </p:cNvSpPr>
           <p:nvPr>
-            <p:ph idx="2" type="sldImg"/>
+            <p:ph type="sldImg" idx="2"/>
           </p:nvPr>
         </p:nvSpPr>
         <p:spPr>
           <a:xfrm>
-            <a:off x="381300" y="685800"/>
+            <a:off x="381000" y="685800"/>
             <a:ext cx="6096000" cy="3429000"/>
           </a:xfrm>
           <a:custGeom>
+            <a:avLst/>
+            <a:gdLst/>
+            <a:ahLst/>
+            <a:cxnLst/>
+            <a:rect l="0" t="0" r="0" b="0"/>
             <a:pathLst>
-              <a:path extrusionOk="0" h="120000" w="120000">
+              <a:path w="120000" h="120000" extrusionOk="0">
                 <a:moveTo>
                   <a:pt x="0" y="0"/>
                 </a:moveTo>
@@ -641,9 +768,11 @@
       <p:sp>
         <p:nvSpPr>
           <p:cNvPr id="155" name="Shape 155"/>
-          <p:cNvSpPr txBox="1"/>
+          <p:cNvSpPr txBox="1">
+            <a:spLocks noGrp="1"/>
+          </p:cNvSpPr>
           <p:nvPr>
-            <p:ph idx="1" type="body"/>
+            <p:ph type="body" idx="1"/>
           </p:nvPr>
         </p:nvSpPr>
         <p:spPr>
@@ -656,7 +785,7 @@
           </a:prstGeom>
         </p:spPr>
         <p:txBody>
-          <a:bodyPr anchorCtr="0" anchor="t" bIns="91425" lIns="91425" rIns="91425" tIns="91425">
+          <a:bodyPr lIns="91425" tIns="91425" rIns="91425" bIns="91425" anchor="t" anchorCtr="0">
             <a:noAutofit/>
           </a:bodyPr>
           <a:lstStyle/>
@@ -667,9 +796,6 @@
               </a:spcBef>
               <a:buNone/>
             </a:pPr>
-            <a:r>
-              <a:t/>
-            </a:r>
             <a:endParaRPr/>
           </a:p>
         </p:txBody>
@@ -683,11 +809,11 @@
 </file>
 
 <file path=ppt/notesSlides/notesSlide12.xml><?xml version="1.0" encoding="utf-8"?>
-<p:notes xmlns:a="http://schemas.openxmlformats.org/drawingml/2006/main" xmlns:r="http://schemas.openxmlformats.org/officeDocument/2006/relationships" xmlns:mc="http://schemas.openxmlformats.org/markup-compatibility/2006" xmlns:mv="urn:schemas-microsoft-com:mac:vml" xmlns:p="http://schemas.openxmlformats.org/presentationml/2006/main" xmlns:c="http://schemas.openxmlformats.org/drawingml/2006/chart" xmlns:dgm="http://schemas.openxmlformats.org/drawingml/2006/diagram" xmlns:o="urn:schemas-microsoft-com:office:office" xmlns:v="urn:schemas-microsoft-com:vml" xmlns:pvml="urn:schemas-microsoft-com:office:powerpoint" xmlns:com="http://schemas.openxmlformats.org/drawingml/2006/compatibility" xmlns:p14="http://schemas.microsoft.com/office/powerpoint/2010/main" showMasterPhAnim="0" showMasterSp="0">
+<p:notes xmlns:a="http://schemas.openxmlformats.org/drawingml/2006/main" xmlns:r="http://schemas.openxmlformats.org/officeDocument/2006/relationships" xmlns:p="http://schemas.openxmlformats.org/presentationml/2006/main" showMasterSp="0" showMasterPhAnim="0">
   <p:cSld>
     <p:spTree>
       <p:nvGrpSpPr>
-        <p:cNvPr id="161" name="Shape 161"/>
+        <p:cNvPr id="1" name="Shape 161"/>
         <p:cNvGrpSpPr/>
         <p:nvPr/>
       </p:nvGrpSpPr>
@@ -702,19 +828,26 @@
       <p:sp>
         <p:nvSpPr>
           <p:cNvPr id="162" name="Shape 162"/>
-          <p:cNvSpPr/>
+          <p:cNvSpPr>
+            <a:spLocks noGrp="1" noRot="1" noChangeAspect="1"/>
+          </p:cNvSpPr>
           <p:nvPr>
-            <p:ph idx="2" type="sldImg"/>
+            <p:ph type="sldImg" idx="2"/>
           </p:nvPr>
         </p:nvSpPr>
         <p:spPr>
           <a:xfrm>
-            <a:off x="381300" y="685800"/>
+            <a:off x="381000" y="685800"/>
             <a:ext cx="6096000" cy="3429000"/>
           </a:xfrm>
           <a:custGeom>
+            <a:avLst/>
+            <a:gdLst/>
+            <a:ahLst/>
+            <a:cxnLst/>
+            <a:rect l="0" t="0" r="0" b="0"/>
             <a:pathLst>
-              <a:path extrusionOk="0" h="120000" w="120000">
+              <a:path w="120000" h="120000" extrusionOk="0">
                 <a:moveTo>
                   <a:pt x="0" y="0"/>
                 </a:moveTo>
@@ -736,9 +869,11 @@
       <p:sp>
         <p:nvSpPr>
           <p:cNvPr id="163" name="Shape 163"/>
-          <p:cNvSpPr txBox="1"/>
+          <p:cNvSpPr txBox="1">
+            <a:spLocks noGrp="1"/>
+          </p:cNvSpPr>
           <p:nvPr>
-            <p:ph idx="1" type="body"/>
+            <p:ph type="body" idx="1"/>
           </p:nvPr>
         </p:nvSpPr>
         <p:spPr>
@@ -751,7 +886,7 @@
           </a:prstGeom>
         </p:spPr>
         <p:txBody>
-          <a:bodyPr anchorCtr="0" anchor="t" bIns="91425" lIns="91425" rIns="91425" tIns="91425">
+          <a:bodyPr lIns="91425" tIns="91425" rIns="91425" bIns="91425" anchor="t" anchorCtr="0">
             <a:noAutofit/>
           </a:bodyPr>
           <a:lstStyle/>
@@ -762,9 +897,6 @@
               </a:spcBef>
               <a:buNone/>
             </a:pPr>
-            <a:r>
-              <a:t/>
-            </a:r>
             <a:endParaRPr/>
           </a:p>
         </p:txBody>
@@ -778,11 +910,11 @@
 </file>
 
 <file path=ppt/notesSlides/notesSlide13.xml><?xml version="1.0" encoding="utf-8"?>
-<p:notes xmlns:a="http://schemas.openxmlformats.org/drawingml/2006/main" xmlns:r="http://schemas.openxmlformats.org/officeDocument/2006/relationships" xmlns:mc="http://schemas.openxmlformats.org/markup-compatibility/2006" xmlns:mv="urn:schemas-microsoft-com:mac:vml" xmlns:p="http://schemas.openxmlformats.org/presentationml/2006/main" xmlns:c="http://schemas.openxmlformats.org/drawingml/2006/chart" xmlns:dgm="http://schemas.openxmlformats.org/drawingml/2006/diagram" xmlns:o="urn:schemas-microsoft-com:office:office" xmlns:v="urn:schemas-microsoft-com:vml" xmlns:pvml="urn:schemas-microsoft-com:office:powerpoint" xmlns:com="http://schemas.openxmlformats.org/drawingml/2006/compatibility" xmlns:p14="http://schemas.microsoft.com/office/powerpoint/2010/main" showMasterPhAnim="0" showMasterSp="0">
+<p:notes xmlns:a="http://schemas.openxmlformats.org/drawingml/2006/main" xmlns:r="http://schemas.openxmlformats.org/officeDocument/2006/relationships" xmlns:p="http://schemas.openxmlformats.org/presentationml/2006/main" showMasterSp="0" showMasterPhAnim="0">
   <p:cSld>
     <p:spTree>
       <p:nvGrpSpPr>
-        <p:cNvPr id="168" name="Shape 168"/>
+        <p:cNvPr id="1" name="Shape 168"/>
         <p:cNvGrpSpPr/>
         <p:nvPr/>
       </p:nvGrpSpPr>
@@ -797,19 +929,26 @@
       <p:sp>
         <p:nvSpPr>
           <p:cNvPr id="169" name="Shape 169"/>
-          <p:cNvSpPr/>
+          <p:cNvSpPr>
+            <a:spLocks noGrp="1" noRot="1" noChangeAspect="1"/>
+          </p:cNvSpPr>
           <p:nvPr>
-            <p:ph idx="2" type="sldImg"/>
+            <p:ph type="sldImg" idx="2"/>
           </p:nvPr>
         </p:nvSpPr>
         <p:spPr>
           <a:xfrm>
-            <a:off x="381300" y="685800"/>
+            <a:off x="381000" y="685800"/>
             <a:ext cx="6096000" cy="3429000"/>
           </a:xfrm>
           <a:custGeom>
+            <a:avLst/>
+            <a:gdLst/>
+            <a:ahLst/>
+            <a:cxnLst/>
+            <a:rect l="0" t="0" r="0" b="0"/>
             <a:pathLst>
-              <a:path extrusionOk="0" h="120000" w="120000">
+              <a:path w="120000" h="120000" extrusionOk="0">
                 <a:moveTo>
                   <a:pt x="0" y="0"/>
                 </a:moveTo>
@@ -831,9 +970,11 @@
       <p:sp>
         <p:nvSpPr>
           <p:cNvPr id="170" name="Shape 170"/>
-          <p:cNvSpPr txBox="1"/>
+          <p:cNvSpPr txBox="1">
+            <a:spLocks noGrp="1"/>
+          </p:cNvSpPr>
           <p:nvPr>
-            <p:ph idx="1" type="body"/>
+            <p:ph type="body" idx="1"/>
           </p:nvPr>
         </p:nvSpPr>
         <p:spPr>
@@ -846,7 +987,7 @@
           </a:prstGeom>
         </p:spPr>
         <p:txBody>
-          <a:bodyPr anchorCtr="0" anchor="t" bIns="91425" lIns="91425" rIns="91425" tIns="91425">
+          <a:bodyPr lIns="91425" tIns="91425" rIns="91425" bIns="91425" anchor="t" anchorCtr="0">
             <a:noAutofit/>
           </a:bodyPr>
           <a:lstStyle/>
@@ -857,9 +998,6 @@
               </a:spcBef>
               <a:buNone/>
             </a:pPr>
-            <a:r>
-              <a:t/>
-            </a:r>
             <a:endParaRPr/>
           </a:p>
         </p:txBody>
@@ -873,11 +1011,11 @@
 </file>
 
 <file path=ppt/notesSlides/notesSlide14.xml><?xml version="1.0" encoding="utf-8"?>
-<p:notes xmlns:a="http://schemas.openxmlformats.org/drawingml/2006/main" xmlns:r="http://schemas.openxmlformats.org/officeDocument/2006/relationships" xmlns:mc="http://schemas.openxmlformats.org/markup-compatibility/2006" xmlns:mv="urn:schemas-microsoft-com:mac:vml" xmlns:p="http://schemas.openxmlformats.org/presentationml/2006/main" xmlns:c="http://schemas.openxmlformats.org/drawingml/2006/chart" xmlns:dgm="http://schemas.openxmlformats.org/drawingml/2006/diagram" xmlns:o="urn:schemas-microsoft-com:office:office" xmlns:v="urn:schemas-microsoft-com:vml" xmlns:pvml="urn:schemas-microsoft-com:office:powerpoint" xmlns:com="http://schemas.openxmlformats.org/drawingml/2006/compatibility" xmlns:p14="http://schemas.microsoft.com/office/powerpoint/2010/main" showMasterPhAnim="0" showMasterSp="0">
+<p:notes xmlns:a="http://schemas.openxmlformats.org/drawingml/2006/main" xmlns:r="http://schemas.openxmlformats.org/officeDocument/2006/relationships" xmlns:p="http://schemas.openxmlformats.org/presentationml/2006/main" showMasterSp="0" showMasterPhAnim="0">
   <p:cSld>
     <p:spTree>
       <p:nvGrpSpPr>
-        <p:cNvPr id="175" name="Shape 175"/>
+        <p:cNvPr id="1" name="Shape 175"/>
         <p:cNvGrpSpPr/>
         <p:nvPr/>
       </p:nvGrpSpPr>
@@ -892,19 +1030,26 @@
       <p:sp>
         <p:nvSpPr>
           <p:cNvPr id="176" name="Shape 176"/>
-          <p:cNvSpPr/>
+          <p:cNvSpPr>
+            <a:spLocks noGrp="1" noRot="1" noChangeAspect="1"/>
+          </p:cNvSpPr>
           <p:nvPr>
-            <p:ph idx="2" type="sldImg"/>
+            <p:ph type="sldImg" idx="2"/>
           </p:nvPr>
         </p:nvSpPr>
         <p:spPr>
           <a:xfrm>
-            <a:off x="381300" y="685800"/>
+            <a:off x="381000" y="685800"/>
             <a:ext cx="6096000" cy="3429000"/>
           </a:xfrm>
           <a:custGeom>
+            <a:avLst/>
+            <a:gdLst/>
+            <a:ahLst/>
+            <a:cxnLst/>
+            <a:rect l="0" t="0" r="0" b="0"/>
             <a:pathLst>
-              <a:path extrusionOk="0" h="120000" w="120000">
+              <a:path w="120000" h="120000" extrusionOk="0">
                 <a:moveTo>
                   <a:pt x="0" y="0"/>
                 </a:moveTo>
@@ -926,9 +1071,11 @@
       <p:sp>
         <p:nvSpPr>
           <p:cNvPr id="177" name="Shape 177"/>
-          <p:cNvSpPr txBox="1"/>
+          <p:cNvSpPr txBox="1">
+            <a:spLocks noGrp="1"/>
+          </p:cNvSpPr>
           <p:nvPr>
-            <p:ph idx="1" type="body"/>
+            <p:ph type="body" idx="1"/>
           </p:nvPr>
         </p:nvSpPr>
         <p:spPr>
@@ -941,7 +1088,7 @@
           </a:prstGeom>
         </p:spPr>
         <p:txBody>
-          <a:bodyPr anchorCtr="0" anchor="t" bIns="91425" lIns="91425" rIns="91425" tIns="91425">
+          <a:bodyPr lIns="91425" tIns="91425" rIns="91425" bIns="91425" anchor="t" anchorCtr="0">
             <a:noAutofit/>
           </a:bodyPr>
           <a:lstStyle/>
@@ -952,9 +1099,6 @@
               </a:spcBef>
               <a:buNone/>
             </a:pPr>
-            <a:r>
-              <a:t/>
-            </a:r>
             <a:endParaRPr/>
           </a:p>
         </p:txBody>
@@ -968,11 +1112,11 @@
 </file>
 
 <file path=ppt/notesSlides/notesSlide15.xml><?xml version="1.0" encoding="utf-8"?>
-<p:notes xmlns:a="http://schemas.openxmlformats.org/drawingml/2006/main" xmlns:r="http://schemas.openxmlformats.org/officeDocument/2006/relationships" xmlns:mc="http://schemas.openxmlformats.org/markup-compatibility/2006" xmlns:mv="urn:schemas-microsoft-com:mac:vml" xmlns:p="http://schemas.openxmlformats.org/presentationml/2006/main" xmlns:c="http://schemas.openxmlformats.org/drawingml/2006/chart" xmlns:dgm="http://schemas.openxmlformats.org/drawingml/2006/diagram" xmlns:o="urn:schemas-microsoft-com:office:office" xmlns:v="urn:schemas-microsoft-com:vml" xmlns:pvml="urn:schemas-microsoft-com:office:powerpoint" xmlns:com="http://schemas.openxmlformats.org/drawingml/2006/compatibility" xmlns:p14="http://schemas.microsoft.com/office/powerpoint/2010/main" showMasterPhAnim="0" showMasterSp="0">
+<p:notes xmlns:a="http://schemas.openxmlformats.org/drawingml/2006/main" xmlns:r="http://schemas.openxmlformats.org/officeDocument/2006/relationships" xmlns:p="http://schemas.openxmlformats.org/presentationml/2006/main" showMasterSp="0" showMasterPhAnim="0">
   <p:cSld>
     <p:spTree>
       <p:nvGrpSpPr>
-        <p:cNvPr id="181" name="Shape 181"/>
+        <p:cNvPr id="1" name="Shape 181"/>
         <p:cNvGrpSpPr/>
         <p:nvPr/>
       </p:nvGrpSpPr>
@@ -987,19 +1131,26 @@
       <p:sp>
         <p:nvSpPr>
           <p:cNvPr id="182" name="Shape 182"/>
-          <p:cNvSpPr/>
+          <p:cNvSpPr>
+            <a:spLocks noGrp="1" noRot="1" noChangeAspect="1"/>
+          </p:cNvSpPr>
           <p:nvPr>
-            <p:ph idx="2" type="sldImg"/>
+            <p:ph type="sldImg" idx="2"/>
           </p:nvPr>
         </p:nvSpPr>
         <p:spPr>
           <a:xfrm>
-            <a:off x="381300" y="685800"/>
+            <a:off x="381000" y="685800"/>
             <a:ext cx="6096000" cy="3429000"/>
           </a:xfrm>
           <a:custGeom>
+            <a:avLst/>
+            <a:gdLst/>
+            <a:ahLst/>
+            <a:cxnLst/>
+            <a:rect l="0" t="0" r="0" b="0"/>
             <a:pathLst>
-              <a:path extrusionOk="0" h="120000" w="120000">
+              <a:path w="120000" h="120000" extrusionOk="0">
                 <a:moveTo>
                   <a:pt x="0" y="0"/>
                 </a:moveTo>
@@ -1021,9 +1172,11 @@
       <p:sp>
         <p:nvSpPr>
           <p:cNvPr id="183" name="Shape 183"/>
-          <p:cNvSpPr txBox="1"/>
+          <p:cNvSpPr txBox="1">
+            <a:spLocks noGrp="1"/>
+          </p:cNvSpPr>
           <p:nvPr>
-            <p:ph idx="1" type="body"/>
+            <p:ph type="body" idx="1"/>
           </p:nvPr>
         </p:nvSpPr>
         <p:spPr>
@@ -1036,7 +1189,7 @@
           </a:prstGeom>
         </p:spPr>
         <p:txBody>
-          <a:bodyPr anchorCtr="0" anchor="t" bIns="91425" lIns="91425" rIns="91425" tIns="91425">
+          <a:bodyPr lIns="91425" tIns="91425" rIns="91425" bIns="91425" anchor="t" anchorCtr="0">
             <a:noAutofit/>
           </a:bodyPr>
           <a:lstStyle/>
@@ -1047,9 +1200,6 @@
               </a:spcBef>
               <a:buNone/>
             </a:pPr>
-            <a:r>
-              <a:t/>
-            </a:r>
             <a:endParaRPr/>
           </a:p>
         </p:txBody>
@@ -1063,11 +1213,11 @@
 </file>
 
 <file path=ppt/notesSlides/notesSlide16.xml><?xml version="1.0" encoding="utf-8"?>
-<p:notes xmlns:a="http://schemas.openxmlformats.org/drawingml/2006/main" xmlns:r="http://schemas.openxmlformats.org/officeDocument/2006/relationships" xmlns:mc="http://schemas.openxmlformats.org/markup-compatibility/2006" xmlns:mv="urn:schemas-microsoft-com:mac:vml" xmlns:p="http://schemas.openxmlformats.org/presentationml/2006/main" xmlns:c="http://schemas.openxmlformats.org/drawingml/2006/chart" xmlns:dgm="http://schemas.openxmlformats.org/drawingml/2006/diagram" xmlns:o="urn:schemas-microsoft-com:office:office" xmlns:v="urn:schemas-microsoft-com:vml" xmlns:pvml="urn:schemas-microsoft-com:office:powerpoint" xmlns:com="http://schemas.openxmlformats.org/drawingml/2006/compatibility" xmlns:p14="http://schemas.microsoft.com/office/powerpoint/2010/main" showMasterPhAnim="0" showMasterSp="0">
+<p:notes xmlns:a="http://schemas.openxmlformats.org/drawingml/2006/main" xmlns:r="http://schemas.openxmlformats.org/officeDocument/2006/relationships" xmlns:p="http://schemas.openxmlformats.org/presentationml/2006/main" showMasterSp="0" showMasterPhAnim="0">
   <p:cSld>
     <p:spTree>
       <p:nvGrpSpPr>
-        <p:cNvPr id="188" name="Shape 188"/>
+        <p:cNvPr id="1" name="Shape 188"/>
         <p:cNvGrpSpPr/>
         <p:nvPr/>
       </p:nvGrpSpPr>
@@ -1082,19 +1232,26 @@
       <p:sp>
         <p:nvSpPr>
           <p:cNvPr id="189" name="Shape 189"/>
-          <p:cNvSpPr/>
+          <p:cNvSpPr>
+            <a:spLocks noGrp="1" noRot="1" noChangeAspect="1"/>
+          </p:cNvSpPr>
           <p:nvPr>
-            <p:ph idx="2" type="sldImg"/>
+            <p:ph type="sldImg" idx="2"/>
           </p:nvPr>
         </p:nvSpPr>
         <p:spPr>
           <a:xfrm>
-            <a:off x="381300" y="685800"/>
+            <a:off x="381000" y="685800"/>
             <a:ext cx="6096000" cy="3429000"/>
           </a:xfrm>
           <a:custGeom>
+            <a:avLst/>
+            <a:gdLst/>
+            <a:ahLst/>
+            <a:cxnLst/>
+            <a:rect l="0" t="0" r="0" b="0"/>
             <a:pathLst>
-              <a:path extrusionOk="0" h="120000" w="120000">
+              <a:path w="120000" h="120000" extrusionOk="0">
                 <a:moveTo>
                   <a:pt x="0" y="0"/>
                 </a:moveTo>
@@ -1116,9 +1273,11 @@
       <p:sp>
         <p:nvSpPr>
           <p:cNvPr id="190" name="Shape 190"/>
-          <p:cNvSpPr txBox="1"/>
+          <p:cNvSpPr txBox="1">
+            <a:spLocks noGrp="1"/>
+          </p:cNvSpPr>
           <p:nvPr>
-            <p:ph idx="1" type="body"/>
+            <p:ph type="body" idx="1"/>
           </p:nvPr>
         </p:nvSpPr>
         <p:spPr>
@@ -1131,7 +1290,7 @@
           </a:prstGeom>
         </p:spPr>
         <p:txBody>
-          <a:bodyPr anchorCtr="0" anchor="t" bIns="91425" lIns="91425" rIns="91425" tIns="91425">
+          <a:bodyPr lIns="91425" tIns="91425" rIns="91425" bIns="91425" anchor="t" anchorCtr="0">
             <a:noAutofit/>
           </a:bodyPr>
           <a:lstStyle/>
@@ -1142,9 +1301,6 @@
               </a:spcBef>
               <a:buNone/>
             </a:pPr>
-            <a:r>
-              <a:t/>
-            </a:r>
             <a:endParaRPr/>
           </a:p>
         </p:txBody>
@@ -1158,11 +1314,11 @@
 </file>
 
 <file path=ppt/notesSlides/notesSlide17.xml><?xml version="1.0" encoding="utf-8"?>
-<p:notes xmlns:a="http://schemas.openxmlformats.org/drawingml/2006/main" xmlns:r="http://schemas.openxmlformats.org/officeDocument/2006/relationships" xmlns:mc="http://schemas.openxmlformats.org/markup-compatibility/2006" xmlns:mv="urn:schemas-microsoft-com:mac:vml" xmlns:p="http://schemas.openxmlformats.org/presentationml/2006/main" xmlns:c="http://schemas.openxmlformats.org/drawingml/2006/chart" xmlns:dgm="http://schemas.openxmlformats.org/drawingml/2006/diagram" xmlns:o="urn:schemas-microsoft-com:office:office" xmlns:v="urn:schemas-microsoft-com:vml" xmlns:pvml="urn:schemas-microsoft-com:office:powerpoint" xmlns:com="http://schemas.openxmlformats.org/drawingml/2006/compatibility" xmlns:p14="http://schemas.microsoft.com/office/powerpoint/2010/main" showMasterPhAnim="0" showMasterSp="0">
+<p:notes xmlns:a="http://schemas.openxmlformats.org/drawingml/2006/main" xmlns:r="http://schemas.openxmlformats.org/officeDocument/2006/relationships" xmlns:p="http://schemas.openxmlformats.org/presentationml/2006/main" showMasterSp="0" showMasterPhAnim="0">
   <p:cSld>
     <p:spTree>
       <p:nvGrpSpPr>
-        <p:cNvPr id="195" name="Shape 195"/>
+        <p:cNvPr id="1" name="Shape 195"/>
         <p:cNvGrpSpPr/>
         <p:nvPr/>
       </p:nvGrpSpPr>
@@ -1177,19 +1333,26 @@
       <p:sp>
         <p:nvSpPr>
           <p:cNvPr id="196" name="Shape 196"/>
-          <p:cNvSpPr/>
+          <p:cNvSpPr>
+            <a:spLocks noGrp="1" noRot="1" noChangeAspect="1"/>
+          </p:cNvSpPr>
           <p:nvPr>
-            <p:ph idx="2" type="sldImg"/>
+            <p:ph type="sldImg" idx="2"/>
           </p:nvPr>
         </p:nvSpPr>
         <p:spPr>
           <a:xfrm>
-            <a:off x="381300" y="685800"/>
+            <a:off x="381000" y="685800"/>
             <a:ext cx="6096000" cy="3429000"/>
           </a:xfrm>
           <a:custGeom>
+            <a:avLst/>
+            <a:gdLst/>
+            <a:ahLst/>
+            <a:cxnLst/>
+            <a:rect l="0" t="0" r="0" b="0"/>
             <a:pathLst>
-              <a:path extrusionOk="0" h="120000" w="120000">
+              <a:path w="120000" h="120000" extrusionOk="0">
                 <a:moveTo>
                   <a:pt x="0" y="0"/>
                 </a:moveTo>
@@ -1211,9 +1374,11 @@
       <p:sp>
         <p:nvSpPr>
           <p:cNvPr id="197" name="Shape 197"/>
-          <p:cNvSpPr txBox="1"/>
+          <p:cNvSpPr txBox="1">
+            <a:spLocks noGrp="1"/>
+          </p:cNvSpPr>
           <p:nvPr>
-            <p:ph idx="1" type="body"/>
+            <p:ph type="body" idx="1"/>
           </p:nvPr>
         </p:nvSpPr>
         <p:spPr>
@@ -1226,7 +1391,7 @@
           </a:prstGeom>
         </p:spPr>
         <p:txBody>
-          <a:bodyPr anchorCtr="0" anchor="t" bIns="91425" lIns="91425" rIns="91425" tIns="91425">
+          <a:bodyPr lIns="91425" tIns="91425" rIns="91425" bIns="91425" anchor="t" anchorCtr="0">
             <a:noAutofit/>
           </a:bodyPr>
           <a:lstStyle/>
@@ -1237,9 +1402,6 @@
               </a:spcBef>
               <a:buNone/>
             </a:pPr>
-            <a:r>
-              <a:t/>
-            </a:r>
             <a:endParaRPr/>
           </a:p>
         </p:txBody>
@@ -1253,11 +1415,11 @@
 </file>
 
 <file path=ppt/notesSlides/notesSlide18.xml><?xml version="1.0" encoding="utf-8"?>
-<p:notes xmlns:a="http://schemas.openxmlformats.org/drawingml/2006/main" xmlns:r="http://schemas.openxmlformats.org/officeDocument/2006/relationships" xmlns:mc="http://schemas.openxmlformats.org/markup-compatibility/2006" xmlns:mv="urn:schemas-microsoft-com:mac:vml" xmlns:p="http://schemas.openxmlformats.org/presentationml/2006/main" xmlns:c="http://schemas.openxmlformats.org/drawingml/2006/chart" xmlns:dgm="http://schemas.openxmlformats.org/drawingml/2006/diagram" xmlns:o="urn:schemas-microsoft-com:office:office" xmlns:v="urn:schemas-microsoft-com:vml" xmlns:pvml="urn:schemas-microsoft-com:office:powerpoint" xmlns:com="http://schemas.openxmlformats.org/drawingml/2006/compatibility" xmlns:p14="http://schemas.microsoft.com/office/powerpoint/2010/main" showMasterPhAnim="0" showMasterSp="0">
+<p:notes xmlns:a="http://schemas.openxmlformats.org/drawingml/2006/main" xmlns:r="http://schemas.openxmlformats.org/officeDocument/2006/relationships" xmlns:p="http://schemas.openxmlformats.org/presentationml/2006/main" showMasterSp="0" showMasterPhAnim="0">
   <p:cSld>
     <p:spTree>
       <p:nvGrpSpPr>
-        <p:cNvPr id="201" name="Shape 201"/>
+        <p:cNvPr id="1" name="Shape 201"/>
         <p:cNvGrpSpPr/>
         <p:nvPr/>
       </p:nvGrpSpPr>
@@ -1272,19 +1434,26 @@
       <p:sp>
         <p:nvSpPr>
           <p:cNvPr id="202" name="Shape 202"/>
-          <p:cNvSpPr/>
+          <p:cNvSpPr>
+            <a:spLocks noGrp="1" noRot="1" noChangeAspect="1"/>
+          </p:cNvSpPr>
           <p:nvPr>
-            <p:ph idx="2" type="sldImg"/>
+            <p:ph type="sldImg" idx="2"/>
           </p:nvPr>
         </p:nvSpPr>
         <p:spPr>
           <a:xfrm>
-            <a:off x="381300" y="685800"/>
+            <a:off x="381000" y="685800"/>
             <a:ext cx="6096000" cy="3429000"/>
           </a:xfrm>
           <a:custGeom>
+            <a:avLst/>
+            <a:gdLst/>
+            <a:ahLst/>
+            <a:cxnLst/>
+            <a:rect l="0" t="0" r="0" b="0"/>
             <a:pathLst>
-              <a:path extrusionOk="0" h="120000" w="120000">
+              <a:path w="120000" h="120000" extrusionOk="0">
                 <a:moveTo>
                   <a:pt x="0" y="0"/>
                 </a:moveTo>
@@ -1306,9 +1475,11 @@
       <p:sp>
         <p:nvSpPr>
           <p:cNvPr id="203" name="Shape 203"/>
-          <p:cNvSpPr txBox="1"/>
+          <p:cNvSpPr txBox="1">
+            <a:spLocks noGrp="1"/>
+          </p:cNvSpPr>
           <p:nvPr>
-            <p:ph idx="1" type="body"/>
+            <p:ph type="body" idx="1"/>
           </p:nvPr>
         </p:nvSpPr>
         <p:spPr>
@@ -1321,7 +1492,7 @@
           </a:prstGeom>
         </p:spPr>
         <p:txBody>
-          <a:bodyPr anchorCtr="0" anchor="t" bIns="91425" lIns="91425" rIns="91425" tIns="91425">
+          <a:bodyPr lIns="91425" tIns="91425" rIns="91425" bIns="91425" anchor="t" anchorCtr="0">
             <a:noAutofit/>
           </a:bodyPr>
           <a:lstStyle/>
@@ -1332,9 +1503,6 @@
               </a:spcBef>
               <a:buNone/>
             </a:pPr>
-            <a:r>
-              <a:t/>
-            </a:r>
             <a:endParaRPr/>
           </a:p>
         </p:txBody>
@@ -1348,11 +1516,11 @@
 </file>
 
 <file path=ppt/notesSlides/notesSlide19.xml><?xml version="1.0" encoding="utf-8"?>
-<p:notes xmlns:a="http://schemas.openxmlformats.org/drawingml/2006/main" xmlns:r="http://schemas.openxmlformats.org/officeDocument/2006/relationships" xmlns:mc="http://schemas.openxmlformats.org/markup-compatibility/2006" xmlns:mv="urn:schemas-microsoft-com:mac:vml" xmlns:p="http://schemas.openxmlformats.org/presentationml/2006/main" xmlns:c="http://schemas.openxmlformats.org/drawingml/2006/chart" xmlns:dgm="http://schemas.openxmlformats.org/drawingml/2006/diagram" xmlns:o="urn:schemas-microsoft-com:office:office" xmlns:v="urn:schemas-microsoft-com:vml" xmlns:pvml="urn:schemas-microsoft-com:office:powerpoint" xmlns:com="http://schemas.openxmlformats.org/drawingml/2006/compatibility" xmlns:p14="http://schemas.microsoft.com/office/powerpoint/2010/main" showMasterPhAnim="0" showMasterSp="0">
+<p:notes xmlns:a="http://schemas.openxmlformats.org/drawingml/2006/main" xmlns:r="http://schemas.openxmlformats.org/officeDocument/2006/relationships" xmlns:p="http://schemas.openxmlformats.org/presentationml/2006/main" showMasterSp="0" showMasterPhAnim="0">
   <p:cSld>
     <p:spTree>
       <p:nvGrpSpPr>
-        <p:cNvPr id="208" name="Shape 208"/>
+        <p:cNvPr id="1" name="Shape 208"/>
         <p:cNvGrpSpPr/>
         <p:nvPr/>
       </p:nvGrpSpPr>
@@ -1367,19 +1535,26 @@
       <p:sp>
         <p:nvSpPr>
           <p:cNvPr id="209" name="Shape 209"/>
-          <p:cNvSpPr/>
+          <p:cNvSpPr>
+            <a:spLocks noGrp="1" noRot="1" noChangeAspect="1"/>
+          </p:cNvSpPr>
           <p:nvPr>
-            <p:ph idx="2" type="sldImg"/>
+            <p:ph type="sldImg" idx="2"/>
           </p:nvPr>
         </p:nvSpPr>
         <p:spPr>
           <a:xfrm>
-            <a:off x="381300" y="685800"/>
+            <a:off x="381000" y="685800"/>
             <a:ext cx="6096000" cy="3429000"/>
           </a:xfrm>
           <a:custGeom>
+            <a:avLst/>
+            <a:gdLst/>
+            <a:ahLst/>
+            <a:cxnLst/>
+            <a:rect l="0" t="0" r="0" b="0"/>
             <a:pathLst>
-              <a:path extrusionOk="0" h="120000" w="120000">
+              <a:path w="120000" h="120000" extrusionOk="0">
                 <a:moveTo>
                   <a:pt x="0" y="0"/>
                 </a:moveTo>
@@ -1401,9 +1576,11 @@
       <p:sp>
         <p:nvSpPr>
           <p:cNvPr id="210" name="Shape 210"/>
-          <p:cNvSpPr txBox="1"/>
+          <p:cNvSpPr txBox="1">
+            <a:spLocks noGrp="1"/>
+          </p:cNvSpPr>
           <p:nvPr>
-            <p:ph idx="1" type="body"/>
+            <p:ph type="body" idx="1"/>
           </p:nvPr>
         </p:nvSpPr>
         <p:spPr>
@@ -1416,7 +1593,7 @@
           </a:prstGeom>
         </p:spPr>
         <p:txBody>
-          <a:bodyPr anchorCtr="0" anchor="t" bIns="91425" lIns="91425" rIns="91425" tIns="91425">
+          <a:bodyPr lIns="91425" tIns="91425" rIns="91425" bIns="91425" anchor="t" anchorCtr="0">
             <a:noAutofit/>
           </a:bodyPr>
           <a:lstStyle/>
@@ -1427,9 +1604,6 @@
               </a:spcBef>
               <a:buNone/>
             </a:pPr>
-            <a:r>
-              <a:t/>
-            </a:r>
             <a:endParaRPr/>
           </a:p>
         </p:txBody>
@@ -1443,11 +1617,11 @@
 </file>
 
 <file path=ppt/notesSlides/notesSlide2.xml><?xml version="1.0" encoding="utf-8"?>
-<p:notes xmlns:a="http://schemas.openxmlformats.org/drawingml/2006/main" xmlns:r="http://schemas.openxmlformats.org/officeDocument/2006/relationships" xmlns:mc="http://schemas.openxmlformats.org/markup-compatibility/2006" xmlns:mv="urn:schemas-microsoft-com:mac:vml" xmlns:p="http://schemas.openxmlformats.org/presentationml/2006/main" xmlns:c="http://schemas.openxmlformats.org/drawingml/2006/chart" xmlns:dgm="http://schemas.openxmlformats.org/drawingml/2006/diagram" xmlns:o="urn:schemas-microsoft-com:office:office" xmlns:v="urn:schemas-microsoft-com:vml" xmlns:pvml="urn:schemas-microsoft-com:office:powerpoint" xmlns:com="http://schemas.openxmlformats.org/drawingml/2006/compatibility" xmlns:p14="http://schemas.microsoft.com/office/powerpoint/2010/main" showMasterPhAnim="0" showMasterSp="0">
+<p:notes xmlns:a="http://schemas.openxmlformats.org/drawingml/2006/main" xmlns:r="http://schemas.openxmlformats.org/officeDocument/2006/relationships" xmlns:p="http://schemas.openxmlformats.org/presentationml/2006/main" showMasterSp="0" showMasterPhAnim="0">
   <p:cSld>
     <p:spTree>
       <p:nvGrpSpPr>
-        <p:cNvPr id="87" name="Shape 87"/>
+        <p:cNvPr id="1" name="Shape 87"/>
         <p:cNvGrpSpPr/>
         <p:nvPr/>
       </p:nvGrpSpPr>
@@ -1462,19 +1636,26 @@
       <p:sp>
         <p:nvSpPr>
           <p:cNvPr id="88" name="Shape 88"/>
-          <p:cNvSpPr/>
+          <p:cNvSpPr>
+            <a:spLocks noGrp="1" noRot="1" noChangeAspect="1"/>
+          </p:cNvSpPr>
           <p:nvPr>
-            <p:ph idx="2" type="sldImg"/>
+            <p:ph type="sldImg" idx="2"/>
           </p:nvPr>
         </p:nvSpPr>
         <p:spPr>
           <a:xfrm>
-            <a:off x="381300" y="685800"/>
+            <a:off x="381000" y="685800"/>
             <a:ext cx="6096000" cy="3429000"/>
           </a:xfrm>
           <a:custGeom>
+            <a:avLst/>
+            <a:gdLst/>
+            <a:ahLst/>
+            <a:cxnLst/>
+            <a:rect l="0" t="0" r="0" b="0"/>
             <a:pathLst>
-              <a:path extrusionOk="0" h="120000" w="120000">
+              <a:path w="120000" h="120000" extrusionOk="0">
                 <a:moveTo>
                   <a:pt x="0" y="0"/>
                 </a:moveTo>
@@ -1496,9 +1677,11 @@
       <p:sp>
         <p:nvSpPr>
           <p:cNvPr id="89" name="Shape 89"/>
-          <p:cNvSpPr txBox="1"/>
+          <p:cNvSpPr txBox="1">
+            <a:spLocks noGrp="1"/>
+          </p:cNvSpPr>
           <p:nvPr>
-            <p:ph idx="1" type="body"/>
+            <p:ph type="body" idx="1"/>
           </p:nvPr>
         </p:nvSpPr>
         <p:spPr>
@@ -1511,7 +1694,7 @@
           </a:prstGeom>
         </p:spPr>
         <p:txBody>
-          <a:bodyPr anchorCtr="0" anchor="t" bIns="91425" lIns="91425" rIns="91425" tIns="91425">
+          <a:bodyPr lIns="91425" tIns="91425" rIns="91425" bIns="91425" anchor="t" anchorCtr="0">
             <a:noAutofit/>
           </a:bodyPr>
           <a:lstStyle/>
@@ -1522,9 +1705,6 @@
               </a:spcBef>
               <a:buNone/>
             </a:pPr>
-            <a:r>
-              <a:t/>
-            </a:r>
             <a:endParaRPr/>
           </a:p>
         </p:txBody>
@@ -1538,11 +1718,11 @@
 </file>
 
 <file path=ppt/notesSlides/notesSlide20.xml><?xml version="1.0" encoding="utf-8"?>
-<p:notes xmlns:a="http://schemas.openxmlformats.org/drawingml/2006/main" xmlns:r="http://schemas.openxmlformats.org/officeDocument/2006/relationships" xmlns:mc="http://schemas.openxmlformats.org/markup-compatibility/2006" xmlns:mv="urn:schemas-microsoft-com:mac:vml" xmlns:p="http://schemas.openxmlformats.org/presentationml/2006/main" xmlns:c="http://schemas.openxmlformats.org/drawingml/2006/chart" xmlns:dgm="http://schemas.openxmlformats.org/drawingml/2006/diagram" xmlns:o="urn:schemas-microsoft-com:office:office" xmlns:v="urn:schemas-microsoft-com:vml" xmlns:pvml="urn:schemas-microsoft-com:office:powerpoint" xmlns:com="http://schemas.openxmlformats.org/drawingml/2006/compatibility" xmlns:p14="http://schemas.microsoft.com/office/powerpoint/2010/main" showMasterPhAnim="0" showMasterSp="0">
+<p:notes xmlns:a="http://schemas.openxmlformats.org/drawingml/2006/main" xmlns:r="http://schemas.openxmlformats.org/officeDocument/2006/relationships" xmlns:p="http://schemas.openxmlformats.org/presentationml/2006/main" showMasterSp="0" showMasterPhAnim="0">
   <p:cSld>
     <p:spTree>
       <p:nvGrpSpPr>
-        <p:cNvPr id="214" name="Shape 214"/>
+        <p:cNvPr id="1" name="Shape 214"/>
         <p:cNvGrpSpPr/>
         <p:nvPr/>
       </p:nvGrpSpPr>
@@ -1557,19 +1737,26 @@
       <p:sp>
         <p:nvSpPr>
           <p:cNvPr id="215" name="Shape 215"/>
-          <p:cNvSpPr/>
+          <p:cNvSpPr>
+            <a:spLocks noGrp="1" noRot="1" noChangeAspect="1"/>
+          </p:cNvSpPr>
           <p:nvPr>
-            <p:ph idx="2" type="sldImg"/>
+            <p:ph type="sldImg" idx="2"/>
           </p:nvPr>
         </p:nvSpPr>
         <p:spPr>
           <a:xfrm>
-            <a:off x="381300" y="685800"/>
+            <a:off x="381000" y="685800"/>
             <a:ext cx="6096000" cy="3429000"/>
           </a:xfrm>
           <a:custGeom>
+            <a:avLst/>
+            <a:gdLst/>
+            <a:ahLst/>
+            <a:cxnLst/>
+            <a:rect l="0" t="0" r="0" b="0"/>
             <a:pathLst>
-              <a:path extrusionOk="0" h="120000" w="120000">
+              <a:path w="120000" h="120000" extrusionOk="0">
                 <a:moveTo>
                   <a:pt x="0" y="0"/>
                 </a:moveTo>
@@ -1591,9 +1778,11 @@
       <p:sp>
         <p:nvSpPr>
           <p:cNvPr id="216" name="Shape 216"/>
-          <p:cNvSpPr txBox="1"/>
+          <p:cNvSpPr txBox="1">
+            <a:spLocks noGrp="1"/>
+          </p:cNvSpPr>
           <p:nvPr>
-            <p:ph idx="1" type="body"/>
+            <p:ph type="body" idx="1"/>
           </p:nvPr>
         </p:nvSpPr>
         <p:spPr>
@@ -1606,7 +1795,7 @@
           </a:prstGeom>
         </p:spPr>
         <p:txBody>
-          <a:bodyPr anchorCtr="0" anchor="t" bIns="91425" lIns="91425" rIns="91425" tIns="91425">
+          <a:bodyPr lIns="91425" tIns="91425" rIns="91425" bIns="91425" anchor="t" anchorCtr="0">
             <a:noAutofit/>
           </a:bodyPr>
           <a:lstStyle/>
@@ -1617,9 +1806,6 @@
               </a:spcBef>
               <a:buNone/>
             </a:pPr>
-            <a:r>
-              <a:t/>
-            </a:r>
             <a:endParaRPr/>
           </a:p>
         </p:txBody>
@@ -1633,11 +1819,11 @@
 </file>
 
 <file path=ppt/notesSlides/notesSlide21.xml><?xml version="1.0" encoding="utf-8"?>
-<p:notes xmlns:a="http://schemas.openxmlformats.org/drawingml/2006/main" xmlns:r="http://schemas.openxmlformats.org/officeDocument/2006/relationships" xmlns:mc="http://schemas.openxmlformats.org/markup-compatibility/2006" xmlns:mv="urn:schemas-microsoft-com:mac:vml" xmlns:p="http://schemas.openxmlformats.org/presentationml/2006/main" xmlns:c="http://schemas.openxmlformats.org/drawingml/2006/chart" xmlns:dgm="http://schemas.openxmlformats.org/drawingml/2006/diagram" xmlns:o="urn:schemas-microsoft-com:office:office" xmlns:v="urn:schemas-microsoft-com:vml" xmlns:pvml="urn:schemas-microsoft-com:office:powerpoint" xmlns:com="http://schemas.openxmlformats.org/drawingml/2006/compatibility" xmlns:p14="http://schemas.microsoft.com/office/powerpoint/2010/main" showMasterPhAnim="0" showMasterSp="0">
+<p:notes xmlns:a="http://schemas.openxmlformats.org/drawingml/2006/main" xmlns:r="http://schemas.openxmlformats.org/officeDocument/2006/relationships" xmlns:p="http://schemas.openxmlformats.org/presentationml/2006/main" showMasterSp="0" showMasterPhAnim="0">
   <p:cSld>
     <p:spTree>
       <p:nvGrpSpPr>
-        <p:cNvPr id="222" name="Shape 222"/>
+        <p:cNvPr id="1" name="Shape 222"/>
         <p:cNvGrpSpPr/>
         <p:nvPr/>
       </p:nvGrpSpPr>
@@ -1652,19 +1838,26 @@
       <p:sp>
         <p:nvSpPr>
           <p:cNvPr id="223" name="Shape 223"/>
-          <p:cNvSpPr/>
+          <p:cNvSpPr>
+            <a:spLocks noGrp="1" noRot="1" noChangeAspect="1"/>
+          </p:cNvSpPr>
           <p:nvPr>
-            <p:ph idx="2" type="sldImg"/>
+            <p:ph type="sldImg" idx="2"/>
           </p:nvPr>
         </p:nvSpPr>
         <p:spPr>
           <a:xfrm>
-            <a:off x="381300" y="685800"/>
+            <a:off x="381000" y="685800"/>
             <a:ext cx="6096000" cy="3429000"/>
           </a:xfrm>
           <a:custGeom>
+            <a:avLst/>
+            <a:gdLst/>
+            <a:ahLst/>
+            <a:cxnLst/>
+            <a:rect l="0" t="0" r="0" b="0"/>
             <a:pathLst>
-              <a:path extrusionOk="0" h="120000" w="120000">
+              <a:path w="120000" h="120000" extrusionOk="0">
                 <a:moveTo>
                   <a:pt x="0" y="0"/>
                 </a:moveTo>
@@ -1686,9 +1879,11 @@
       <p:sp>
         <p:nvSpPr>
           <p:cNvPr id="224" name="Shape 224"/>
-          <p:cNvSpPr txBox="1"/>
+          <p:cNvSpPr txBox="1">
+            <a:spLocks noGrp="1"/>
+          </p:cNvSpPr>
           <p:nvPr>
-            <p:ph idx="1" type="body"/>
+            <p:ph type="body" idx="1"/>
           </p:nvPr>
         </p:nvSpPr>
         <p:spPr>
@@ -1701,7 +1896,7 @@
           </a:prstGeom>
         </p:spPr>
         <p:txBody>
-          <a:bodyPr anchorCtr="0" anchor="t" bIns="91425" lIns="91425" rIns="91425" tIns="91425">
+          <a:bodyPr lIns="91425" tIns="91425" rIns="91425" bIns="91425" anchor="t" anchorCtr="0">
             <a:noAutofit/>
           </a:bodyPr>
           <a:lstStyle/>
@@ -1712,9 +1907,6 @@
               </a:spcBef>
               <a:buNone/>
             </a:pPr>
-            <a:r>
-              <a:t/>
-            </a:r>
             <a:endParaRPr/>
           </a:p>
         </p:txBody>
@@ -1728,11 +1920,11 @@
 </file>
 
 <file path=ppt/notesSlides/notesSlide22.xml><?xml version="1.0" encoding="utf-8"?>
-<p:notes xmlns:a="http://schemas.openxmlformats.org/drawingml/2006/main" xmlns:r="http://schemas.openxmlformats.org/officeDocument/2006/relationships" xmlns:mc="http://schemas.openxmlformats.org/markup-compatibility/2006" xmlns:mv="urn:schemas-microsoft-com:mac:vml" xmlns:p="http://schemas.openxmlformats.org/presentationml/2006/main" xmlns:c="http://schemas.openxmlformats.org/drawingml/2006/chart" xmlns:dgm="http://schemas.openxmlformats.org/drawingml/2006/diagram" xmlns:o="urn:schemas-microsoft-com:office:office" xmlns:v="urn:schemas-microsoft-com:vml" xmlns:pvml="urn:schemas-microsoft-com:office:powerpoint" xmlns:com="http://schemas.openxmlformats.org/drawingml/2006/compatibility" xmlns:p14="http://schemas.microsoft.com/office/powerpoint/2010/main" showMasterPhAnim="0" showMasterSp="0">
+<p:notes xmlns:a="http://schemas.openxmlformats.org/drawingml/2006/main" xmlns:r="http://schemas.openxmlformats.org/officeDocument/2006/relationships" xmlns:p="http://schemas.openxmlformats.org/presentationml/2006/main" showMasterSp="0" showMasterPhAnim="0">
   <p:cSld>
     <p:spTree>
       <p:nvGrpSpPr>
-        <p:cNvPr id="228" name="Shape 228"/>
+        <p:cNvPr id="1" name="Shape 228"/>
         <p:cNvGrpSpPr/>
         <p:nvPr/>
       </p:nvGrpSpPr>
@@ -1747,19 +1939,26 @@
       <p:sp>
         <p:nvSpPr>
           <p:cNvPr id="229" name="Shape 229"/>
-          <p:cNvSpPr/>
+          <p:cNvSpPr>
+            <a:spLocks noGrp="1" noRot="1" noChangeAspect="1"/>
+          </p:cNvSpPr>
           <p:nvPr>
-            <p:ph idx="2" type="sldImg"/>
+            <p:ph type="sldImg" idx="2"/>
           </p:nvPr>
         </p:nvSpPr>
         <p:spPr>
           <a:xfrm>
-            <a:off x="381300" y="685800"/>
+            <a:off x="381000" y="685800"/>
             <a:ext cx="6096000" cy="3429000"/>
           </a:xfrm>
           <a:custGeom>
+            <a:avLst/>
+            <a:gdLst/>
+            <a:ahLst/>
+            <a:cxnLst/>
+            <a:rect l="0" t="0" r="0" b="0"/>
             <a:pathLst>
-              <a:path extrusionOk="0" h="120000" w="120000">
+              <a:path w="120000" h="120000" extrusionOk="0">
                 <a:moveTo>
                   <a:pt x="0" y="0"/>
                 </a:moveTo>
@@ -1781,9 +1980,11 @@
       <p:sp>
         <p:nvSpPr>
           <p:cNvPr id="230" name="Shape 230"/>
-          <p:cNvSpPr txBox="1"/>
+          <p:cNvSpPr txBox="1">
+            <a:spLocks noGrp="1"/>
+          </p:cNvSpPr>
           <p:nvPr>
-            <p:ph idx="1" type="body"/>
+            <p:ph type="body" idx="1"/>
           </p:nvPr>
         </p:nvSpPr>
         <p:spPr>
@@ -1796,7 +1997,7 @@
           </a:prstGeom>
         </p:spPr>
         <p:txBody>
-          <a:bodyPr anchorCtr="0" anchor="t" bIns="91425" lIns="91425" rIns="91425" tIns="91425">
+          <a:bodyPr lIns="91425" tIns="91425" rIns="91425" bIns="91425" anchor="t" anchorCtr="0">
             <a:noAutofit/>
           </a:bodyPr>
           <a:lstStyle/>
@@ -1807,9 +2008,6 @@
               </a:spcBef>
               <a:buNone/>
             </a:pPr>
-            <a:r>
-              <a:t/>
-            </a:r>
             <a:endParaRPr/>
           </a:p>
         </p:txBody>
@@ -1823,11 +2021,11 @@
 </file>
 
 <file path=ppt/notesSlides/notesSlide23.xml><?xml version="1.0" encoding="utf-8"?>
-<p:notes xmlns:a="http://schemas.openxmlformats.org/drawingml/2006/main" xmlns:r="http://schemas.openxmlformats.org/officeDocument/2006/relationships" xmlns:mc="http://schemas.openxmlformats.org/markup-compatibility/2006" xmlns:mv="urn:schemas-microsoft-com:mac:vml" xmlns:p="http://schemas.openxmlformats.org/presentationml/2006/main" xmlns:c="http://schemas.openxmlformats.org/drawingml/2006/chart" xmlns:dgm="http://schemas.openxmlformats.org/drawingml/2006/diagram" xmlns:o="urn:schemas-microsoft-com:office:office" xmlns:v="urn:schemas-microsoft-com:vml" xmlns:pvml="urn:schemas-microsoft-com:office:powerpoint" xmlns:com="http://schemas.openxmlformats.org/drawingml/2006/compatibility" xmlns:p14="http://schemas.microsoft.com/office/powerpoint/2010/main" showMasterPhAnim="0" showMasterSp="0">
+<p:notes xmlns:a="http://schemas.openxmlformats.org/drawingml/2006/main" xmlns:r="http://schemas.openxmlformats.org/officeDocument/2006/relationships" xmlns:p="http://schemas.openxmlformats.org/presentationml/2006/main" showMasterSp="0" showMasterPhAnim="0">
   <p:cSld>
     <p:spTree>
       <p:nvGrpSpPr>
-        <p:cNvPr id="235" name="Shape 235"/>
+        <p:cNvPr id="1" name="Shape 235"/>
         <p:cNvGrpSpPr/>
         <p:nvPr/>
       </p:nvGrpSpPr>
@@ -1842,19 +2040,26 @@
       <p:sp>
         <p:nvSpPr>
           <p:cNvPr id="236" name="Shape 236"/>
-          <p:cNvSpPr/>
+          <p:cNvSpPr>
+            <a:spLocks noGrp="1" noRot="1" noChangeAspect="1"/>
+          </p:cNvSpPr>
           <p:nvPr>
-            <p:ph idx="2" type="sldImg"/>
+            <p:ph type="sldImg" idx="2"/>
           </p:nvPr>
         </p:nvSpPr>
         <p:spPr>
           <a:xfrm>
-            <a:off x="381300" y="685800"/>
+            <a:off x="381000" y="685800"/>
             <a:ext cx="6096000" cy="3429000"/>
           </a:xfrm>
           <a:custGeom>
+            <a:avLst/>
+            <a:gdLst/>
+            <a:ahLst/>
+            <a:cxnLst/>
+            <a:rect l="0" t="0" r="0" b="0"/>
             <a:pathLst>
-              <a:path extrusionOk="0" h="120000" w="120000">
+              <a:path w="120000" h="120000" extrusionOk="0">
                 <a:moveTo>
                   <a:pt x="0" y="0"/>
                 </a:moveTo>
@@ -1876,9 +2081,11 @@
       <p:sp>
         <p:nvSpPr>
           <p:cNvPr id="237" name="Shape 237"/>
-          <p:cNvSpPr txBox="1"/>
+          <p:cNvSpPr txBox="1">
+            <a:spLocks noGrp="1"/>
+          </p:cNvSpPr>
           <p:nvPr>
-            <p:ph idx="1" type="body"/>
+            <p:ph type="body" idx="1"/>
           </p:nvPr>
         </p:nvSpPr>
         <p:spPr>
@@ -1891,7 +2098,7 @@
           </a:prstGeom>
         </p:spPr>
         <p:txBody>
-          <a:bodyPr anchorCtr="0" anchor="t" bIns="91425" lIns="91425" rIns="91425" tIns="91425">
+          <a:bodyPr lIns="91425" tIns="91425" rIns="91425" bIns="91425" anchor="t" anchorCtr="0">
             <a:noAutofit/>
           </a:bodyPr>
           <a:lstStyle/>
@@ -1902,9 +2109,6 @@
               </a:spcBef>
               <a:buNone/>
             </a:pPr>
-            <a:r>
-              <a:t/>
-            </a:r>
             <a:endParaRPr/>
           </a:p>
         </p:txBody>
@@ -1918,11 +2122,11 @@
 </file>
 
 <file path=ppt/notesSlides/notesSlide3.xml><?xml version="1.0" encoding="utf-8"?>
-<p:notes xmlns:a="http://schemas.openxmlformats.org/drawingml/2006/main" xmlns:r="http://schemas.openxmlformats.org/officeDocument/2006/relationships" xmlns:mc="http://schemas.openxmlformats.org/markup-compatibility/2006" xmlns:mv="urn:schemas-microsoft-com:mac:vml" xmlns:p="http://schemas.openxmlformats.org/presentationml/2006/main" xmlns:c="http://schemas.openxmlformats.org/drawingml/2006/chart" xmlns:dgm="http://schemas.openxmlformats.org/drawingml/2006/diagram" xmlns:o="urn:schemas-microsoft-com:office:office" xmlns:v="urn:schemas-microsoft-com:vml" xmlns:pvml="urn:schemas-microsoft-com:office:powerpoint" xmlns:com="http://schemas.openxmlformats.org/drawingml/2006/compatibility" xmlns:p14="http://schemas.microsoft.com/office/powerpoint/2010/main" showMasterPhAnim="0" showMasterSp="0">
+<p:notes xmlns:a="http://schemas.openxmlformats.org/drawingml/2006/main" xmlns:r="http://schemas.openxmlformats.org/officeDocument/2006/relationships" xmlns:p="http://schemas.openxmlformats.org/presentationml/2006/main" showMasterSp="0" showMasterPhAnim="0">
   <p:cSld>
     <p:spTree>
       <p:nvGrpSpPr>
-        <p:cNvPr id="93" name="Shape 93"/>
+        <p:cNvPr id="1" name="Shape 93"/>
         <p:cNvGrpSpPr/>
         <p:nvPr/>
       </p:nvGrpSpPr>
@@ -1937,19 +2141,26 @@
       <p:sp>
         <p:nvSpPr>
           <p:cNvPr id="94" name="Shape 94"/>
-          <p:cNvSpPr/>
+          <p:cNvSpPr>
+            <a:spLocks noGrp="1" noRot="1" noChangeAspect="1"/>
+          </p:cNvSpPr>
           <p:nvPr>
-            <p:ph idx="2" type="sldImg"/>
+            <p:ph type="sldImg" idx="2"/>
           </p:nvPr>
         </p:nvSpPr>
         <p:spPr>
           <a:xfrm>
-            <a:off x="381300" y="685800"/>
+            <a:off x="381000" y="685800"/>
             <a:ext cx="6096000" cy="3429000"/>
           </a:xfrm>
           <a:custGeom>
+            <a:avLst/>
+            <a:gdLst/>
+            <a:ahLst/>
+            <a:cxnLst/>
+            <a:rect l="0" t="0" r="0" b="0"/>
             <a:pathLst>
-              <a:path extrusionOk="0" h="120000" w="120000">
+              <a:path w="120000" h="120000" extrusionOk="0">
                 <a:moveTo>
                   <a:pt x="0" y="0"/>
                 </a:moveTo>
@@ -1971,9 +2182,11 @@
       <p:sp>
         <p:nvSpPr>
           <p:cNvPr id="95" name="Shape 95"/>
-          <p:cNvSpPr txBox="1"/>
+          <p:cNvSpPr txBox="1">
+            <a:spLocks noGrp="1"/>
+          </p:cNvSpPr>
           <p:nvPr>
-            <p:ph idx="1" type="body"/>
+            <p:ph type="body" idx="1"/>
           </p:nvPr>
         </p:nvSpPr>
         <p:spPr>
@@ -1986,7 +2199,7 @@
           </a:prstGeom>
         </p:spPr>
         <p:txBody>
-          <a:bodyPr anchorCtr="0" anchor="t" bIns="91425" lIns="91425" rIns="91425" tIns="91425">
+          <a:bodyPr lIns="91425" tIns="91425" rIns="91425" bIns="91425" anchor="t" anchorCtr="0">
             <a:noAutofit/>
           </a:bodyPr>
           <a:lstStyle/>
@@ -1997,9 +2210,6 @@
               </a:spcBef>
               <a:buNone/>
             </a:pPr>
-            <a:r>
-              <a:t/>
-            </a:r>
             <a:endParaRPr/>
           </a:p>
         </p:txBody>
@@ -2013,11 +2223,11 @@
 </file>
 
 <file path=ppt/notesSlides/notesSlide4.xml><?xml version="1.0" encoding="utf-8"?>
-<p:notes xmlns:a="http://schemas.openxmlformats.org/drawingml/2006/main" xmlns:r="http://schemas.openxmlformats.org/officeDocument/2006/relationships" xmlns:mc="http://schemas.openxmlformats.org/markup-compatibility/2006" xmlns:mv="urn:schemas-microsoft-com:mac:vml" xmlns:p="http://schemas.openxmlformats.org/presentationml/2006/main" xmlns:c="http://schemas.openxmlformats.org/drawingml/2006/chart" xmlns:dgm="http://schemas.openxmlformats.org/drawingml/2006/diagram" xmlns:o="urn:schemas-microsoft-com:office:office" xmlns:v="urn:schemas-microsoft-com:vml" xmlns:pvml="urn:schemas-microsoft-com:office:powerpoint" xmlns:com="http://schemas.openxmlformats.org/drawingml/2006/compatibility" xmlns:p14="http://schemas.microsoft.com/office/powerpoint/2010/main" showMasterPhAnim="0" showMasterSp="0">
+<p:notes xmlns:a="http://schemas.openxmlformats.org/drawingml/2006/main" xmlns:r="http://schemas.openxmlformats.org/officeDocument/2006/relationships" xmlns:p="http://schemas.openxmlformats.org/presentationml/2006/main" showMasterSp="0" showMasterPhAnim="0">
   <p:cSld>
     <p:spTree>
       <p:nvGrpSpPr>
-        <p:cNvPr id="101" name="Shape 101"/>
+        <p:cNvPr id="1" name="Shape 101"/>
         <p:cNvGrpSpPr/>
         <p:nvPr/>
       </p:nvGrpSpPr>
@@ -2032,19 +2242,26 @@
       <p:sp>
         <p:nvSpPr>
           <p:cNvPr id="102" name="Shape 102"/>
-          <p:cNvSpPr/>
+          <p:cNvSpPr>
+            <a:spLocks noGrp="1" noRot="1" noChangeAspect="1"/>
+          </p:cNvSpPr>
           <p:nvPr>
-            <p:ph idx="2" type="sldImg"/>
+            <p:ph type="sldImg" idx="2"/>
           </p:nvPr>
         </p:nvSpPr>
         <p:spPr>
           <a:xfrm>
-            <a:off x="381300" y="685800"/>
+            <a:off x="381000" y="685800"/>
             <a:ext cx="6096000" cy="3429000"/>
           </a:xfrm>
           <a:custGeom>
+            <a:avLst/>
+            <a:gdLst/>
+            <a:ahLst/>
+            <a:cxnLst/>
+            <a:rect l="0" t="0" r="0" b="0"/>
             <a:pathLst>
-              <a:path extrusionOk="0" h="120000" w="120000">
+              <a:path w="120000" h="120000" extrusionOk="0">
                 <a:moveTo>
                   <a:pt x="0" y="0"/>
                 </a:moveTo>
@@ -2066,9 +2283,11 @@
       <p:sp>
         <p:nvSpPr>
           <p:cNvPr id="103" name="Shape 103"/>
-          <p:cNvSpPr txBox="1"/>
+          <p:cNvSpPr txBox="1">
+            <a:spLocks noGrp="1"/>
+          </p:cNvSpPr>
           <p:nvPr>
-            <p:ph idx="1" type="body"/>
+            <p:ph type="body" idx="1"/>
           </p:nvPr>
         </p:nvSpPr>
         <p:spPr>
@@ -2081,7 +2300,7 @@
           </a:prstGeom>
         </p:spPr>
         <p:txBody>
-          <a:bodyPr anchorCtr="0" anchor="t" bIns="91425" lIns="91425" rIns="91425" tIns="91425">
+          <a:bodyPr lIns="91425" tIns="91425" rIns="91425" bIns="91425" anchor="t" anchorCtr="0">
             <a:noAutofit/>
           </a:bodyPr>
           <a:lstStyle/>
@@ -2092,9 +2311,6 @@
               </a:spcBef>
               <a:buNone/>
             </a:pPr>
-            <a:r>
-              <a:t/>
-            </a:r>
             <a:endParaRPr/>
           </a:p>
         </p:txBody>
@@ -2108,11 +2324,11 @@
 </file>
 
 <file path=ppt/notesSlides/notesSlide5.xml><?xml version="1.0" encoding="utf-8"?>
-<p:notes xmlns:a="http://schemas.openxmlformats.org/drawingml/2006/main" xmlns:r="http://schemas.openxmlformats.org/officeDocument/2006/relationships" xmlns:mc="http://schemas.openxmlformats.org/markup-compatibility/2006" xmlns:mv="urn:schemas-microsoft-com:mac:vml" xmlns:p="http://schemas.openxmlformats.org/presentationml/2006/main" xmlns:c="http://schemas.openxmlformats.org/drawingml/2006/chart" xmlns:dgm="http://schemas.openxmlformats.org/drawingml/2006/diagram" xmlns:o="urn:schemas-microsoft-com:office:office" xmlns:v="urn:schemas-microsoft-com:vml" xmlns:pvml="urn:schemas-microsoft-com:office:powerpoint" xmlns:com="http://schemas.openxmlformats.org/drawingml/2006/compatibility" xmlns:p14="http://schemas.microsoft.com/office/powerpoint/2010/main" showMasterPhAnim="0" showMasterSp="0">
+<p:notes xmlns:a="http://schemas.openxmlformats.org/drawingml/2006/main" xmlns:r="http://schemas.openxmlformats.org/officeDocument/2006/relationships" xmlns:p="http://schemas.openxmlformats.org/presentationml/2006/main" showMasterSp="0" showMasterPhAnim="0">
   <p:cSld>
     <p:spTree>
       <p:nvGrpSpPr>
-        <p:cNvPr id="109" name="Shape 109"/>
+        <p:cNvPr id="1" name="Shape 109"/>
         <p:cNvGrpSpPr/>
         <p:nvPr/>
       </p:nvGrpSpPr>
@@ -2127,19 +2343,26 @@
       <p:sp>
         <p:nvSpPr>
           <p:cNvPr id="110" name="Shape 110"/>
-          <p:cNvSpPr/>
+          <p:cNvSpPr>
+            <a:spLocks noGrp="1" noRot="1" noChangeAspect="1"/>
+          </p:cNvSpPr>
           <p:nvPr>
-            <p:ph idx="2" type="sldImg"/>
+            <p:ph type="sldImg" idx="2"/>
           </p:nvPr>
         </p:nvSpPr>
         <p:spPr>
           <a:xfrm>
-            <a:off x="381300" y="685800"/>
+            <a:off x="381000" y="685800"/>
             <a:ext cx="6096000" cy="3429000"/>
           </a:xfrm>
           <a:custGeom>
+            <a:avLst/>
+            <a:gdLst/>
+            <a:ahLst/>
+            <a:cxnLst/>
+            <a:rect l="0" t="0" r="0" b="0"/>
             <a:pathLst>
-              <a:path extrusionOk="0" h="120000" w="120000">
+              <a:path w="120000" h="120000" extrusionOk="0">
                 <a:moveTo>
                   <a:pt x="0" y="0"/>
                 </a:moveTo>
@@ -2161,9 +2384,11 @@
       <p:sp>
         <p:nvSpPr>
           <p:cNvPr id="111" name="Shape 111"/>
-          <p:cNvSpPr txBox="1"/>
+          <p:cNvSpPr txBox="1">
+            <a:spLocks noGrp="1"/>
+          </p:cNvSpPr>
           <p:nvPr>
-            <p:ph idx="1" type="body"/>
+            <p:ph type="body" idx="1"/>
           </p:nvPr>
         </p:nvSpPr>
         <p:spPr>
@@ -2176,7 +2401,7 @@
           </a:prstGeom>
         </p:spPr>
         <p:txBody>
-          <a:bodyPr anchorCtr="0" anchor="t" bIns="91425" lIns="91425" rIns="91425" tIns="91425">
+          <a:bodyPr lIns="91425" tIns="91425" rIns="91425" bIns="91425" anchor="t" anchorCtr="0">
             <a:noAutofit/>
           </a:bodyPr>
           <a:lstStyle/>
@@ -2187,9 +2412,6 @@
               </a:spcBef>
               <a:buNone/>
             </a:pPr>
-            <a:r>
-              <a:t/>
-            </a:r>
             <a:endParaRPr/>
           </a:p>
         </p:txBody>
@@ -2203,11 +2425,11 @@
 </file>
 
 <file path=ppt/notesSlides/notesSlide6.xml><?xml version="1.0" encoding="utf-8"?>
-<p:notes xmlns:a="http://schemas.openxmlformats.org/drawingml/2006/main" xmlns:r="http://schemas.openxmlformats.org/officeDocument/2006/relationships" xmlns:mc="http://schemas.openxmlformats.org/markup-compatibility/2006" xmlns:mv="urn:schemas-microsoft-com:mac:vml" xmlns:p="http://schemas.openxmlformats.org/presentationml/2006/main" xmlns:c="http://schemas.openxmlformats.org/drawingml/2006/chart" xmlns:dgm="http://schemas.openxmlformats.org/drawingml/2006/diagram" xmlns:o="urn:schemas-microsoft-com:office:office" xmlns:v="urn:schemas-microsoft-com:vml" xmlns:pvml="urn:schemas-microsoft-com:office:powerpoint" xmlns:com="http://schemas.openxmlformats.org/drawingml/2006/compatibility" xmlns:p14="http://schemas.microsoft.com/office/powerpoint/2010/main" showMasterPhAnim="0" showMasterSp="0">
+<p:notes xmlns:a="http://schemas.openxmlformats.org/drawingml/2006/main" xmlns:r="http://schemas.openxmlformats.org/officeDocument/2006/relationships" xmlns:p="http://schemas.openxmlformats.org/presentationml/2006/main" showMasterSp="0" showMasterPhAnim="0">
   <p:cSld>
     <p:spTree>
       <p:nvGrpSpPr>
-        <p:cNvPr id="117" name="Shape 117"/>
+        <p:cNvPr id="1" name="Shape 117"/>
         <p:cNvGrpSpPr/>
         <p:nvPr/>
       </p:nvGrpSpPr>
@@ -2222,19 +2444,26 @@
       <p:sp>
         <p:nvSpPr>
           <p:cNvPr id="118" name="Shape 118"/>
-          <p:cNvSpPr/>
+          <p:cNvSpPr>
+            <a:spLocks noGrp="1" noRot="1" noChangeAspect="1"/>
+          </p:cNvSpPr>
           <p:nvPr>
-            <p:ph idx="2" type="sldImg"/>
+            <p:ph type="sldImg" idx="2"/>
           </p:nvPr>
         </p:nvSpPr>
         <p:spPr>
           <a:xfrm>
-            <a:off x="381300" y="685800"/>
+            <a:off x="381000" y="685800"/>
             <a:ext cx="6096000" cy="3429000"/>
           </a:xfrm>
           <a:custGeom>
+            <a:avLst/>
+            <a:gdLst/>
+            <a:ahLst/>
+            <a:cxnLst/>
+            <a:rect l="0" t="0" r="0" b="0"/>
             <a:pathLst>
-              <a:path extrusionOk="0" h="120000" w="120000">
+              <a:path w="120000" h="120000" extrusionOk="0">
                 <a:moveTo>
                   <a:pt x="0" y="0"/>
                 </a:moveTo>
@@ -2256,9 +2485,11 @@
       <p:sp>
         <p:nvSpPr>
           <p:cNvPr id="119" name="Shape 119"/>
-          <p:cNvSpPr txBox="1"/>
+          <p:cNvSpPr txBox="1">
+            <a:spLocks noGrp="1"/>
+          </p:cNvSpPr>
           <p:nvPr>
-            <p:ph idx="1" type="body"/>
+            <p:ph type="body" idx="1"/>
           </p:nvPr>
         </p:nvSpPr>
         <p:spPr>
@@ -2271,7 +2502,7 @@
           </a:prstGeom>
         </p:spPr>
         <p:txBody>
-          <a:bodyPr anchorCtr="0" anchor="t" bIns="91425" lIns="91425" rIns="91425" tIns="91425">
+          <a:bodyPr lIns="91425" tIns="91425" rIns="91425" bIns="91425" anchor="t" anchorCtr="0">
             <a:noAutofit/>
           </a:bodyPr>
           <a:lstStyle/>
@@ -2282,9 +2513,6 @@
               </a:spcBef>
               <a:buNone/>
             </a:pPr>
-            <a:r>
-              <a:t/>
-            </a:r>
             <a:endParaRPr/>
           </a:p>
         </p:txBody>
@@ -2298,11 +2526,11 @@
 </file>
 
 <file path=ppt/notesSlides/notesSlide7.xml><?xml version="1.0" encoding="utf-8"?>
-<p:notes xmlns:a="http://schemas.openxmlformats.org/drawingml/2006/main" xmlns:r="http://schemas.openxmlformats.org/officeDocument/2006/relationships" xmlns:mc="http://schemas.openxmlformats.org/markup-compatibility/2006" xmlns:mv="urn:schemas-microsoft-com:mac:vml" xmlns:p="http://schemas.openxmlformats.org/presentationml/2006/main" xmlns:c="http://schemas.openxmlformats.org/drawingml/2006/chart" xmlns:dgm="http://schemas.openxmlformats.org/drawingml/2006/diagram" xmlns:o="urn:schemas-microsoft-com:office:office" xmlns:v="urn:schemas-microsoft-com:vml" xmlns:pvml="urn:schemas-microsoft-com:office:powerpoint" xmlns:com="http://schemas.openxmlformats.org/drawingml/2006/compatibility" xmlns:p14="http://schemas.microsoft.com/office/powerpoint/2010/main" showMasterPhAnim="0" showMasterSp="0">
+<p:notes xmlns:a="http://schemas.openxmlformats.org/drawingml/2006/main" xmlns:r="http://schemas.openxmlformats.org/officeDocument/2006/relationships" xmlns:p="http://schemas.openxmlformats.org/presentationml/2006/main" showMasterSp="0" showMasterPhAnim="0">
   <p:cSld>
     <p:spTree>
       <p:nvGrpSpPr>
-        <p:cNvPr id="125" name="Shape 125"/>
+        <p:cNvPr id="1" name="Shape 125"/>
         <p:cNvGrpSpPr/>
         <p:nvPr/>
       </p:nvGrpSpPr>
@@ -2317,19 +2545,26 @@
       <p:sp>
         <p:nvSpPr>
           <p:cNvPr id="126" name="Shape 126"/>
-          <p:cNvSpPr/>
+          <p:cNvSpPr>
+            <a:spLocks noGrp="1" noRot="1" noChangeAspect="1"/>
+          </p:cNvSpPr>
           <p:nvPr>
-            <p:ph idx="2" type="sldImg"/>
+            <p:ph type="sldImg" idx="2"/>
           </p:nvPr>
         </p:nvSpPr>
         <p:spPr>
           <a:xfrm>
-            <a:off x="381300" y="685800"/>
+            <a:off x="381000" y="685800"/>
             <a:ext cx="6096000" cy="3429000"/>
           </a:xfrm>
           <a:custGeom>
+            <a:avLst/>
+            <a:gdLst/>
+            <a:ahLst/>
+            <a:cxnLst/>
+            <a:rect l="0" t="0" r="0" b="0"/>
             <a:pathLst>
-              <a:path extrusionOk="0" h="120000" w="120000">
+              <a:path w="120000" h="120000" extrusionOk="0">
                 <a:moveTo>
                   <a:pt x="0" y="0"/>
                 </a:moveTo>
@@ -2351,9 +2586,11 @@
       <p:sp>
         <p:nvSpPr>
           <p:cNvPr id="127" name="Shape 127"/>
-          <p:cNvSpPr txBox="1"/>
+          <p:cNvSpPr txBox="1">
+            <a:spLocks noGrp="1"/>
+          </p:cNvSpPr>
           <p:nvPr>
-            <p:ph idx="1" type="body"/>
+            <p:ph type="body" idx="1"/>
           </p:nvPr>
         </p:nvSpPr>
         <p:spPr>
@@ -2366,7 +2603,7 @@
           </a:prstGeom>
         </p:spPr>
         <p:txBody>
-          <a:bodyPr anchorCtr="0" anchor="t" bIns="91425" lIns="91425" rIns="91425" tIns="91425">
+          <a:bodyPr lIns="91425" tIns="91425" rIns="91425" bIns="91425" anchor="t" anchorCtr="0">
             <a:noAutofit/>
           </a:bodyPr>
           <a:lstStyle/>
@@ -2377,9 +2614,6 @@
               </a:spcBef>
               <a:buNone/>
             </a:pPr>
-            <a:r>
-              <a:t/>
-            </a:r>
             <a:endParaRPr/>
           </a:p>
         </p:txBody>
@@ -2393,11 +2627,11 @@
 </file>
 
 <file path=ppt/notesSlides/notesSlide8.xml><?xml version="1.0" encoding="utf-8"?>
-<p:notes xmlns:a="http://schemas.openxmlformats.org/drawingml/2006/main" xmlns:r="http://schemas.openxmlformats.org/officeDocument/2006/relationships" xmlns:mc="http://schemas.openxmlformats.org/markup-compatibility/2006" xmlns:mv="urn:schemas-microsoft-com:mac:vml" xmlns:p="http://schemas.openxmlformats.org/presentationml/2006/main" xmlns:c="http://schemas.openxmlformats.org/drawingml/2006/chart" xmlns:dgm="http://schemas.openxmlformats.org/drawingml/2006/diagram" xmlns:o="urn:schemas-microsoft-com:office:office" xmlns:v="urn:schemas-microsoft-com:vml" xmlns:pvml="urn:schemas-microsoft-com:office:powerpoint" xmlns:com="http://schemas.openxmlformats.org/drawingml/2006/compatibility" xmlns:p14="http://schemas.microsoft.com/office/powerpoint/2010/main" showMasterPhAnim="0" showMasterSp="0">
+<p:notes xmlns:a="http://schemas.openxmlformats.org/drawingml/2006/main" xmlns:r="http://schemas.openxmlformats.org/officeDocument/2006/relationships" xmlns:p="http://schemas.openxmlformats.org/presentationml/2006/main" showMasterSp="0" showMasterPhAnim="0">
   <p:cSld>
     <p:spTree>
       <p:nvGrpSpPr>
-        <p:cNvPr id="132" name="Shape 132"/>
+        <p:cNvPr id="1" name="Shape 132"/>
         <p:cNvGrpSpPr/>
         <p:nvPr/>
       </p:nvGrpSpPr>
@@ -2412,19 +2646,26 @@
       <p:sp>
         <p:nvSpPr>
           <p:cNvPr id="133" name="Shape 133"/>
-          <p:cNvSpPr/>
+          <p:cNvSpPr>
+            <a:spLocks noGrp="1" noRot="1" noChangeAspect="1"/>
+          </p:cNvSpPr>
           <p:nvPr>
-            <p:ph idx="2" type="sldImg"/>
+            <p:ph type="sldImg" idx="2"/>
           </p:nvPr>
         </p:nvSpPr>
         <p:spPr>
           <a:xfrm>
-            <a:off x="381300" y="685800"/>
+            <a:off x="381000" y="685800"/>
             <a:ext cx="6096000" cy="3429000"/>
           </a:xfrm>
           <a:custGeom>
+            <a:avLst/>
+            <a:gdLst/>
+            <a:ahLst/>
+            <a:cxnLst/>
+            <a:rect l="0" t="0" r="0" b="0"/>
             <a:pathLst>
-              <a:path extrusionOk="0" h="120000" w="120000">
+              <a:path w="120000" h="120000" extrusionOk="0">
                 <a:moveTo>
                   <a:pt x="0" y="0"/>
                 </a:moveTo>
@@ -2446,9 +2687,11 @@
       <p:sp>
         <p:nvSpPr>
           <p:cNvPr id="134" name="Shape 134"/>
-          <p:cNvSpPr txBox="1"/>
+          <p:cNvSpPr txBox="1">
+            <a:spLocks noGrp="1"/>
+          </p:cNvSpPr>
           <p:nvPr>
-            <p:ph idx="1" type="body"/>
+            <p:ph type="body" idx="1"/>
           </p:nvPr>
         </p:nvSpPr>
         <p:spPr>
@@ -2461,7 +2704,7 @@
           </a:prstGeom>
         </p:spPr>
         <p:txBody>
-          <a:bodyPr anchorCtr="0" anchor="t" bIns="91425" lIns="91425" rIns="91425" tIns="91425">
+          <a:bodyPr lIns="91425" tIns="91425" rIns="91425" bIns="91425" anchor="t" anchorCtr="0">
             <a:noAutofit/>
           </a:bodyPr>
           <a:lstStyle/>
@@ -2472,9 +2715,6 @@
               </a:spcBef>
               <a:buNone/>
             </a:pPr>
-            <a:r>
-              <a:t/>
-            </a:r>
             <a:endParaRPr/>
           </a:p>
         </p:txBody>
@@ -2488,11 +2728,11 @@
 </file>
 
 <file path=ppt/notesSlides/notesSlide9.xml><?xml version="1.0" encoding="utf-8"?>
-<p:notes xmlns:a="http://schemas.openxmlformats.org/drawingml/2006/main" xmlns:r="http://schemas.openxmlformats.org/officeDocument/2006/relationships" xmlns:mc="http://schemas.openxmlformats.org/markup-compatibility/2006" xmlns:mv="urn:schemas-microsoft-com:mac:vml" xmlns:p="http://schemas.openxmlformats.org/presentationml/2006/main" xmlns:c="http://schemas.openxmlformats.org/drawingml/2006/chart" xmlns:dgm="http://schemas.openxmlformats.org/drawingml/2006/diagram" xmlns:o="urn:schemas-microsoft-com:office:office" xmlns:v="urn:schemas-microsoft-com:vml" xmlns:pvml="urn:schemas-microsoft-com:office:powerpoint" xmlns:com="http://schemas.openxmlformats.org/drawingml/2006/compatibility" xmlns:p14="http://schemas.microsoft.com/office/powerpoint/2010/main" showMasterPhAnim="0" showMasterSp="0">
+<p:notes xmlns:a="http://schemas.openxmlformats.org/drawingml/2006/main" xmlns:r="http://schemas.openxmlformats.org/officeDocument/2006/relationships" xmlns:p="http://schemas.openxmlformats.org/presentationml/2006/main" showMasterSp="0" showMasterPhAnim="0">
   <p:cSld>
     <p:spTree>
       <p:nvGrpSpPr>
-        <p:cNvPr id="140" name="Shape 140"/>
+        <p:cNvPr id="1" name="Shape 140"/>
         <p:cNvGrpSpPr/>
         <p:nvPr/>
       </p:nvGrpSpPr>
@@ -2507,19 +2747,26 @@
       <p:sp>
         <p:nvSpPr>
           <p:cNvPr id="141" name="Shape 141"/>
-          <p:cNvSpPr/>
+          <p:cNvSpPr>
+            <a:spLocks noGrp="1" noRot="1" noChangeAspect="1"/>
+          </p:cNvSpPr>
           <p:nvPr>
-            <p:ph idx="2" type="sldImg"/>
+            <p:ph type="sldImg" idx="2"/>
           </p:nvPr>
         </p:nvSpPr>
         <p:spPr>
           <a:xfrm>
-            <a:off x="381300" y="685800"/>
+            <a:off x="381000" y="685800"/>
             <a:ext cx="6096000" cy="3429000"/>
           </a:xfrm>
           <a:custGeom>
+            <a:avLst/>
+            <a:gdLst/>
+            <a:ahLst/>
+            <a:cxnLst/>
+            <a:rect l="0" t="0" r="0" b="0"/>
             <a:pathLst>
-              <a:path extrusionOk="0" h="120000" w="120000">
+              <a:path w="120000" h="120000" extrusionOk="0">
                 <a:moveTo>
                   <a:pt x="0" y="0"/>
                 </a:moveTo>
@@ -2541,9 +2788,11 @@
       <p:sp>
         <p:nvSpPr>
           <p:cNvPr id="142" name="Shape 142"/>
-          <p:cNvSpPr txBox="1"/>
+          <p:cNvSpPr txBox="1">
+            <a:spLocks noGrp="1"/>
+          </p:cNvSpPr>
           <p:nvPr>
-            <p:ph idx="1" type="body"/>
+            <p:ph type="body" idx="1"/>
           </p:nvPr>
         </p:nvSpPr>
         <p:spPr>
@@ -2556,7 +2805,7 @@
           </a:prstGeom>
         </p:spPr>
         <p:txBody>
-          <a:bodyPr anchorCtr="0" anchor="t" bIns="91425" lIns="91425" rIns="91425" tIns="91425">
+          <a:bodyPr lIns="91425" tIns="91425" rIns="91425" bIns="91425" anchor="t" anchorCtr="0">
             <a:noAutofit/>
           </a:bodyPr>
           <a:lstStyle/>
@@ -2567,9 +2816,6 @@
               </a:spcBef>
               <a:buNone/>
             </a:pPr>
-            <a:r>
-              <a:t/>
-            </a:r>
             <a:endParaRPr/>
           </a:p>
         </p:txBody>
@@ -2583,18 +2829,19 @@
 </file>
 
 <file path=ppt/slideLayouts/slideLayout1.xml><?xml version="1.0" encoding="utf-8"?>
-<p:sldLayout xmlns:a="http://schemas.openxmlformats.org/drawingml/2006/main" xmlns:r="http://schemas.openxmlformats.org/officeDocument/2006/relationships" xmlns:mc="http://schemas.openxmlformats.org/markup-compatibility/2006" xmlns:mv="urn:schemas-microsoft-com:mac:vml" xmlns:p="http://schemas.openxmlformats.org/presentationml/2006/main" xmlns:c="http://schemas.openxmlformats.org/drawingml/2006/chart" xmlns:dgm="http://schemas.openxmlformats.org/drawingml/2006/diagram" xmlns:o="urn:schemas-microsoft-com:office:office" xmlns:v="urn:schemas-microsoft-com:vml" xmlns:pvml="urn:schemas-microsoft-com:office:powerpoint" xmlns:com="http://schemas.openxmlformats.org/drawingml/2006/compatibility" xmlns:p14="http://schemas.microsoft.com/office/powerpoint/2010/main" type="title">
+<p:sldLayout xmlns:a="http://schemas.openxmlformats.org/drawingml/2006/main" xmlns:r="http://schemas.openxmlformats.org/officeDocument/2006/relationships" xmlns:p="http://schemas.openxmlformats.org/presentationml/2006/main" type="title">
   <p:cSld name="Title slide">
     <p:bg>
       <p:bgPr>
         <a:solidFill>
           <a:schemeClr val="dk1"/>
         </a:solidFill>
+        <a:effectLst/>
       </p:bgPr>
     </p:bg>
     <p:spTree>
       <p:nvGrpSpPr>
-        <p:cNvPr id="9" name="Shape 9"/>
+        <p:cNvPr id="1" name="Shape 9"/>
         <p:cNvGrpSpPr/>
         <p:nvPr/>
       </p:nvGrpSpPr>
@@ -2642,7 +2889,7 @@
             </a:ln>
           </p:spPr>
           <p:txBody>
-            <a:bodyPr anchorCtr="0" anchor="ctr" bIns="91425" lIns="91425" rIns="91425" tIns="91425">
+            <a:bodyPr lIns="91425" tIns="91425" rIns="91425" bIns="91425" anchor="ctr" anchorCtr="0">
               <a:noAutofit/>
             </a:bodyPr>
             <a:lstStyle/>
@@ -2653,9 +2900,6 @@
                 </a:spcBef>
                 <a:buNone/>
               </a:pPr>
-              <a:r>
-                <a:t/>
-              </a:r>
               <a:endParaRPr/>
             </a:p>
           </p:txBody>
@@ -2682,7 +2926,7 @@
             </a:ln>
           </p:spPr>
           <p:txBody>
-            <a:bodyPr anchorCtr="0" anchor="ctr" bIns="91425" lIns="91425" rIns="91425" tIns="91425">
+            <a:bodyPr lIns="91425" tIns="91425" rIns="91425" bIns="91425" anchor="ctr" anchorCtr="0">
               <a:noAutofit/>
             </a:bodyPr>
             <a:lstStyle/>
@@ -2693,9 +2937,6 @@
                 </a:spcBef>
                 <a:buNone/>
               </a:pPr>
-              <a:r>
-                <a:t/>
-              </a:r>
               <a:endParaRPr/>
             </a:p>
           </p:txBody>
@@ -2707,7 +2948,7 @@
             <p:nvPr/>
           </p:nvSpPr>
           <p:spPr>
-            <a:xfrm flipH="1" rot="10800000">
+            <a:xfrm rot="10800000" flipH="1">
               <a:off x="7113588" y="106"/>
               <a:ext cx="1015200" cy="1015200"/>
             </a:xfrm>
@@ -2722,7 +2963,7 @@
             </a:ln>
           </p:spPr>
           <p:txBody>
-            <a:bodyPr anchorCtr="0" anchor="ctr" bIns="91425" lIns="91425" rIns="91425" tIns="91425">
+            <a:bodyPr lIns="91425" tIns="91425" rIns="91425" bIns="91425" anchor="ctr" anchorCtr="0">
               <a:noAutofit/>
             </a:bodyPr>
             <a:lstStyle/>
@@ -2733,9 +2974,6 @@
                 </a:spcBef>
                 <a:buNone/>
               </a:pPr>
-              <a:r>
-                <a:t/>
-              </a:r>
               <a:endParaRPr/>
             </a:p>
           </p:txBody>
@@ -2762,7 +3000,7 @@
             </a:ln>
           </p:spPr>
           <p:txBody>
-            <a:bodyPr anchorCtr="0" anchor="ctr" bIns="91425" lIns="91425" rIns="91425" tIns="91425">
+            <a:bodyPr lIns="91425" tIns="91425" rIns="91425" bIns="91425" anchor="ctr" anchorCtr="0">
               <a:noAutofit/>
             </a:bodyPr>
             <a:lstStyle/>
@@ -2773,9 +3011,6 @@
                 </a:spcBef>
                 <a:buNone/>
               </a:pPr>
-              <a:r>
-                <a:t/>
-              </a:r>
               <a:endParaRPr/>
             </a:p>
           </p:txBody>
@@ -2802,7 +3037,7 @@
             </a:ln>
           </p:spPr>
           <p:txBody>
-            <a:bodyPr anchorCtr="0" anchor="ctr" bIns="91425" lIns="91425" rIns="91425" tIns="91425">
+            <a:bodyPr lIns="91425" tIns="91425" rIns="91425" bIns="91425" anchor="ctr" anchorCtr="0">
               <a:noAutofit/>
             </a:bodyPr>
             <a:lstStyle/>
@@ -2813,9 +3048,6 @@
                 </a:spcBef>
                 <a:buNone/>
               </a:pPr>
-              <a:r>
-                <a:t/>
-              </a:r>
               <a:endParaRPr/>
             </a:p>
           </p:txBody>
@@ -2824,7 +3056,9 @@
       <p:sp>
         <p:nvSpPr>
           <p:cNvPr id="16" name="Shape 16"/>
-          <p:cNvSpPr txBox="1"/>
+          <p:cNvSpPr txBox="1">
+            <a:spLocks noGrp="1"/>
+          </p:cNvSpPr>
           <p:nvPr>
             <p:ph type="ctrTitle"/>
           </p:nvPr>
@@ -2839,7 +3073,7 @@
           </a:prstGeom>
         </p:spPr>
         <p:txBody>
-          <a:bodyPr anchorCtr="0" anchor="b" bIns="91425" lIns="91425" rIns="91425" tIns="91425"/>
+          <a:bodyPr lIns="91425" tIns="91425" rIns="91425" bIns="91425" anchor="b" anchorCtr="0"/>
           <a:lstStyle>
             <a:lvl1pPr lvl="0">
               <a:spcBef>
@@ -2968,15 +3202,19 @@
               </a:defRPr>
             </a:lvl9pPr>
           </a:lstStyle>
-          <a:p/>
+          <a:p>
+            <a:endParaRPr/>
+          </a:p>
         </p:txBody>
       </p:sp>
       <p:sp>
         <p:nvSpPr>
           <p:cNvPr id="17" name="Shape 17"/>
-          <p:cNvSpPr txBox="1"/>
+          <p:cNvSpPr txBox="1">
+            <a:spLocks noGrp="1"/>
+          </p:cNvSpPr>
           <p:nvPr>
-            <p:ph idx="1" type="subTitle"/>
+            <p:ph type="subTitle" idx="1"/>
           </p:nvPr>
         </p:nvSpPr>
         <p:spPr>
@@ -2989,7 +3227,7 @@
           </a:prstGeom>
         </p:spPr>
         <p:txBody>
-          <a:bodyPr anchorCtr="0" anchor="t" bIns="91425" lIns="91425" rIns="91425" tIns="91425"/>
+          <a:bodyPr lIns="91425" tIns="91425" rIns="91425" bIns="91425" anchor="t" anchorCtr="0"/>
           <a:lstStyle>
             <a:lvl1pPr lvl="0">
               <a:lnSpc>
@@ -3181,15 +3419,19 @@
               </a:defRPr>
             </a:lvl9pPr>
           </a:lstStyle>
-          <a:p/>
+          <a:p>
+            <a:endParaRPr/>
+          </a:p>
         </p:txBody>
       </p:sp>
       <p:sp>
         <p:nvSpPr>
           <p:cNvPr id="18" name="Shape 18"/>
-          <p:cNvSpPr txBox="1"/>
+          <p:cNvSpPr txBox="1">
+            <a:spLocks noGrp="1"/>
+          </p:cNvSpPr>
           <p:nvPr>
-            <p:ph idx="12" type="sldNum"/>
+            <p:ph type="sldNum" idx="12"/>
           </p:nvPr>
         </p:nvSpPr>
         <p:spPr>
@@ -3202,7 +3444,7 @@
           </a:prstGeom>
         </p:spPr>
         <p:txBody>
-          <a:bodyPr anchorCtr="0" anchor="ctr" bIns="91425" lIns="91425" rIns="91425" tIns="91425">
+          <a:bodyPr lIns="91425" tIns="91425" rIns="91425" bIns="91425" anchor="ctr" anchorCtr="0">
             <a:noAutofit/>
           </a:bodyPr>
           <a:lstStyle/>
@@ -3217,6 +3459,7 @@
               <a:rPr lang="en"/>
               <a:t>‹#›</a:t>
             </a:fld>
+            <a:endParaRPr lang="en"/>
           </a:p>
         </p:txBody>
       </p:sp>
@@ -3229,18 +3472,19 @@
 </file>
 
 <file path=ppt/slideLayouts/slideLayout10.xml><?xml version="1.0" encoding="utf-8"?>
-<p:sldLayout xmlns:a="http://schemas.openxmlformats.org/drawingml/2006/main" xmlns:r="http://schemas.openxmlformats.org/officeDocument/2006/relationships" xmlns:mc="http://schemas.openxmlformats.org/markup-compatibility/2006" xmlns:mv="urn:schemas-microsoft-com:mac:vml" xmlns:p="http://schemas.openxmlformats.org/presentationml/2006/main" xmlns:c="http://schemas.openxmlformats.org/drawingml/2006/chart" xmlns:dgm="http://schemas.openxmlformats.org/drawingml/2006/diagram" xmlns:o="urn:schemas-microsoft-com:office:office" xmlns:v="urn:schemas-microsoft-com:vml" xmlns:pvml="urn:schemas-microsoft-com:office:powerpoint" xmlns:com="http://schemas.openxmlformats.org/drawingml/2006/compatibility" xmlns:p14="http://schemas.microsoft.com/office/powerpoint/2010/main">
+<p:sldLayout xmlns:a="http://schemas.openxmlformats.org/drawingml/2006/main" xmlns:r="http://schemas.openxmlformats.org/officeDocument/2006/relationships" xmlns:p="http://schemas.openxmlformats.org/presentationml/2006/main">
   <p:cSld name="Big number">
     <p:bg>
       <p:bgPr>
         <a:solidFill>
           <a:schemeClr val="dk1"/>
         </a:solidFill>
+        <a:effectLst/>
       </p:bgPr>
     </p:bg>
     <p:spTree>
       <p:nvGrpSpPr>
-        <p:cNvPr id="69" name="Shape 69"/>
+        <p:cNvPr id="1" name="Shape 69"/>
         <p:cNvGrpSpPr/>
         <p:nvPr/>
       </p:nvGrpSpPr>
@@ -3288,7 +3532,7 @@
             </a:ln>
           </p:spPr>
           <p:txBody>
-            <a:bodyPr anchorCtr="0" anchor="ctr" bIns="91425" lIns="91425" rIns="91425" tIns="91425">
+            <a:bodyPr lIns="91425" tIns="91425" rIns="91425" bIns="91425" anchor="ctr" anchorCtr="0">
               <a:noAutofit/>
             </a:bodyPr>
             <a:lstStyle/>
@@ -3299,9 +3543,6 @@
                 </a:spcBef>
                 <a:buNone/>
               </a:pPr>
-              <a:r>
-                <a:t/>
-              </a:r>
               <a:endParaRPr/>
             </a:p>
           </p:txBody>
@@ -3328,7 +3569,7 @@
             </a:ln>
           </p:spPr>
           <p:txBody>
-            <a:bodyPr anchorCtr="0" anchor="ctr" bIns="91425" lIns="91425" rIns="91425" tIns="91425">
+            <a:bodyPr lIns="91425" tIns="91425" rIns="91425" bIns="91425" anchor="ctr" anchorCtr="0">
               <a:noAutofit/>
             </a:bodyPr>
             <a:lstStyle/>
@@ -3339,9 +3580,6 @@
                 </a:spcBef>
                 <a:buNone/>
               </a:pPr>
-              <a:r>
-                <a:t/>
-              </a:r>
               <a:endParaRPr/>
             </a:p>
           </p:txBody>
@@ -3353,7 +3591,7 @@
             <p:nvPr/>
           </p:nvSpPr>
           <p:spPr>
-            <a:xfrm flipH="1" rot="10800000">
+            <a:xfrm rot="10800000" flipH="1">
               <a:off x="7113588" y="106"/>
               <a:ext cx="1015200" cy="1015200"/>
             </a:xfrm>
@@ -3368,7 +3606,7 @@
             </a:ln>
           </p:spPr>
           <p:txBody>
-            <a:bodyPr anchorCtr="0" anchor="ctr" bIns="91425" lIns="91425" rIns="91425" tIns="91425">
+            <a:bodyPr lIns="91425" tIns="91425" rIns="91425" bIns="91425" anchor="ctr" anchorCtr="0">
               <a:noAutofit/>
             </a:bodyPr>
             <a:lstStyle/>
@@ -3379,9 +3617,6 @@
                 </a:spcBef>
                 <a:buNone/>
               </a:pPr>
-              <a:r>
-                <a:t/>
-              </a:r>
               <a:endParaRPr/>
             </a:p>
           </p:txBody>
@@ -3408,7 +3643,7 @@
             </a:ln>
           </p:spPr>
           <p:txBody>
-            <a:bodyPr anchorCtr="0" anchor="ctr" bIns="91425" lIns="91425" rIns="91425" tIns="91425">
+            <a:bodyPr lIns="91425" tIns="91425" rIns="91425" bIns="91425" anchor="ctr" anchorCtr="0">
               <a:noAutofit/>
             </a:bodyPr>
             <a:lstStyle/>
@@ -3419,9 +3654,6 @@
                 </a:spcBef>
                 <a:buNone/>
               </a:pPr>
-              <a:r>
-                <a:t/>
-              </a:r>
               <a:endParaRPr/>
             </a:p>
           </p:txBody>
@@ -3448,7 +3680,7 @@
             </a:ln>
           </p:spPr>
           <p:txBody>
-            <a:bodyPr anchorCtr="0" anchor="ctr" bIns="91425" lIns="91425" rIns="91425" tIns="91425">
+            <a:bodyPr lIns="91425" tIns="91425" rIns="91425" bIns="91425" anchor="ctr" anchorCtr="0">
               <a:noAutofit/>
             </a:bodyPr>
             <a:lstStyle/>
@@ -3459,9 +3691,6 @@
                 </a:spcBef>
                 <a:buNone/>
               </a:pPr>
-              <a:r>
-                <a:t/>
-              </a:r>
               <a:endParaRPr/>
             </a:p>
           </p:txBody>
@@ -3470,7 +3699,9 @@
       <p:sp>
         <p:nvSpPr>
           <p:cNvPr id="76" name="Shape 76"/>
-          <p:cNvSpPr txBox="1"/>
+          <p:cNvSpPr txBox="1">
+            <a:spLocks noGrp="1"/>
+          </p:cNvSpPr>
           <p:nvPr>
             <p:ph type="title"/>
           </p:nvPr>
@@ -3485,7 +3716,7 @@
           </a:prstGeom>
         </p:spPr>
         <p:txBody>
-          <a:bodyPr anchorCtr="0" anchor="b" bIns="91425" lIns="91425" rIns="91425" tIns="91425"/>
+          <a:bodyPr lIns="91425" tIns="91425" rIns="91425" bIns="91425" anchor="b" anchorCtr="0"/>
           <a:lstStyle>
             <a:lvl1pPr lvl="0" algn="ctr">
               <a:spcBef>
@@ -3614,15 +3845,19 @@
               </a:defRPr>
             </a:lvl9pPr>
           </a:lstStyle>
-          <a:p/>
+          <a:p>
+            <a:endParaRPr/>
+          </a:p>
         </p:txBody>
       </p:sp>
       <p:sp>
         <p:nvSpPr>
           <p:cNvPr id="77" name="Shape 77"/>
-          <p:cNvSpPr txBox="1"/>
+          <p:cNvSpPr txBox="1">
+            <a:spLocks noGrp="1"/>
+          </p:cNvSpPr>
           <p:nvPr>
-            <p:ph idx="1" type="body"/>
+            <p:ph type="body" idx="1"/>
           </p:nvPr>
         </p:nvSpPr>
         <p:spPr>
@@ -3635,7 +3870,7 @@
           </a:prstGeom>
         </p:spPr>
         <p:txBody>
-          <a:bodyPr anchorCtr="0" anchor="t" bIns="91425" lIns="91425" rIns="91425" tIns="91425"/>
+          <a:bodyPr lIns="91425" tIns="91425" rIns="91425" bIns="91425" anchor="t" anchorCtr="0"/>
           <a:lstStyle>
             <a:lvl1pPr lvl="0" algn="ctr">
               <a:spcBef>
@@ -3755,15 +3990,19 @@
               </a:defRPr>
             </a:lvl9pPr>
           </a:lstStyle>
-          <a:p/>
+          <a:p>
+            <a:endParaRPr/>
+          </a:p>
         </p:txBody>
       </p:sp>
       <p:sp>
         <p:nvSpPr>
           <p:cNvPr id="78" name="Shape 78"/>
-          <p:cNvSpPr txBox="1"/>
+          <p:cNvSpPr txBox="1">
+            <a:spLocks noGrp="1"/>
+          </p:cNvSpPr>
           <p:nvPr>
-            <p:ph idx="12" type="sldNum"/>
+            <p:ph type="sldNum" idx="12"/>
           </p:nvPr>
         </p:nvSpPr>
         <p:spPr>
@@ -3776,7 +4015,7 @@
           </a:prstGeom>
         </p:spPr>
         <p:txBody>
-          <a:bodyPr anchorCtr="0" anchor="ctr" bIns="91425" lIns="91425" rIns="91425" tIns="91425">
+          <a:bodyPr lIns="91425" tIns="91425" rIns="91425" bIns="91425" anchor="ctr" anchorCtr="0">
             <a:noAutofit/>
           </a:bodyPr>
           <a:lstStyle/>
@@ -3791,6 +4030,7 @@
               <a:rPr lang="en"/>
               <a:t>‹#›</a:t>
             </a:fld>
+            <a:endParaRPr lang="en"/>
           </a:p>
         </p:txBody>
       </p:sp>
@@ -3803,11 +4043,11 @@
 </file>
 
 <file path=ppt/slideLayouts/slideLayout11.xml><?xml version="1.0" encoding="utf-8"?>
-<p:sldLayout xmlns:a="http://schemas.openxmlformats.org/drawingml/2006/main" xmlns:r="http://schemas.openxmlformats.org/officeDocument/2006/relationships" xmlns:mc="http://schemas.openxmlformats.org/markup-compatibility/2006" xmlns:mv="urn:schemas-microsoft-com:mac:vml" xmlns:p="http://schemas.openxmlformats.org/presentationml/2006/main" xmlns:c="http://schemas.openxmlformats.org/drawingml/2006/chart" xmlns:dgm="http://schemas.openxmlformats.org/drawingml/2006/diagram" xmlns:o="urn:schemas-microsoft-com:office:office" xmlns:v="urn:schemas-microsoft-com:vml" xmlns:pvml="urn:schemas-microsoft-com:office:powerpoint" xmlns:com="http://schemas.openxmlformats.org/drawingml/2006/compatibility" xmlns:p14="http://schemas.microsoft.com/office/powerpoint/2010/main" type="blank">
+<p:sldLayout xmlns:a="http://schemas.openxmlformats.org/drawingml/2006/main" xmlns:r="http://schemas.openxmlformats.org/officeDocument/2006/relationships" xmlns:p="http://schemas.openxmlformats.org/presentationml/2006/main" type="blank">
   <p:cSld name="Blank">
     <p:spTree>
       <p:nvGrpSpPr>
-        <p:cNvPr id="79" name="Shape 79"/>
+        <p:cNvPr id="1" name="Shape 79"/>
         <p:cNvGrpSpPr/>
         <p:nvPr/>
       </p:nvGrpSpPr>
@@ -3822,9 +4062,11 @@
       <p:sp>
         <p:nvSpPr>
           <p:cNvPr id="80" name="Shape 80"/>
-          <p:cNvSpPr txBox="1"/>
+          <p:cNvSpPr txBox="1">
+            <a:spLocks noGrp="1"/>
+          </p:cNvSpPr>
           <p:nvPr>
-            <p:ph idx="12" type="sldNum"/>
+            <p:ph type="sldNum" idx="12"/>
           </p:nvPr>
         </p:nvSpPr>
         <p:spPr>
@@ -3837,7 +4079,7 @@
           </a:prstGeom>
         </p:spPr>
         <p:txBody>
-          <a:bodyPr anchorCtr="0" anchor="ctr" bIns="91425" lIns="91425" rIns="91425" tIns="91425">
+          <a:bodyPr lIns="91425" tIns="91425" rIns="91425" bIns="91425" anchor="ctr" anchorCtr="0">
             <a:noAutofit/>
           </a:bodyPr>
           <a:lstStyle/>
@@ -3856,6 +4098,11 @@
               </a:rPr>
               <a:t>‹#›</a:t>
             </a:fld>
+            <a:endParaRPr lang="en">
+              <a:solidFill>
+                <a:schemeClr val="dk2"/>
+              </a:solidFill>
+            </a:endParaRPr>
           </a:p>
         </p:txBody>
       </p:sp>
@@ -3868,18 +4115,19 @@
 </file>
 
 <file path=ppt/slideLayouts/slideLayout2.xml><?xml version="1.0" encoding="utf-8"?>
-<p:sldLayout xmlns:a="http://schemas.openxmlformats.org/drawingml/2006/main" xmlns:r="http://schemas.openxmlformats.org/officeDocument/2006/relationships" xmlns:mc="http://schemas.openxmlformats.org/markup-compatibility/2006" xmlns:mv="urn:schemas-microsoft-com:mac:vml" xmlns:p="http://schemas.openxmlformats.org/presentationml/2006/main" xmlns:c="http://schemas.openxmlformats.org/drawingml/2006/chart" xmlns:dgm="http://schemas.openxmlformats.org/drawingml/2006/diagram" xmlns:o="urn:schemas-microsoft-com:office:office" xmlns:v="urn:schemas-microsoft-com:vml" xmlns:pvml="urn:schemas-microsoft-com:office:powerpoint" xmlns:com="http://schemas.openxmlformats.org/drawingml/2006/compatibility" xmlns:p14="http://schemas.microsoft.com/office/powerpoint/2010/main" type="secHead">
+<p:sldLayout xmlns:a="http://schemas.openxmlformats.org/drawingml/2006/main" xmlns:r="http://schemas.openxmlformats.org/officeDocument/2006/relationships" xmlns:p="http://schemas.openxmlformats.org/presentationml/2006/main" type="secHead">
   <p:cSld name="Section header">
     <p:bg>
       <p:bgPr>
         <a:solidFill>
           <a:schemeClr val="dk1"/>
         </a:solidFill>
+        <a:effectLst/>
       </p:bgPr>
     </p:bg>
     <p:spTree>
       <p:nvGrpSpPr>
-        <p:cNvPr id="19" name="Shape 19"/>
+        <p:cNvPr id="1" name="Shape 19"/>
         <p:cNvGrpSpPr/>
         <p:nvPr/>
       </p:nvGrpSpPr>
@@ -3927,7 +4175,7 @@
             </a:ln>
           </p:spPr>
           <p:txBody>
-            <a:bodyPr anchorCtr="0" anchor="ctr" bIns="91425" lIns="91425" rIns="91425" tIns="91425">
+            <a:bodyPr lIns="91425" tIns="91425" rIns="91425" bIns="91425" anchor="ctr" anchorCtr="0">
               <a:noAutofit/>
             </a:bodyPr>
             <a:lstStyle/>
@@ -3938,9 +4186,6 @@
                 </a:spcBef>
                 <a:buNone/>
               </a:pPr>
-              <a:r>
-                <a:t/>
-              </a:r>
               <a:endParaRPr/>
             </a:p>
           </p:txBody>
@@ -3967,7 +4212,7 @@
             </a:ln>
           </p:spPr>
           <p:txBody>
-            <a:bodyPr anchorCtr="0" anchor="ctr" bIns="91425" lIns="91425" rIns="91425" tIns="91425">
+            <a:bodyPr lIns="91425" tIns="91425" rIns="91425" bIns="91425" anchor="ctr" anchorCtr="0">
               <a:noAutofit/>
             </a:bodyPr>
             <a:lstStyle/>
@@ -3978,9 +4223,6 @@
                 </a:spcBef>
                 <a:buNone/>
               </a:pPr>
-              <a:r>
-                <a:t/>
-              </a:r>
               <a:endParaRPr/>
             </a:p>
           </p:txBody>
@@ -3992,7 +4234,7 @@
             <p:nvPr/>
           </p:nvSpPr>
           <p:spPr>
-            <a:xfrm flipH="1" rot="10800000">
+            <a:xfrm rot="10800000" flipH="1">
               <a:off x="7113588" y="106"/>
               <a:ext cx="1015200" cy="1015200"/>
             </a:xfrm>
@@ -4007,7 +4249,7 @@
             </a:ln>
           </p:spPr>
           <p:txBody>
-            <a:bodyPr anchorCtr="0" anchor="ctr" bIns="91425" lIns="91425" rIns="91425" tIns="91425">
+            <a:bodyPr lIns="91425" tIns="91425" rIns="91425" bIns="91425" anchor="ctr" anchorCtr="0">
               <a:noAutofit/>
             </a:bodyPr>
             <a:lstStyle/>
@@ -4018,9 +4260,6 @@
                 </a:spcBef>
                 <a:buNone/>
               </a:pPr>
-              <a:r>
-                <a:t/>
-              </a:r>
               <a:endParaRPr/>
             </a:p>
           </p:txBody>
@@ -4047,7 +4286,7 @@
             </a:ln>
           </p:spPr>
           <p:txBody>
-            <a:bodyPr anchorCtr="0" anchor="ctr" bIns="91425" lIns="91425" rIns="91425" tIns="91425">
+            <a:bodyPr lIns="91425" tIns="91425" rIns="91425" bIns="91425" anchor="ctr" anchorCtr="0">
               <a:noAutofit/>
             </a:bodyPr>
             <a:lstStyle/>
@@ -4058,9 +4297,6 @@
                 </a:spcBef>
                 <a:buNone/>
               </a:pPr>
-              <a:r>
-                <a:t/>
-              </a:r>
               <a:endParaRPr/>
             </a:p>
           </p:txBody>
@@ -4087,7 +4323,7 @@
             </a:ln>
           </p:spPr>
           <p:txBody>
-            <a:bodyPr anchorCtr="0" anchor="ctr" bIns="91425" lIns="91425" rIns="91425" tIns="91425">
+            <a:bodyPr lIns="91425" tIns="91425" rIns="91425" bIns="91425" anchor="ctr" anchorCtr="0">
               <a:noAutofit/>
             </a:bodyPr>
             <a:lstStyle/>
@@ -4098,9 +4334,6 @@
                 </a:spcBef>
                 <a:buNone/>
               </a:pPr>
-              <a:r>
-                <a:t/>
-              </a:r>
               <a:endParaRPr/>
             </a:p>
           </p:txBody>
@@ -4109,7 +4342,9 @@
       <p:sp>
         <p:nvSpPr>
           <p:cNvPr id="26" name="Shape 26"/>
-          <p:cNvSpPr txBox="1"/>
+          <p:cNvSpPr txBox="1">
+            <a:spLocks noGrp="1"/>
+          </p:cNvSpPr>
           <p:nvPr>
             <p:ph type="title"/>
           </p:nvPr>
@@ -4124,7 +4359,7 @@
           </a:prstGeom>
         </p:spPr>
         <p:txBody>
-          <a:bodyPr anchorCtr="0" anchor="ctr" bIns="91425" lIns="91425" rIns="91425" tIns="91425"/>
+          <a:bodyPr lIns="91425" tIns="91425" rIns="91425" bIns="91425" anchor="ctr" anchorCtr="0"/>
           <a:lstStyle>
             <a:lvl1pPr lvl="0">
               <a:spcBef>
@@ -4253,15 +4488,19 @@
               </a:defRPr>
             </a:lvl9pPr>
           </a:lstStyle>
-          <a:p/>
+          <a:p>
+            <a:endParaRPr/>
+          </a:p>
         </p:txBody>
       </p:sp>
       <p:sp>
         <p:nvSpPr>
           <p:cNvPr id="27" name="Shape 27"/>
-          <p:cNvSpPr txBox="1"/>
+          <p:cNvSpPr txBox="1">
+            <a:spLocks noGrp="1"/>
+          </p:cNvSpPr>
           <p:nvPr>
-            <p:ph idx="12" type="sldNum"/>
+            <p:ph type="sldNum" idx="12"/>
           </p:nvPr>
         </p:nvSpPr>
         <p:spPr>
@@ -4274,7 +4513,7 @@
           </a:prstGeom>
         </p:spPr>
         <p:txBody>
-          <a:bodyPr anchorCtr="0" anchor="ctr" bIns="91425" lIns="91425" rIns="91425" tIns="91425">
+          <a:bodyPr lIns="91425" tIns="91425" rIns="91425" bIns="91425" anchor="ctr" anchorCtr="0">
             <a:noAutofit/>
           </a:bodyPr>
           <a:lstStyle/>
@@ -4289,6 +4528,7 @@
               <a:rPr lang="en"/>
               <a:t>‹#›</a:t>
             </a:fld>
+            <a:endParaRPr lang="en"/>
           </a:p>
         </p:txBody>
       </p:sp>
@@ -4301,11 +4541,11 @@
 </file>
 
 <file path=ppt/slideLayouts/slideLayout3.xml><?xml version="1.0" encoding="utf-8"?>
-<p:sldLayout xmlns:a="http://schemas.openxmlformats.org/drawingml/2006/main" xmlns:r="http://schemas.openxmlformats.org/officeDocument/2006/relationships" xmlns:mc="http://schemas.openxmlformats.org/markup-compatibility/2006" xmlns:mv="urn:schemas-microsoft-com:mac:vml" xmlns:p="http://schemas.openxmlformats.org/presentationml/2006/main" xmlns:c="http://schemas.openxmlformats.org/drawingml/2006/chart" xmlns:dgm="http://schemas.openxmlformats.org/drawingml/2006/diagram" xmlns:o="urn:schemas-microsoft-com:office:office" xmlns:v="urn:schemas-microsoft-com:vml" xmlns:pvml="urn:schemas-microsoft-com:office:powerpoint" xmlns:com="http://schemas.openxmlformats.org/drawingml/2006/compatibility" xmlns:p14="http://schemas.microsoft.com/office/powerpoint/2010/main" type="tx">
+<p:sldLayout xmlns:a="http://schemas.openxmlformats.org/drawingml/2006/main" xmlns:r="http://schemas.openxmlformats.org/officeDocument/2006/relationships" xmlns:p="http://schemas.openxmlformats.org/presentationml/2006/main" type="tx">
   <p:cSld name="Title and body">
     <p:spTree>
       <p:nvGrpSpPr>
-        <p:cNvPr id="28" name="Shape 28"/>
+        <p:cNvPr id="1" name="Shape 28"/>
         <p:cNvGrpSpPr/>
         <p:nvPr/>
       </p:nvGrpSpPr>
@@ -4353,7 +4593,7 @@
             </a:ln>
           </p:spPr>
           <p:txBody>
-            <a:bodyPr anchorCtr="0" anchor="ctr" bIns="91425" lIns="91425" rIns="91425" tIns="91425">
+            <a:bodyPr lIns="91425" tIns="91425" rIns="91425" bIns="91425" anchor="ctr" anchorCtr="0">
               <a:noAutofit/>
             </a:bodyPr>
             <a:lstStyle/>
@@ -4364,9 +4604,6 @@
                 </a:spcBef>
                 <a:buNone/>
               </a:pPr>
-              <a:r>
-                <a:t/>
-              </a:r>
               <a:endParaRPr/>
             </a:p>
           </p:txBody>
@@ -4393,7 +4630,7 @@
             </a:ln>
           </p:spPr>
           <p:txBody>
-            <a:bodyPr anchorCtr="0" anchor="ctr" bIns="91425" lIns="91425" rIns="91425" tIns="91425">
+            <a:bodyPr lIns="91425" tIns="91425" rIns="91425" bIns="91425" anchor="ctr" anchorCtr="0">
               <a:noAutofit/>
             </a:bodyPr>
             <a:lstStyle/>
@@ -4404,9 +4641,6 @@
                 </a:spcBef>
                 <a:buNone/>
               </a:pPr>
-              <a:r>
-                <a:t/>
-              </a:r>
               <a:endParaRPr/>
             </a:p>
           </p:txBody>
@@ -4433,7 +4667,7 @@
             </a:ln>
           </p:spPr>
           <p:txBody>
-            <a:bodyPr anchorCtr="0" anchor="ctr" bIns="91425" lIns="91425" rIns="91425" tIns="91425">
+            <a:bodyPr lIns="91425" tIns="91425" rIns="91425" bIns="91425" anchor="ctr" anchorCtr="0">
               <a:noAutofit/>
             </a:bodyPr>
             <a:lstStyle/>
@@ -4444,9 +4678,6 @@
                 </a:spcBef>
                 <a:buNone/>
               </a:pPr>
-              <a:r>
-                <a:t/>
-              </a:r>
               <a:endParaRPr/>
             </a:p>
           </p:txBody>
@@ -4473,7 +4704,7 @@
             </a:ln>
           </p:spPr>
           <p:txBody>
-            <a:bodyPr anchorCtr="0" anchor="ctr" bIns="91425" lIns="91425" rIns="91425" tIns="91425">
+            <a:bodyPr lIns="91425" tIns="91425" rIns="91425" bIns="91425" anchor="ctr" anchorCtr="0">
               <a:noAutofit/>
             </a:bodyPr>
             <a:lstStyle/>
@@ -4484,9 +4715,6 @@
                 </a:spcBef>
                 <a:buNone/>
               </a:pPr>
-              <a:r>
-                <a:t/>
-              </a:r>
               <a:endParaRPr/>
             </a:p>
           </p:txBody>
@@ -4513,7 +4741,7 @@
             </a:ln>
           </p:spPr>
           <p:txBody>
-            <a:bodyPr anchorCtr="0" anchor="ctr" bIns="91425" lIns="91425" rIns="91425" tIns="91425">
+            <a:bodyPr lIns="91425" tIns="91425" rIns="91425" bIns="91425" anchor="ctr" anchorCtr="0">
               <a:noAutofit/>
             </a:bodyPr>
             <a:lstStyle/>
@@ -4524,9 +4752,6 @@
                 </a:spcBef>
                 <a:buNone/>
               </a:pPr>
-              <a:r>
-                <a:t/>
-              </a:r>
               <a:endParaRPr/>
             </a:p>
           </p:txBody>
@@ -4535,7 +4760,9 @@
       <p:sp>
         <p:nvSpPr>
           <p:cNvPr id="35" name="Shape 35"/>
-          <p:cNvSpPr txBox="1"/>
+          <p:cNvSpPr txBox="1">
+            <a:spLocks noGrp="1"/>
+          </p:cNvSpPr>
           <p:nvPr>
             <p:ph type="title"/>
           </p:nvPr>
@@ -4550,7 +4777,7 @@
           </a:prstGeom>
         </p:spPr>
         <p:txBody>
-          <a:bodyPr anchorCtr="0" anchor="t" bIns="91425" lIns="91425" rIns="91425" tIns="91425"/>
+          <a:bodyPr lIns="91425" tIns="91425" rIns="91425" bIns="91425" anchor="t" anchorCtr="0"/>
           <a:lstStyle>
             <a:lvl1pPr lvl="0">
               <a:spcBef>
@@ -4607,15 +4834,19 @@
               <a:defRPr/>
             </a:lvl9pPr>
           </a:lstStyle>
-          <a:p/>
+          <a:p>
+            <a:endParaRPr/>
+          </a:p>
         </p:txBody>
       </p:sp>
       <p:sp>
         <p:nvSpPr>
           <p:cNvPr id="36" name="Shape 36"/>
-          <p:cNvSpPr txBox="1"/>
+          <p:cNvSpPr txBox="1">
+            <a:spLocks noGrp="1"/>
+          </p:cNvSpPr>
           <p:nvPr>
-            <p:ph idx="1" type="body"/>
+            <p:ph type="body" idx="1"/>
           </p:nvPr>
         </p:nvSpPr>
         <p:spPr>
@@ -4628,7 +4859,7 @@
           </a:prstGeom>
         </p:spPr>
         <p:txBody>
-          <a:bodyPr anchorCtr="0" anchor="t" bIns="91425" lIns="91425" rIns="91425" tIns="91425"/>
+          <a:bodyPr lIns="91425" tIns="91425" rIns="91425" bIns="91425" anchor="t" anchorCtr="0"/>
           <a:lstStyle>
             <a:lvl1pPr lvl="0">
               <a:spcBef>
@@ -4685,15 +4916,19 @@
               <a:defRPr/>
             </a:lvl9pPr>
           </a:lstStyle>
-          <a:p/>
+          <a:p>
+            <a:endParaRPr/>
+          </a:p>
         </p:txBody>
       </p:sp>
       <p:sp>
         <p:nvSpPr>
           <p:cNvPr id="37" name="Shape 37"/>
-          <p:cNvSpPr txBox="1"/>
+          <p:cNvSpPr txBox="1">
+            <a:spLocks noGrp="1"/>
+          </p:cNvSpPr>
           <p:nvPr>
-            <p:ph idx="12" type="sldNum"/>
+            <p:ph type="sldNum" idx="12"/>
           </p:nvPr>
         </p:nvSpPr>
         <p:spPr>
@@ -4706,7 +4941,7 @@
           </a:prstGeom>
         </p:spPr>
         <p:txBody>
-          <a:bodyPr anchorCtr="0" anchor="ctr" bIns="91425" lIns="91425" rIns="91425" tIns="91425">
+          <a:bodyPr lIns="91425" tIns="91425" rIns="91425" bIns="91425" anchor="ctr" anchorCtr="0">
             <a:noAutofit/>
           </a:bodyPr>
           <a:lstStyle/>
@@ -4721,6 +4956,7 @@
               <a:rPr lang="en"/>
               <a:t>‹#›</a:t>
             </a:fld>
+            <a:endParaRPr lang="en"/>
           </a:p>
         </p:txBody>
       </p:sp>
@@ -4733,11 +4969,11 @@
 </file>
 
 <file path=ppt/slideLayouts/slideLayout4.xml><?xml version="1.0" encoding="utf-8"?>
-<p:sldLayout xmlns:a="http://schemas.openxmlformats.org/drawingml/2006/main" xmlns:r="http://schemas.openxmlformats.org/officeDocument/2006/relationships" xmlns:mc="http://schemas.openxmlformats.org/markup-compatibility/2006" xmlns:mv="urn:schemas-microsoft-com:mac:vml" xmlns:p="http://schemas.openxmlformats.org/presentationml/2006/main" xmlns:c="http://schemas.openxmlformats.org/drawingml/2006/chart" xmlns:dgm="http://schemas.openxmlformats.org/drawingml/2006/diagram" xmlns:o="urn:schemas-microsoft-com:office:office" xmlns:v="urn:schemas-microsoft-com:vml" xmlns:pvml="urn:schemas-microsoft-com:office:powerpoint" xmlns:com="http://schemas.openxmlformats.org/drawingml/2006/compatibility" xmlns:p14="http://schemas.microsoft.com/office/powerpoint/2010/main" type="twoColTx">
+<p:sldLayout xmlns:a="http://schemas.openxmlformats.org/drawingml/2006/main" xmlns:r="http://schemas.openxmlformats.org/officeDocument/2006/relationships" xmlns:p="http://schemas.openxmlformats.org/presentationml/2006/main" type="twoColTx">
   <p:cSld name="Title and two columns">
     <p:spTree>
       <p:nvGrpSpPr>
-        <p:cNvPr id="38" name="Shape 38"/>
+        <p:cNvPr id="1" name="Shape 38"/>
         <p:cNvGrpSpPr/>
         <p:nvPr/>
       </p:nvGrpSpPr>
@@ -4752,7 +4988,9 @@
       <p:sp>
         <p:nvSpPr>
           <p:cNvPr id="39" name="Shape 39"/>
-          <p:cNvSpPr txBox="1"/>
+          <p:cNvSpPr txBox="1">
+            <a:spLocks noGrp="1"/>
+          </p:cNvSpPr>
           <p:nvPr>
             <p:ph type="title"/>
           </p:nvPr>
@@ -4767,7 +5005,7 @@
           </a:prstGeom>
         </p:spPr>
         <p:txBody>
-          <a:bodyPr anchorCtr="0" anchor="t" bIns="91425" lIns="91425" rIns="91425" tIns="91425"/>
+          <a:bodyPr lIns="91425" tIns="91425" rIns="91425" bIns="91425" anchor="t" anchorCtr="0"/>
           <a:lstStyle>
             <a:lvl1pPr lvl="0">
               <a:spcBef>
@@ -4824,15 +5062,19 @@
               <a:defRPr/>
             </a:lvl9pPr>
           </a:lstStyle>
-          <a:p/>
+          <a:p>
+            <a:endParaRPr/>
+          </a:p>
         </p:txBody>
       </p:sp>
       <p:sp>
         <p:nvSpPr>
           <p:cNvPr id="40" name="Shape 40"/>
-          <p:cNvSpPr txBox="1"/>
+          <p:cNvSpPr txBox="1">
+            <a:spLocks noGrp="1"/>
+          </p:cNvSpPr>
           <p:nvPr>
-            <p:ph idx="1" type="body"/>
+            <p:ph type="body" idx="1"/>
           </p:nvPr>
         </p:nvSpPr>
         <p:spPr>
@@ -4845,7 +5087,7 @@
           </a:prstGeom>
         </p:spPr>
         <p:txBody>
-          <a:bodyPr anchorCtr="0" anchor="t" bIns="91425" lIns="91425" rIns="91425" tIns="91425"/>
+          <a:bodyPr lIns="91425" tIns="91425" rIns="91425" bIns="91425" anchor="t" anchorCtr="0"/>
           <a:lstStyle>
             <a:lvl1pPr lvl="0">
               <a:spcBef>
@@ -4911,15 +5153,19 @@
               <a:defRPr sz="1200"/>
             </a:lvl9pPr>
           </a:lstStyle>
-          <a:p/>
+          <a:p>
+            <a:endParaRPr/>
+          </a:p>
         </p:txBody>
       </p:sp>
       <p:sp>
         <p:nvSpPr>
           <p:cNvPr id="41" name="Shape 41"/>
-          <p:cNvSpPr txBox="1"/>
+          <p:cNvSpPr txBox="1">
+            <a:spLocks noGrp="1"/>
+          </p:cNvSpPr>
           <p:nvPr>
-            <p:ph idx="2" type="body"/>
+            <p:ph type="body" idx="2"/>
           </p:nvPr>
         </p:nvSpPr>
         <p:spPr>
@@ -4932,7 +5178,7 @@
           </a:prstGeom>
         </p:spPr>
         <p:txBody>
-          <a:bodyPr anchorCtr="0" anchor="t" bIns="91425" lIns="91425" rIns="91425" tIns="91425"/>
+          <a:bodyPr lIns="91425" tIns="91425" rIns="91425" bIns="91425" anchor="t" anchorCtr="0"/>
           <a:lstStyle>
             <a:lvl1pPr lvl="0">
               <a:spcBef>
@@ -4998,15 +5244,19 @@
               <a:defRPr sz="1200"/>
             </a:lvl9pPr>
           </a:lstStyle>
-          <a:p/>
+          <a:p>
+            <a:endParaRPr/>
+          </a:p>
         </p:txBody>
       </p:sp>
       <p:sp>
         <p:nvSpPr>
           <p:cNvPr id="42" name="Shape 42"/>
-          <p:cNvSpPr txBox="1"/>
+          <p:cNvSpPr txBox="1">
+            <a:spLocks noGrp="1"/>
+          </p:cNvSpPr>
           <p:nvPr>
-            <p:ph idx="12" type="sldNum"/>
+            <p:ph type="sldNum" idx="12"/>
           </p:nvPr>
         </p:nvSpPr>
         <p:spPr>
@@ -5019,7 +5269,7 @@
           </a:prstGeom>
         </p:spPr>
         <p:txBody>
-          <a:bodyPr anchorCtr="0" anchor="ctr" bIns="91425" lIns="91425" rIns="91425" tIns="91425">
+          <a:bodyPr lIns="91425" tIns="91425" rIns="91425" bIns="91425" anchor="ctr" anchorCtr="0">
             <a:noAutofit/>
           </a:bodyPr>
           <a:lstStyle/>
@@ -5038,6 +5288,11 @@
               </a:rPr>
               <a:t>‹#›</a:t>
             </a:fld>
+            <a:endParaRPr lang="en">
+              <a:solidFill>
+                <a:schemeClr val="dk2"/>
+              </a:solidFill>
+            </a:endParaRPr>
           </a:p>
         </p:txBody>
       </p:sp>
@@ -5050,11 +5305,11 @@
 </file>
 
 <file path=ppt/slideLayouts/slideLayout5.xml><?xml version="1.0" encoding="utf-8"?>
-<p:sldLayout xmlns:a="http://schemas.openxmlformats.org/drawingml/2006/main" xmlns:r="http://schemas.openxmlformats.org/officeDocument/2006/relationships" xmlns:mc="http://schemas.openxmlformats.org/markup-compatibility/2006" xmlns:mv="urn:schemas-microsoft-com:mac:vml" xmlns:p="http://schemas.openxmlformats.org/presentationml/2006/main" xmlns:c="http://schemas.openxmlformats.org/drawingml/2006/chart" xmlns:dgm="http://schemas.openxmlformats.org/drawingml/2006/diagram" xmlns:o="urn:schemas-microsoft-com:office:office" xmlns:v="urn:schemas-microsoft-com:vml" xmlns:pvml="urn:schemas-microsoft-com:office:powerpoint" xmlns:com="http://schemas.openxmlformats.org/drawingml/2006/compatibility" xmlns:p14="http://schemas.microsoft.com/office/powerpoint/2010/main" type="titleOnly">
+<p:sldLayout xmlns:a="http://schemas.openxmlformats.org/drawingml/2006/main" xmlns:r="http://schemas.openxmlformats.org/officeDocument/2006/relationships" xmlns:p="http://schemas.openxmlformats.org/presentationml/2006/main" type="titleOnly">
   <p:cSld name="Title only">
     <p:spTree>
       <p:nvGrpSpPr>
-        <p:cNvPr id="43" name="Shape 43"/>
+        <p:cNvPr id="1" name="Shape 43"/>
         <p:cNvGrpSpPr/>
         <p:nvPr/>
       </p:nvGrpSpPr>
@@ -5069,7 +5324,9 @@
       <p:sp>
         <p:nvSpPr>
           <p:cNvPr id="44" name="Shape 44"/>
-          <p:cNvSpPr txBox="1"/>
+          <p:cNvSpPr txBox="1">
+            <a:spLocks noGrp="1"/>
+          </p:cNvSpPr>
           <p:nvPr>
             <p:ph type="title"/>
           </p:nvPr>
@@ -5084,7 +5341,7 @@
           </a:prstGeom>
         </p:spPr>
         <p:txBody>
-          <a:bodyPr anchorCtr="0" anchor="t" bIns="91425" lIns="91425" rIns="91425" tIns="91425"/>
+          <a:bodyPr lIns="91425" tIns="91425" rIns="91425" bIns="91425" anchor="t" anchorCtr="0"/>
           <a:lstStyle>
             <a:lvl1pPr lvl="0">
               <a:spcBef>
@@ -5141,15 +5398,19 @@
               <a:defRPr/>
             </a:lvl9pPr>
           </a:lstStyle>
-          <a:p/>
+          <a:p>
+            <a:endParaRPr/>
+          </a:p>
         </p:txBody>
       </p:sp>
       <p:sp>
         <p:nvSpPr>
           <p:cNvPr id="45" name="Shape 45"/>
-          <p:cNvSpPr txBox="1"/>
+          <p:cNvSpPr txBox="1">
+            <a:spLocks noGrp="1"/>
+          </p:cNvSpPr>
           <p:nvPr>
-            <p:ph idx="12" type="sldNum"/>
+            <p:ph type="sldNum" idx="12"/>
           </p:nvPr>
         </p:nvSpPr>
         <p:spPr>
@@ -5162,7 +5423,7 @@
           </a:prstGeom>
         </p:spPr>
         <p:txBody>
-          <a:bodyPr anchorCtr="0" anchor="ctr" bIns="91425" lIns="91425" rIns="91425" tIns="91425">
+          <a:bodyPr lIns="91425" tIns="91425" rIns="91425" bIns="91425" anchor="ctr" anchorCtr="0">
             <a:noAutofit/>
           </a:bodyPr>
           <a:lstStyle/>
@@ -5181,6 +5442,11 @@
               </a:rPr>
               <a:t>‹#›</a:t>
             </a:fld>
+            <a:endParaRPr lang="en">
+              <a:solidFill>
+                <a:schemeClr val="dk2"/>
+              </a:solidFill>
+            </a:endParaRPr>
           </a:p>
         </p:txBody>
       </p:sp>
@@ -5193,11 +5459,11 @@
 </file>
 
 <file path=ppt/slideLayouts/slideLayout6.xml><?xml version="1.0" encoding="utf-8"?>
-<p:sldLayout xmlns:a="http://schemas.openxmlformats.org/drawingml/2006/main" xmlns:r="http://schemas.openxmlformats.org/officeDocument/2006/relationships" xmlns:mc="http://schemas.openxmlformats.org/markup-compatibility/2006" xmlns:mv="urn:schemas-microsoft-com:mac:vml" xmlns:p="http://schemas.openxmlformats.org/presentationml/2006/main" xmlns:c="http://schemas.openxmlformats.org/drawingml/2006/chart" xmlns:dgm="http://schemas.openxmlformats.org/drawingml/2006/diagram" xmlns:o="urn:schemas-microsoft-com:office:office" xmlns:v="urn:schemas-microsoft-com:vml" xmlns:pvml="urn:schemas-microsoft-com:office:powerpoint" xmlns:com="http://schemas.openxmlformats.org/drawingml/2006/compatibility" xmlns:p14="http://schemas.microsoft.com/office/powerpoint/2010/main">
+<p:sldLayout xmlns:a="http://schemas.openxmlformats.org/drawingml/2006/main" xmlns:r="http://schemas.openxmlformats.org/officeDocument/2006/relationships" xmlns:p="http://schemas.openxmlformats.org/presentationml/2006/main">
   <p:cSld name="One column text">
     <p:spTree>
       <p:nvGrpSpPr>
-        <p:cNvPr id="46" name="Shape 46"/>
+        <p:cNvPr id="1" name="Shape 46"/>
         <p:cNvGrpSpPr/>
         <p:nvPr/>
       </p:nvGrpSpPr>
@@ -5212,7 +5478,9 @@
       <p:sp>
         <p:nvSpPr>
           <p:cNvPr id="47" name="Shape 47"/>
-          <p:cNvSpPr txBox="1"/>
+          <p:cNvSpPr txBox="1">
+            <a:spLocks noGrp="1"/>
+          </p:cNvSpPr>
           <p:nvPr>
             <p:ph type="title"/>
           </p:nvPr>
@@ -5227,7 +5495,7 @@
           </a:prstGeom>
         </p:spPr>
         <p:txBody>
-          <a:bodyPr anchorCtr="0" anchor="b" bIns="91425" lIns="91425" rIns="91425" tIns="91425"/>
+          <a:bodyPr lIns="91425" tIns="91425" rIns="91425" bIns="91425" anchor="b" anchorCtr="0"/>
           <a:lstStyle>
             <a:lvl1pPr lvl="0">
               <a:spcBef>
@@ -5293,15 +5561,19 @@
               <a:defRPr sz="2400"/>
             </a:lvl9pPr>
           </a:lstStyle>
-          <a:p/>
+          <a:p>
+            <a:endParaRPr/>
+          </a:p>
         </p:txBody>
       </p:sp>
       <p:sp>
         <p:nvSpPr>
           <p:cNvPr id="48" name="Shape 48"/>
-          <p:cNvSpPr txBox="1"/>
+          <p:cNvSpPr txBox="1">
+            <a:spLocks noGrp="1"/>
+          </p:cNvSpPr>
           <p:nvPr>
-            <p:ph idx="1" type="body"/>
+            <p:ph type="body" idx="1"/>
           </p:nvPr>
         </p:nvSpPr>
         <p:spPr>
@@ -5314,7 +5586,7 @@
           </a:prstGeom>
         </p:spPr>
         <p:txBody>
-          <a:bodyPr anchorCtr="0" anchor="t" bIns="91425" lIns="91425" rIns="91425" tIns="91425"/>
+          <a:bodyPr lIns="91425" tIns="91425" rIns="91425" bIns="91425" anchor="t" anchorCtr="0"/>
           <a:lstStyle>
             <a:lvl1pPr lvl="0">
               <a:spcBef>
@@ -5380,15 +5652,19 @@
               <a:defRPr sz="1200"/>
             </a:lvl9pPr>
           </a:lstStyle>
-          <a:p/>
+          <a:p>
+            <a:endParaRPr/>
+          </a:p>
         </p:txBody>
       </p:sp>
       <p:sp>
         <p:nvSpPr>
           <p:cNvPr id="49" name="Shape 49"/>
-          <p:cNvSpPr txBox="1"/>
+          <p:cNvSpPr txBox="1">
+            <a:spLocks noGrp="1"/>
+          </p:cNvSpPr>
           <p:nvPr>
-            <p:ph idx="12" type="sldNum"/>
+            <p:ph type="sldNum" idx="12"/>
           </p:nvPr>
         </p:nvSpPr>
         <p:spPr>
@@ -5401,7 +5677,7 @@
           </a:prstGeom>
         </p:spPr>
         <p:txBody>
-          <a:bodyPr anchorCtr="0" anchor="ctr" bIns="91425" lIns="91425" rIns="91425" tIns="91425">
+          <a:bodyPr lIns="91425" tIns="91425" rIns="91425" bIns="91425" anchor="ctr" anchorCtr="0">
             <a:noAutofit/>
           </a:bodyPr>
           <a:lstStyle/>
@@ -5420,6 +5696,11 @@
               </a:rPr>
               <a:t>‹#›</a:t>
             </a:fld>
+            <a:endParaRPr lang="en">
+              <a:solidFill>
+                <a:schemeClr val="dk2"/>
+              </a:solidFill>
+            </a:endParaRPr>
           </a:p>
         </p:txBody>
       </p:sp>
@@ -5432,18 +5713,19 @@
 </file>
 
 <file path=ppt/slideLayouts/slideLayout7.xml><?xml version="1.0" encoding="utf-8"?>
-<p:sldLayout xmlns:a="http://schemas.openxmlformats.org/drawingml/2006/main" xmlns:r="http://schemas.openxmlformats.org/officeDocument/2006/relationships" xmlns:mc="http://schemas.openxmlformats.org/markup-compatibility/2006" xmlns:mv="urn:schemas-microsoft-com:mac:vml" xmlns:p="http://schemas.openxmlformats.org/presentationml/2006/main" xmlns:c="http://schemas.openxmlformats.org/drawingml/2006/chart" xmlns:dgm="http://schemas.openxmlformats.org/drawingml/2006/diagram" xmlns:o="urn:schemas-microsoft-com:office:office" xmlns:v="urn:schemas-microsoft-com:vml" xmlns:pvml="urn:schemas-microsoft-com:office:powerpoint" xmlns:com="http://schemas.openxmlformats.org/drawingml/2006/compatibility" xmlns:p14="http://schemas.microsoft.com/office/powerpoint/2010/main">
+<p:sldLayout xmlns:a="http://schemas.openxmlformats.org/drawingml/2006/main" xmlns:r="http://schemas.openxmlformats.org/officeDocument/2006/relationships" xmlns:p="http://schemas.openxmlformats.org/presentationml/2006/main">
   <p:cSld name="Main point">
     <p:bg>
       <p:bgPr>
         <a:solidFill>
           <a:schemeClr val="accent4"/>
         </a:solidFill>
+        <a:effectLst/>
       </p:bgPr>
     </p:bg>
     <p:spTree>
       <p:nvGrpSpPr>
-        <p:cNvPr id="50" name="Shape 50"/>
+        <p:cNvPr id="1" name="Shape 50"/>
         <p:cNvGrpSpPr/>
         <p:nvPr/>
       </p:nvGrpSpPr>
@@ -5491,7 +5773,7 @@
             </a:ln>
           </p:spPr>
           <p:txBody>
-            <a:bodyPr anchorCtr="0" anchor="ctr" bIns="91425" lIns="91425" rIns="91425" tIns="91425">
+            <a:bodyPr lIns="91425" tIns="91425" rIns="91425" bIns="91425" anchor="ctr" anchorCtr="0">
               <a:noAutofit/>
             </a:bodyPr>
             <a:lstStyle/>
@@ -5502,9 +5784,6 @@
                 </a:spcBef>
                 <a:buNone/>
               </a:pPr>
-              <a:r>
-                <a:t/>
-              </a:r>
               <a:endParaRPr/>
             </a:p>
           </p:txBody>
@@ -5531,7 +5810,7 @@
             </a:ln>
           </p:spPr>
           <p:txBody>
-            <a:bodyPr anchorCtr="0" anchor="ctr" bIns="91425" lIns="91425" rIns="91425" tIns="91425">
+            <a:bodyPr lIns="91425" tIns="91425" rIns="91425" bIns="91425" anchor="ctr" anchorCtr="0">
               <a:noAutofit/>
             </a:bodyPr>
             <a:lstStyle/>
@@ -5542,9 +5821,6 @@
                 </a:spcBef>
                 <a:buNone/>
               </a:pPr>
-              <a:r>
-                <a:t/>
-              </a:r>
               <a:endParaRPr/>
             </a:p>
           </p:txBody>
@@ -5556,7 +5832,7 @@
             <p:nvPr/>
           </p:nvSpPr>
           <p:spPr>
-            <a:xfrm flipH="1" rot="10800000">
+            <a:xfrm rot="10800000" flipH="1">
               <a:off x="7113588" y="106"/>
               <a:ext cx="1015200" cy="1015200"/>
             </a:xfrm>
@@ -5571,7 +5847,7 @@
             </a:ln>
           </p:spPr>
           <p:txBody>
-            <a:bodyPr anchorCtr="0" anchor="ctr" bIns="91425" lIns="91425" rIns="91425" tIns="91425">
+            <a:bodyPr lIns="91425" tIns="91425" rIns="91425" bIns="91425" anchor="ctr" anchorCtr="0">
               <a:noAutofit/>
             </a:bodyPr>
             <a:lstStyle/>
@@ -5582,9 +5858,6 @@
                 </a:spcBef>
                 <a:buNone/>
               </a:pPr>
-              <a:r>
-                <a:t/>
-              </a:r>
               <a:endParaRPr/>
             </a:p>
           </p:txBody>
@@ -5611,7 +5884,7 @@
             </a:ln>
           </p:spPr>
           <p:txBody>
-            <a:bodyPr anchorCtr="0" anchor="ctr" bIns="91425" lIns="91425" rIns="91425" tIns="91425">
+            <a:bodyPr lIns="91425" tIns="91425" rIns="91425" bIns="91425" anchor="ctr" anchorCtr="0">
               <a:noAutofit/>
             </a:bodyPr>
             <a:lstStyle/>
@@ -5622,9 +5895,6 @@
                 </a:spcBef>
                 <a:buNone/>
               </a:pPr>
-              <a:r>
-                <a:t/>
-              </a:r>
               <a:endParaRPr/>
             </a:p>
           </p:txBody>
@@ -5651,7 +5921,7 @@
             </a:ln>
           </p:spPr>
           <p:txBody>
-            <a:bodyPr anchorCtr="0" anchor="ctr" bIns="91425" lIns="91425" rIns="91425" tIns="91425">
+            <a:bodyPr lIns="91425" tIns="91425" rIns="91425" bIns="91425" anchor="ctr" anchorCtr="0">
               <a:noAutofit/>
             </a:bodyPr>
             <a:lstStyle/>
@@ -5662,9 +5932,6 @@
                 </a:spcBef>
                 <a:buNone/>
               </a:pPr>
-              <a:r>
-                <a:t/>
-              </a:r>
               <a:endParaRPr/>
             </a:p>
           </p:txBody>
@@ -5673,7 +5940,9 @@
       <p:sp>
         <p:nvSpPr>
           <p:cNvPr id="57" name="Shape 57"/>
-          <p:cNvSpPr txBox="1"/>
+          <p:cNvSpPr txBox="1">
+            <a:spLocks noGrp="1"/>
+          </p:cNvSpPr>
           <p:nvPr>
             <p:ph type="title"/>
           </p:nvPr>
@@ -5688,7 +5957,7 @@
           </a:prstGeom>
         </p:spPr>
         <p:txBody>
-          <a:bodyPr anchorCtr="0" anchor="ctr" bIns="91425" lIns="91425" rIns="91425" tIns="91425"/>
+          <a:bodyPr lIns="91425" tIns="91425" rIns="91425" bIns="91425" anchor="ctr" anchorCtr="0"/>
           <a:lstStyle>
             <a:lvl1pPr lvl="0">
               <a:spcBef>
@@ -5817,15 +6086,19 @@
               </a:defRPr>
             </a:lvl9pPr>
           </a:lstStyle>
-          <a:p/>
+          <a:p>
+            <a:endParaRPr/>
+          </a:p>
         </p:txBody>
       </p:sp>
       <p:sp>
         <p:nvSpPr>
           <p:cNvPr id="58" name="Shape 58"/>
-          <p:cNvSpPr txBox="1"/>
+          <p:cNvSpPr txBox="1">
+            <a:spLocks noGrp="1"/>
+          </p:cNvSpPr>
           <p:nvPr>
-            <p:ph idx="12" type="sldNum"/>
+            <p:ph type="sldNum" idx="12"/>
           </p:nvPr>
         </p:nvSpPr>
         <p:spPr>
@@ -5838,7 +6111,7 @@
           </a:prstGeom>
         </p:spPr>
         <p:txBody>
-          <a:bodyPr anchorCtr="0" anchor="ctr" bIns="91425" lIns="91425" rIns="91425" tIns="91425">
+          <a:bodyPr lIns="91425" tIns="91425" rIns="91425" bIns="91425" anchor="ctr" anchorCtr="0">
             <a:noAutofit/>
           </a:bodyPr>
           <a:lstStyle/>
@@ -5853,6 +6126,7 @@
               <a:rPr lang="en"/>
               <a:t>‹#›</a:t>
             </a:fld>
+            <a:endParaRPr lang="en"/>
           </a:p>
         </p:txBody>
       </p:sp>
@@ -5865,11 +6139,11 @@
 </file>
 
 <file path=ppt/slideLayouts/slideLayout8.xml><?xml version="1.0" encoding="utf-8"?>
-<p:sldLayout xmlns:a="http://schemas.openxmlformats.org/drawingml/2006/main" xmlns:r="http://schemas.openxmlformats.org/officeDocument/2006/relationships" xmlns:mc="http://schemas.openxmlformats.org/markup-compatibility/2006" xmlns:mv="urn:schemas-microsoft-com:mac:vml" xmlns:p="http://schemas.openxmlformats.org/presentationml/2006/main" xmlns:c="http://schemas.openxmlformats.org/drawingml/2006/chart" xmlns:dgm="http://schemas.openxmlformats.org/drawingml/2006/diagram" xmlns:o="urn:schemas-microsoft-com:office:office" xmlns:v="urn:schemas-microsoft-com:vml" xmlns:pvml="urn:schemas-microsoft-com:office:powerpoint" xmlns:com="http://schemas.openxmlformats.org/drawingml/2006/compatibility" xmlns:p14="http://schemas.microsoft.com/office/powerpoint/2010/main">
+<p:sldLayout xmlns:a="http://schemas.openxmlformats.org/drawingml/2006/main" xmlns:r="http://schemas.openxmlformats.org/officeDocument/2006/relationships" xmlns:p="http://schemas.openxmlformats.org/presentationml/2006/main">
   <p:cSld name="Section title and description">
     <p:spTree>
       <p:nvGrpSpPr>
-        <p:cNvPr id="59" name="Shape 59"/>
+        <p:cNvPr id="1" name="Shape 59"/>
         <p:cNvGrpSpPr/>
         <p:nvPr/>
       </p:nvGrpSpPr>
@@ -5903,7 +6177,7 @@
           </a:ln>
         </p:spPr>
         <p:txBody>
-          <a:bodyPr anchorCtr="0" anchor="ctr" bIns="91425" lIns="91425" rIns="91425" tIns="91425">
+          <a:bodyPr lIns="91425" tIns="91425" rIns="91425" bIns="91425" anchor="ctr" anchorCtr="0">
             <a:noAutofit/>
           </a:bodyPr>
           <a:lstStyle/>
@@ -5914,9 +6188,6 @@
               </a:spcBef>
               <a:buNone/>
             </a:pPr>
-            <a:r>
-              <a:t/>
-            </a:r>
             <a:endParaRPr/>
           </a:p>
         </p:txBody>
@@ -5936,21 +6207,23 @@
             <a:avLst/>
           </a:prstGeom>
           <a:noFill/>
-          <a:ln cap="flat" cmpd="sng" w="19050">
+          <a:ln w="19050" cap="flat" cmpd="sng">
             <a:solidFill>
               <a:schemeClr val="lt1"/>
             </a:solidFill>
             <a:prstDash val="solid"/>
             <a:round/>
-            <a:headEnd len="med" w="med" type="none"/>
-            <a:tailEnd len="med" w="med" type="none"/>
+            <a:headEnd type="none" w="med" len="med"/>
+            <a:tailEnd type="none" w="med" len="med"/>
           </a:ln>
         </p:spPr>
       </p:cxnSp>
       <p:sp>
         <p:nvSpPr>
           <p:cNvPr id="62" name="Shape 62"/>
-          <p:cNvSpPr txBox="1"/>
+          <p:cNvSpPr txBox="1">
+            <a:spLocks noGrp="1"/>
+          </p:cNvSpPr>
           <p:nvPr>
             <p:ph type="title"/>
           </p:nvPr>
@@ -5965,7 +6238,7 @@
           </a:prstGeom>
         </p:spPr>
         <p:txBody>
-          <a:bodyPr anchorCtr="0" anchor="b" bIns="91425" lIns="91425" rIns="91425" tIns="91425"/>
+          <a:bodyPr lIns="91425" tIns="91425" rIns="91425" bIns="91425" anchor="b" anchorCtr="0"/>
           <a:lstStyle>
             <a:lvl1pPr lvl="0" algn="ctr">
               <a:spcBef>
@@ -6031,15 +6304,19 @@
               <a:defRPr sz="4200"/>
             </a:lvl9pPr>
           </a:lstStyle>
-          <a:p/>
+          <a:p>
+            <a:endParaRPr/>
+          </a:p>
         </p:txBody>
       </p:sp>
       <p:sp>
         <p:nvSpPr>
           <p:cNvPr id="63" name="Shape 63"/>
-          <p:cNvSpPr txBox="1"/>
+          <p:cNvSpPr txBox="1">
+            <a:spLocks noGrp="1"/>
+          </p:cNvSpPr>
           <p:nvPr>
-            <p:ph idx="1" type="subTitle"/>
+            <p:ph type="subTitle" idx="1"/>
           </p:nvPr>
         </p:nvSpPr>
         <p:spPr>
@@ -6052,7 +6329,7 @@
           </a:prstGeom>
         </p:spPr>
         <p:txBody>
-          <a:bodyPr anchorCtr="0" anchor="t" bIns="91425" lIns="91425" rIns="91425" tIns="91425"/>
+          <a:bodyPr lIns="91425" tIns="91425" rIns="91425" bIns="91425" anchor="t" anchorCtr="0"/>
           <a:lstStyle>
             <a:lvl1pPr lvl="0" algn="ctr">
               <a:lnSpc>
@@ -6181,15 +6458,19 @@
               <a:defRPr sz="2100"/>
             </a:lvl9pPr>
           </a:lstStyle>
-          <a:p/>
+          <a:p>
+            <a:endParaRPr/>
+          </a:p>
         </p:txBody>
       </p:sp>
       <p:sp>
         <p:nvSpPr>
           <p:cNvPr id="64" name="Shape 64"/>
-          <p:cNvSpPr txBox="1"/>
+          <p:cNvSpPr txBox="1">
+            <a:spLocks noGrp="1"/>
+          </p:cNvSpPr>
           <p:nvPr>
-            <p:ph idx="2" type="body"/>
+            <p:ph type="body" idx="2"/>
           </p:nvPr>
         </p:nvSpPr>
         <p:spPr>
@@ -6202,7 +6483,7 @@
           </a:prstGeom>
         </p:spPr>
         <p:txBody>
-          <a:bodyPr anchorCtr="0" anchor="ctr" bIns="91425" lIns="91425" rIns="91425" tIns="91425"/>
+          <a:bodyPr lIns="91425" tIns="91425" rIns="91425" bIns="91425" anchor="ctr" anchorCtr="0"/>
           <a:lstStyle>
             <a:lvl1pPr lvl="0">
               <a:spcBef>
@@ -6322,15 +6603,19 @@
               </a:defRPr>
             </a:lvl9pPr>
           </a:lstStyle>
-          <a:p/>
+          <a:p>
+            <a:endParaRPr/>
+          </a:p>
         </p:txBody>
       </p:sp>
       <p:sp>
         <p:nvSpPr>
           <p:cNvPr id="65" name="Shape 65"/>
-          <p:cNvSpPr txBox="1"/>
+          <p:cNvSpPr txBox="1">
+            <a:spLocks noGrp="1"/>
+          </p:cNvSpPr>
           <p:nvPr>
-            <p:ph idx="12" type="sldNum"/>
+            <p:ph type="sldNum" idx="12"/>
           </p:nvPr>
         </p:nvSpPr>
         <p:spPr>
@@ -6343,7 +6628,7 @@
           </a:prstGeom>
         </p:spPr>
         <p:txBody>
-          <a:bodyPr anchorCtr="0" anchor="ctr" bIns="91425" lIns="91425" rIns="91425" tIns="91425">
+          <a:bodyPr lIns="91425" tIns="91425" rIns="91425" bIns="91425" anchor="ctr" anchorCtr="0">
             <a:noAutofit/>
           </a:bodyPr>
           <a:lstStyle/>
@@ -6358,6 +6643,7 @@
               <a:rPr lang="en"/>
               <a:t>‹#›</a:t>
             </a:fld>
+            <a:endParaRPr lang="en"/>
           </a:p>
         </p:txBody>
       </p:sp>
@@ -6370,11 +6656,11 @@
 </file>
 
 <file path=ppt/slideLayouts/slideLayout9.xml><?xml version="1.0" encoding="utf-8"?>
-<p:sldLayout xmlns:a="http://schemas.openxmlformats.org/drawingml/2006/main" xmlns:r="http://schemas.openxmlformats.org/officeDocument/2006/relationships" xmlns:mc="http://schemas.openxmlformats.org/markup-compatibility/2006" xmlns:mv="urn:schemas-microsoft-com:mac:vml" xmlns:p="http://schemas.openxmlformats.org/presentationml/2006/main" xmlns:c="http://schemas.openxmlformats.org/drawingml/2006/chart" xmlns:dgm="http://schemas.openxmlformats.org/drawingml/2006/diagram" xmlns:o="urn:schemas-microsoft-com:office:office" xmlns:v="urn:schemas-microsoft-com:vml" xmlns:pvml="urn:schemas-microsoft-com:office:powerpoint" xmlns:com="http://schemas.openxmlformats.org/drawingml/2006/compatibility" xmlns:p14="http://schemas.microsoft.com/office/powerpoint/2010/main">
+<p:sldLayout xmlns:a="http://schemas.openxmlformats.org/drawingml/2006/main" xmlns:r="http://schemas.openxmlformats.org/officeDocument/2006/relationships" xmlns:p="http://schemas.openxmlformats.org/presentationml/2006/main">
   <p:cSld name="Caption">
     <p:spTree>
       <p:nvGrpSpPr>
-        <p:cNvPr id="66" name="Shape 66"/>
+        <p:cNvPr id="1" name="Shape 66"/>
         <p:cNvGrpSpPr/>
         <p:nvPr/>
       </p:nvGrpSpPr>
@@ -6389,9 +6675,11 @@
       <p:sp>
         <p:nvSpPr>
           <p:cNvPr id="67" name="Shape 67"/>
-          <p:cNvSpPr txBox="1"/>
+          <p:cNvSpPr txBox="1">
+            <a:spLocks noGrp="1"/>
+          </p:cNvSpPr>
           <p:nvPr>
-            <p:ph idx="1" type="body"/>
+            <p:ph type="body" idx="1"/>
           </p:nvPr>
         </p:nvSpPr>
         <p:spPr>
@@ -6404,7 +6692,7 @@
           </a:prstGeom>
         </p:spPr>
         <p:txBody>
-          <a:bodyPr anchorCtr="0" anchor="ctr" bIns="91425" lIns="91425" rIns="91425" tIns="91425"/>
+          <a:bodyPr lIns="91425" tIns="91425" rIns="91425" bIns="91425" anchor="ctr" anchorCtr="0"/>
           <a:lstStyle>
             <a:lvl1pPr lvl="0">
               <a:lnSpc>
@@ -6420,15 +6708,19 @@
               <a:defRPr/>
             </a:lvl1pPr>
           </a:lstStyle>
-          <a:p/>
+          <a:p>
+            <a:endParaRPr/>
+          </a:p>
         </p:txBody>
       </p:sp>
       <p:sp>
         <p:nvSpPr>
           <p:cNvPr id="68" name="Shape 68"/>
-          <p:cNvSpPr txBox="1"/>
+          <p:cNvSpPr txBox="1">
+            <a:spLocks noGrp="1"/>
+          </p:cNvSpPr>
           <p:nvPr>
-            <p:ph idx="12" type="sldNum"/>
+            <p:ph type="sldNum" idx="12"/>
           </p:nvPr>
         </p:nvSpPr>
         <p:spPr>
@@ -6441,7 +6733,7 @@
           </a:prstGeom>
         </p:spPr>
         <p:txBody>
-          <a:bodyPr anchorCtr="0" anchor="ctr" bIns="91425" lIns="91425" rIns="91425" tIns="91425">
+          <a:bodyPr lIns="91425" tIns="91425" rIns="91425" bIns="91425" anchor="ctr" anchorCtr="0">
             <a:noAutofit/>
           </a:bodyPr>
           <a:lstStyle/>
@@ -6460,6 +6752,11 @@
               </a:rPr>
               <a:t>‹#›</a:t>
             </a:fld>
+            <a:endParaRPr lang="en">
+              <a:solidFill>
+                <a:schemeClr val="dk2"/>
+              </a:solidFill>
+            </a:endParaRPr>
           </a:p>
         </p:txBody>
       </p:sp>
@@ -6472,18 +6769,19 @@
 </file>
 
 <file path=ppt/slideMasters/slideMaster1.xml><?xml version="1.0" encoding="utf-8"?>
-<p:sldMaster xmlns:a="http://schemas.openxmlformats.org/drawingml/2006/main" xmlns:r="http://schemas.openxmlformats.org/officeDocument/2006/relationships" xmlns:mc="http://schemas.openxmlformats.org/markup-compatibility/2006" xmlns:mv="urn:schemas-microsoft-com:mac:vml" xmlns:p="http://schemas.openxmlformats.org/presentationml/2006/main" xmlns:c="http://schemas.openxmlformats.org/drawingml/2006/chart" xmlns:dgm="http://schemas.openxmlformats.org/drawingml/2006/diagram" xmlns:o="urn:schemas-microsoft-com:office:office" xmlns:v="urn:schemas-microsoft-com:vml" xmlns:pvml="urn:schemas-microsoft-com:office:powerpoint" xmlns:com="http://schemas.openxmlformats.org/drawingml/2006/compatibility" xmlns:p14="http://schemas.microsoft.com/office/powerpoint/2010/main">
+<p:sldMaster xmlns:a="http://schemas.openxmlformats.org/drawingml/2006/main" xmlns:r="http://schemas.openxmlformats.org/officeDocument/2006/relationships" xmlns:p="http://schemas.openxmlformats.org/presentationml/2006/main">
   <p:cSld>
     <p:bg>
       <p:bgPr>
         <a:solidFill>
           <a:schemeClr val="lt1"/>
         </a:solidFill>
+        <a:effectLst/>
       </p:bgPr>
     </p:bg>
     <p:spTree>
       <p:nvGrpSpPr>
-        <p:cNvPr id="5" name="Shape 5"/>
+        <p:cNvPr id="1" name="Shape 5"/>
         <p:cNvGrpSpPr/>
         <p:nvPr/>
       </p:nvGrpSpPr>
@@ -6498,7 +6796,9 @@
       <p:sp>
         <p:nvSpPr>
           <p:cNvPr id="6" name="Shape 6"/>
-          <p:cNvSpPr txBox="1"/>
+          <p:cNvSpPr txBox="1">
+            <a:spLocks noGrp="1"/>
+          </p:cNvSpPr>
           <p:nvPr>
             <p:ph type="title"/>
           </p:nvPr>
@@ -6517,7 +6817,7 @@
           </a:ln>
         </p:spPr>
         <p:txBody>
-          <a:bodyPr anchorCtr="0" anchor="t" bIns="91425" lIns="91425" rIns="91425" tIns="91425"/>
+          <a:bodyPr lIns="91425" tIns="91425" rIns="91425" bIns="91425" anchor="t" anchorCtr="0"/>
           <a:lstStyle>
             <a:lvl1pPr lvl="0">
               <a:spcBef>
@@ -6700,15 +7000,19 @@
               </a:defRPr>
             </a:lvl9pPr>
           </a:lstStyle>
-          <a:p/>
+          <a:p>
+            <a:endParaRPr/>
+          </a:p>
         </p:txBody>
       </p:sp>
       <p:sp>
         <p:nvSpPr>
           <p:cNvPr id="7" name="Shape 7"/>
-          <p:cNvSpPr txBox="1"/>
+          <p:cNvSpPr txBox="1">
+            <a:spLocks noGrp="1"/>
+          </p:cNvSpPr>
           <p:nvPr>
-            <p:ph idx="1" type="body"/>
+            <p:ph type="body" idx="1"/>
           </p:nvPr>
         </p:nvSpPr>
         <p:spPr>
@@ -6725,7 +7029,7 @@
           </a:ln>
         </p:spPr>
         <p:txBody>
-          <a:bodyPr anchorCtr="0" anchor="t" bIns="91425" lIns="91425" rIns="91425" tIns="91425"/>
+          <a:bodyPr lIns="91425" tIns="91425" rIns="91425" bIns="91425" anchor="t" anchorCtr="0"/>
           <a:lstStyle>
             <a:lvl1pPr lvl="0">
               <a:lnSpc>
@@ -6945,15 +7249,19 @@
               </a:defRPr>
             </a:lvl9pPr>
           </a:lstStyle>
-          <a:p/>
+          <a:p>
+            <a:endParaRPr/>
+          </a:p>
         </p:txBody>
       </p:sp>
       <p:sp>
         <p:nvSpPr>
           <p:cNvPr id="8" name="Shape 8"/>
-          <p:cNvSpPr txBox="1"/>
+          <p:cNvSpPr txBox="1">
+            <a:spLocks noGrp="1"/>
+          </p:cNvSpPr>
           <p:nvPr>
-            <p:ph idx="12" type="sldNum"/>
+            <p:ph type="sldNum" idx="12"/>
           </p:nvPr>
         </p:nvSpPr>
         <p:spPr>
@@ -6970,7 +7278,7 @@
           </a:ln>
         </p:spPr>
         <p:txBody>
-          <a:bodyPr anchorCtr="0" anchor="ctr" bIns="91425" lIns="91425" rIns="91425" tIns="91425">
+          <a:bodyPr lIns="91425" tIns="91425" rIns="91425" bIns="91425" anchor="ctr" anchorCtr="0">
             <a:noAutofit/>
           </a:bodyPr>
           <a:lstStyle/>
@@ -6993,12 +7301,21 @@
               </a:rPr>
               <a:t>‹#›</a:t>
             </a:fld>
+            <a:endParaRPr lang="en" sz="1000">
+              <a:solidFill>
+                <a:schemeClr val="lt1"/>
+              </a:solidFill>
+              <a:latin typeface="Roboto"/>
+              <a:ea typeface="Roboto"/>
+              <a:cs typeface="Roboto"/>
+              <a:sym typeface="Roboto"/>
+            </a:endParaRPr>
           </a:p>
         </p:txBody>
       </p:sp>
     </p:spTree>
   </p:cSld>
-  <p:clrMap accent1="accent1" accent2="accent2" accent3="accent3" accent4="accent4" accent5="accent5" accent6="accent6" bg1="lt1" bg2="dk2" tx1="dk1" tx2="lt2" folHlink="folHlink" hlink="hlink"/>
+  <p:clrMap bg1="lt1" tx1="dk1" bg2="dk2" tx2="lt2" accent1="accent1" accent2="accent2" accent3="accent3" accent4="accent4" accent5="accent5" accent6="accent6" hlink="hlink" folHlink="folHlink"/>
   <p:sldLayoutIdLst>
     <p:sldLayoutId id="2147483648" r:id="rId1"/>
     <p:sldLayoutId id="2147483649" r:id="rId2"/>
@@ -7012,10 +7329,10 @@
     <p:sldLayoutId id="2147483657" r:id="rId10"/>
     <p:sldLayoutId id="2147483658" r:id="rId11"/>
   </p:sldLayoutIdLst>
-  <p:hf dt="0" ftr="0" hdr="0" sldNum="0"/>
+  <p:hf sldNum="0" hdr="0" ftr="0" dt="0"/>
   <p:txStyles>
     <p:titleStyle>
-      <a:defPPr lvl="0" marR="0" rtl="0" algn="l">
+      <a:defPPr marR="0" lvl="0" algn="l" rtl="0">
         <a:lnSpc>
           <a:spcPct val="100000"/>
         </a:lnSpc>
@@ -7026,7 +7343,7 @@
           <a:spcPts val="0"/>
         </a:spcAft>
       </a:defPPr>
-      <a:lvl1pPr lvl="0" marR="0" rtl="0" algn="l">
+      <a:lvl1pPr marR="0" lvl="0" algn="l" rtl="0">
         <a:lnSpc>
           <a:spcPct val="100000"/>
         </a:lnSpc>
@@ -7037,7 +7354,7 @@
           <a:spcPts val="0"/>
         </a:spcAft>
         <a:buNone/>
-        <a:defRPr b="0" i="0" sz="1400" u="none" cap="none" strike="noStrike">
+        <a:defRPr sz="1400" b="0" i="0" u="none" strike="noStrike" cap="none">
           <a:solidFill>
             <a:srgbClr val="000000"/>
           </a:solidFill>
@@ -7049,7 +7366,7 @@
       </a:lvl1pPr>
     </p:titleStyle>
     <p:bodyStyle>
-      <a:defPPr lvl="0" marR="0" rtl="0" algn="l">
+      <a:defPPr marR="0" lvl="0" algn="l" rtl="0">
         <a:lnSpc>
           <a:spcPct val="100000"/>
         </a:lnSpc>
@@ -7060,7 +7377,7 @@
           <a:spcPts val="0"/>
         </a:spcAft>
       </a:defPPr>
-      <a:lvl1pPr lvl="0" marR="0" rtl="0" algn="l">
+      <a:lvl1pPr marR="0" lvl="0" algn="l" rtl="0">
         <a:lnSpc>
           <a:spcPct val="100000"/>
         </a:lnSpc>
@@ -7071,7 +7388,7 @@
           <a:spcPts val="0"/>
         </a:spcAft>
         <a:buNone/>
-        <a:defRPr b="0" i="0" sz="1400" u="none" cap="none" strike="noStrike">
+        <a:defRPr sz="1400" b="0" i="0" u="none" strike="noStrike" cap="none">
           <a:solidFill>
             <a:srgbClr val="000000"/>
           </a:solidFill>
@@ -7081,7 +7398,7 @@
           <a:sym typeface="Arial"/>
         </a:defRPr>
       </a:lvl1pPr>
-      <a:lvl2pPr lvl="1" marR="0" rtl="0" algn="l">
+      <a:lvl2pPr marR="0" lvl="1" algn="l" rtl="0">
         <a:lnSpc>
           <a:spcPct val="100000"/>
         </a:lnSpc>
@@ -7092,7 +7409,7 @@
           <a:spcPts val="0"/>
         </a:spcAft>
         <a:buNone/>
-        <a:defRPr b="0" i="0" sz="1400" u="none" cap="none" strike="noStrike">
+        <a:defRPr sz="1400" b="0" i="0" u="none" strike="noStrike" cap="none">
           <a:solidFill>
             <a:srgbClr val="000000"/>
           </a:solidFill>
@@ -7102,7 +7419,7 @@
           <a:sym typeface="Arial"/>
         </a:defRPr>
       </a:lvl2pPr>
-      <a:lvl3pPr lvl="2" marR="0" rtl="0" algn="l">
+      <a:lvl3pPr marR="0" lvl="2" algn="l" rtl="0">
         <a:lnSpc>
           <a:spcPct val="100000"/>
         </a:lnSpc>
@@ -7113,7 +7430,7 @@
           <a:spcPts val="0"/>
         </a:spcAft>
         <a:buNone/>
-        <a:defRPr b="0" i="0" sz="1400" u="none" cap="none" strike="noStrike">
+        <a:defRPr sz="1400" b="0" i="0" u="none" strike="noStrike" cap="none">
           <a:solidFill>
             <a:srgbClr val="000000"/>
           </a:solidFill>
@@ -7123,7 +7440,7 @@
           <a:sym typeface="Arial"/>
         </a:defRPr>
       </a:lvl3pPr>
-      <a:lvl4pPr lvl="3" marR="0" rtl="0" algn="l">
+      <a:lvl4pPr marR="0" lvl="3" algn="l" rtl="0">
         <a:lnSpc>
           <a:spcPct val="100000"/>
         </a:lnSpc>
@@ -7134,7 +7451,7 @@
           <a:spcPts val="0"/>
         </a:spcAft>
         <a:buNone/>
-        <a:defRPr b="0" i="0" sz="1400" u="none" cap="none" strike="noStrike">
+        <a:defRPr sz="1400" b="0" i="0" u="none" strike="noStrike" cap="none">
           <a:solidFill>
             <a:srgbClr val="000000"/>
           </a:solidFill>
@@ -7144,7 +7461,7 @@
           <a:sym typeface="Arial"/>
         </a:defRPr>
       </a:lvl4pPr>
-      <a:lvl5pPr lvl="4" marR="0" rtl="0" algn="l">
+      <a:lvl5pPr marR="0" lvl="4" algn="l" rtl="0">
         <a:lnSpc>
           <a:spcPct val="100000"/>
         </a:lnSpc>
@@ -7155,7 +7472,7 @@
           <a:spcPts val="0"/>
         </a:spcAft>
         <a:buNone/>
-        <a:defRPr b="0" i="0" sz="1400" u="none" cap="none" strike="noStrike">
+        <a:defRPr sz="1400" b="0" i="0" u="none" strike="noStrike" cap="none">
           <a:solidFill>
             <a:srgbClr val="000000"/>
           </a:solidFill>
@@ -7165,7 +7482,7 @@
           <a:sym typeface="Arial"/>
         </a:defRPr>
       </a:lvl5pPr>
-      <a:lvl6pPr lvl="5" marR="0" rtl="0" algn="l">
+      <a:lvl6pPr marR="0" lvl="5" algn="l" rtl="0">
         <a:lnSpc>
           <a:spcPct val="100000"/>
         </a:lnSpc>
@@ -7176,7 +7493,7 @@
           <a:spcPts val="0"/>
         </a:spcAft>
         <a:buNone/>
-        <a:defRPr b="0" i="0" sz="1400" u="none" cap="none" strike="noStrike">
+        <a:defRPr sz="1400" b="0" i="0" u="none" strike="noStrike" cap="none">
           <a:solidFill>
             <a:srgbClr val="000000"/>
           </a:solidFill>
@@ -7186,7 +7503,7 @@
           <a:sym typeface="Arial"/>
         </a:defRPr>
       </a:lvl6pPr>
-      <a:lvl7pPr lvl="6" marR="0" rtl="0" algn="l">
+      <a:lvl7pPr marR="0" lvl="6" algn="l" rtl="0">
         <a:lnSpc>
           <a:spcPct val="100000"/>
         </a:lnSpc>
@@ -7197,7 +7514,7 @@
           <a:spcPts val="0"/>
         </a:spcAft>
         <a:buNone/>
-        <a:defRPr b="0" i="0" sz="1400" u="none" cap="none" strike="noStrike">
+        <a:defRPr sz="1400" b="0" i="0" u="none" strike="noStrike" cap="none">
           <a:solidFill>
             <a:srgbClr val="000000"/>
           </a:solidFill>
@@ -7207,7 +7524,7 @@
           <a:sym typeface="Arial"/>
         </a:defRPr>
       </a:lvl7pPr>
-      <a:lvl8pPr lvl="7" marR="0" rtl="0" algn="l">
+      <a:lvl8pPr marR="0" lvl="7" algn="l" rtl="0">
         <a:lnSpc>
           <a:spcPct val="100000"/>
         </a:lnSpc>
@@ -7218,7 +7535,7 @@
           <a:spcPts val="0"/>
         </a:spcAft>
         <a:buNone/>
-        <a:defRPr b="0" i="0" sz="1400" u="none" cap="none" strike="noStrike">
+        <a:defRPr sz="1400" b="0" i="0" u="none" strike="noStrike" cap="none">
           <a:solidFill>
             <a:srgbClr val="000000"/>
           </a:solidFill>
@@ -7228,7 +7545,7 @@
           <a:sym typeface="Arial"/>
         </a:defRPr>
       </a:lvl8pPr>
-      <a:lvl9pPr lvl="8" marR="0" rtl="0" algn="l">
+      <a:lvl9pPr marR="0" lvl="8" algn="l" rtl="0">
         <a:lnSpc>
           <a:spcPct val="100000"/>
         </a:lnSpc>
@@ -7239,7 +7556,7 @@
           <a:spcPts val="0"/>
         </a:spcAft>
         <a:buNone/>
-        <a:defRPr b="0" i="0" sz="1400" u="none" cap="none" strike="noStrike">
+        <a:defRPr sz="1400" b="0" i="0" u="none" strike="noStrike" cap="none">
           <a:solidFill>
             <a:srgbClr val="000000"/>
           </a:solidFill>
@@ -7251,7 +7568,7 @@
       </a:lvl9pPr>
     </p:bodyStyle>
     <p:otherStyle>
-      <a:defPPr lvl="0" marR="0" rtl="0" algn="l">
+      <a:defPPr marR="0" lvl="0" algn="l" rtl="0">
         <a:lnSpc>
           <a:spcPct val="100000"/>
         </a:lnSpc>
@@ -7262,7 +7579,7 @@
           <a:spcPts val="0"/>
         </a:spcAft>
       </a:defPPr>
-      <a:lvl1pPr lvl="0" marR="0" rtl="0" algn="l">
+      <a:lvl1pPr marR="0" lvl="0" algn="l" rtl="0">
         <a:lnSpc>
           <a:spcPct val="100000"/>
         </a:lnSpc>
@@ -7273,7 +7590,7 @@
           <a:spcPts val="0"/>
         </a:spcAft>
         <a:buNone/>
-        <a:defRPr b="0" i="0" sz="1400" u="none" cap="none" strike="noStrike">
+        <a:defRPr sz="1400" b="0" i="0" u="none" strike="noStrike" cap="none">
           <a:solidFill>
             <a:srgbClr val="000000"/>
           </a:solidFill>
@@ -7283,7 +7600,7 @@
           <a:sym typeface="Arial"/>
         </a:defRPr>
       </a:lvl1pPr>
-      <a:lvl2pPr lvl="1" marR="0" rtl="0" algn="l">
+      <a:lvl2pPr marR="0" lvl="1" algn="l" rtl="0">
         <a:lnSpc>
           <a:spcPct val="100000"/>
         </a:lnSpc>
@@ -7294,7 +7611,7 @@
           <a:spcPts val="0"/>
         </a:spcAft>
         <a:buNone/>
-        <a:defRPr b="0" i="0" sz="1400" u="none" cap="none" strike="noStrike">
+        <a:defRPr sz="1400" b="0" i="0" u="none" strike="noStrike" cap="none">
           <a:solidFill>
             <a:srgbClr val="000000"/>
           </a:solidFill>
@@ -7304,7 +7621,7 @@
           <a:sym typeface="Arial"/>
         </a:defRPr>
       </a:lvl2pPr>
-      <a:lvl3pPr lvl="2" marR="0" rtl="0" algn="l">
+      <a:lvl3pPr marR="0" lvl="2" algn="l" rtl="0">
         <a:lnSpc>
           <a:spcPct val="100000"/>
         </a:lnSpc>
@@ -7315,7 +7632,7 @@
           <a:spcPts val="0"/>
         </a:spcAft>
         <a:buNone/>
-        <a:defRPr b="0" i="0" sz="1400" u="none" cap="none" strike="noStrike">
+        <a:defRPr sz="1400" b="0" i="0" u="none" strike="noStrike" cap="none">
           <a:solidFill>
             <a:srgbClr val="000000"/>
           </a:solidFill>
@@ -7325,7 +7642,7 @@
           <a:sym typeface="Arial"/>
         </a:defRPr>
       </a:lvl3pPr>
-      <a:lvl4pPr lvl="3" marR="0" rtl="0" algn="l">
+      <a:lvl4pPr marR="0" lvl="3" algn="l" rtl="0">
         <a:lnSpc>
           <a:spcPct val="100000"/>
         </a:lnSpc>
@@ -7336,7 +7653,7 @@
           <a:spcPts val="0"/>
         </a:spcAft>
         <a:buNone/>
-        <a:defRPr b="0" i="0" sz="1400" u="none" cap="none" strike="noStrike">
+        <a:defRPr sz="1400" b="0" i="0" u="none" strike="noStrike" cap="none">
           <a:solidFill>
             <a:srgbClr val="000000"/>
           </a:solidFill>
@@ -7346,7 +7663,7 @@
           <a:sym typeface="Arial"/>
         </a:defRPr>
       </a:lvl4pPr>
-      <a:lvl5pPr lvl="4" marR="0" rtl="0" algn="l">
+      <a:lvl5pPr marR="0" lvl="4" algn="l" rtl="0">
         <a:lnSpc>
           <a:spcPct val="100000"/>
         </a:lnSpc>
@@ -7357,7 +7674,7 @@
           <a:spcPts val="0"/>
         </a:spcAft>
         <a:buNone/>
-        <a:defRPr b="0" i="0" sz="1400" u="none" cap="none" strike="noStrike">
+        <a:defRPr sz="1400" b="0" i="0" u="none" strike="noStrike" cap="none">
           <a:solidFill>
             <a:srgbClr val="000000"/>
           </a:solidFill>
@@ -7367,7 +7684,7 @@
           <a:sym typeface="Arial"/>
         </a:defRPr>
       </a:lvl5pPr>
-      <a:lvl6pPr lvl="5" marR="0" rtl="0" algn="l">
+      <a:lvl6pPr marR="0" lvl="5" algn="l" rtl="0">
         <a:lnSpc>
           <a:spcPct val="100000"/>
         </a:lnSpc>
@@ -7378,7 +7695,7 @@
           <a:spcPts val="0"/>
         </a:spcAft>
         <a:buNone/>
-        <a:defRPr b="0" i="0" sz="1400" u="none" cap="none" strike="noStrike">
+        <a:defRPr sz="1400" b="0" i="0" u="none" strike="noStrike" cap="none">
           <a:solidFill>
             <a:srgbClr val="000000"/>
           </a:solidFill>
@@ -7388,7 +7705,7 @@
           <a:sym typeface="Arial"/>
         </a:defRPr>
       </a:lvl6pPr>
-      <a:lvl7pPr lvl="6" marR="0" rtl="0" algn="l">
+      <a:lvl7pPr marR="0" lvl="6" algn="l" rtl="0">
         <a:lnSpc>
           <a:spcPct val="100000"/>
         </a:lnSpc>
@@ -7399,7 +7716,7 @@
           <a:spcPts val="0"/>
         </a:spcAft>
         <a:buNone/>
-        <a:defRPr b="0" i="0" sz="1400" u="none" cap="none" strike="noStrike">
+        <a:defRPr sz="1400" b="0" i="0" u="none" strike="noStrike" cap="none">
           <a:solidFill>
             <a:srgbClr val="000000"/>
           </a:solidFill>
@@ -7409,7 +7726,7 @@
           <a:sym typeface="Arial"/>
         </a:defRPr>
       </a:lvl7pPr>
-      <a:lvl8pPr lvl="7" marR="0" rtl="0" algn="l">
+      <a:lvl8pPr marR="0" lvl="7" algn="l" rtl="0">
         <a:lnSpc>
           <a:spcPct val="100000"/>
         </a:lnSpc>
@@ -7420,7 +7737,7 @@
           <a:spcPts val="0"/>
         </a:spcAft>
         <a:buNone/>
-        <a:defRPr b="0" i="0" sz="1400" u="none" cap="none" strike="noStrike">
+        <a:defRPr sz="1400" b="0" i="0" u="none" strike="noStrike" cap="none">
           <a:solidFill>
             <a:srgbClr val="000000"/>
           </a:solidFill>
@@ -7430,7 +7747,7 @@
           <a:sym typeface="Arial"/>
         </a:defRPr>
       </a:lvl8pPr>
-      <a:lvl9pPr lvl="8" marR="0" rtl="0" algn="l">
+      <a:lvl9pPr marR="0" lvl="8" algn="l" rtl="0">
         <a:lnSpc>
           <a:spcPct val="100000"/>
         </a:lnSpc>
@@ -7441,7 +7758,7 @@
           <a:spcPts val="0"/>
         </a:spcAft>
         <a:buNone/>
-        <a:defRPr b="0" i="0" sz="1400" u="none" cap="none" strike="noStrike">
+        <a:defRPr sz="1400" b="0" i="0" u="none" strike="noStrike" cap="none">
           <a:solidFill>
             <a:srgbClr val="000000"/>
           </a:solidFill>
@@ -7457,11 +7774,11 @@
 </file>
 
 <file path=ppt/slides/slide1.xml><?xml version="1.0" encoding="utf-8"?>
-<p:sld xmlns:a="http://schemas.openxmlformats.org/drawingml/2006/main" xmlns:r="http://schemas.openxmlformats.org/officeDocument/2006/relationships" xmlns:mc="http://schemas.openxmlformats.org/markup-compatibility/2006" xmlns:mv="urn:schemas-microsoft-com:mac:vml" xmlns:p="http://schemas.openxmlformats.org/presentationml/2006/main" xmlns:c="http://schemas.openxmlformats.org/drawingml/2006/chart" xmlns:dgm="http://schemas.openxmlformats.org/drawingml/2006/diagram" xmlns:o="urn:schemas-microsoft-com:office:office" xmlns:v="urn:schemas-microsoft-com:vml" xmlns:pvml="urn:schemas-microsoft-com:office:powerpoint" xmlns:com="http://schemas.openxmlformats.org/drawingml/2006/compatibility" xmlns:p14="http://schemas.microsoft.com/office/powerpoint/2010/main">
+<p:sld xmlns:a="http://schemas.openxmlformats.org/drawingml/2006/main" xmlns:r="http://schemas.openxmlformats.org/officeDocument/2006/relationships" xmlns:p="http://schemas.openxmlformats.org/presentationml/2006/main">
   <p:cSld>
     <p:spTree>
       <p:nvGrpSpPr>
-        <p:cNvPr id="84" name="Shape 84"/>
+        <p:cNvPr id="1" name="Shape 84"/>
         <p:cNvGrpSpPr/>
         <p:nvPr/>
       </p:nvGrpSpPr>
@@ -7476,7 +7793,9 @@
       <p:sp>
         <p:nvSpPr>
           <p:cNvPr id="85" name="Shape 85"/>
-          <p:cNvSpPr txBox="1"/>
+          <p:cNvSpPr txBox="1">
+            <a:spLocks noGrp="1"/>
+          </p:cNvSpPr>
           <p:nvPr>
             <p:ph type="ctrTitle"/>
           </p:nvPr>
@@ -7491,7 +7810,7 @@
           </a:prstGeom>
         </p:spPr>
         <p:txBody>
-          <a:bodyPr anchorCtr="0" anchor="b" bIns="91425" lIns="91425" rIns="91425" tIns="91425">
+          <a:bodyPr lIns="91425" tIns="91425" rIns="91425" bIns="91425" anchor="b" anchorCtr="0">
             <a:noAutofit/>
           </a:bodyPr>
           <a:lstStyle/>
@@ -7512,9 +7831,11 @@
       <p:sp>
         <p:nvSpPr>
           <p:cNvPr id="86" name="Shape 86"/>
-          <p:cNvSpPr txBox="1"/>
+          <p:cNvSpPr txBox="1">
+            <a:spLocks noGrp="1"/>
+          </p:cNvSpPr>
           <p:nvPr>
-            <p:ph idx="1" type="subTitle"/>
+            <p:ph type="subTitle" idx="1"/>
           </p:nvPr>
         </p:nvSpPr>
         <p:spPr>
@@ -7527,7 +7848,7 @@
           </a:prstGeom>
         </p:spPr>
         <p:txBody>
-          <a:bodyPr anchorCtr="0" anchor="t" bIns="91425" lIns="91425" rIns="91425" tIns="91425">
+          <a:bodyPr lIns="91425" tIns="91425" rIns="91425" bIns="91425" anchor="t" anchorCtr="0">
             <a:noAutofit/>
           </a:bodyPr>
           <a:lstStyle/>
@@ -7554,11 +7875,11 @@
 </file>
 
 <file path=ppt/slides/slide10.xml><?xml version="1.0" encoding="utf-8"?>
-<p:sld xmlns:a="http://schemas.openxmlformats.org/drawingml/2006/main" xmlns:r="http://schemas.openxmlformats.org/officeDocument/2006/relationships" xmlns:mc="http://schemas.openxmlformats.org/markup-compatibility/2006" xmlns:mv="urn:schemas-microsoft-com:mac:vml" xmlns:p="http://schemas.openxmlformats.org/presentationml/2006/main" xmlns:c="http://schemas.openxmlformats.org/drawingml/2006/chart" xmlns:dgm="http://schemas.openxmlformats.org/drawingml/2006/diagram" xmlns:o="urn:schemas-microsoft-com:office:office" xmlns:v="urn:schemas-microsoft-com:vml" xmlns:pvml="urn:schemas-microsoft-com:office:powerpoint" xmlns:com="http://schemas.openxmlformats.org/drawingml/2006/compatibility" xmlns:p14="http://schemas.microsoft.com/office/powerpoint/2010/main">
+<p:sld xmlns:a="http://schemas.openxmlformats.org/drawingml/2006/main" xmlns:r="http://schemas.openxmlformats.org/officeDocument/2006/relationships" xmlns:p="http://schemas.openxmlformats.org/presentationml/2006/main">
   <p:cSld>
     <p:spTree>
       <p:nvGrpSpPr>
-        <p:cNvPr id="149" name="Shape 149"/>
+        <p:cNvPr id="1" name="Shape 149"/>
         <p:cNvGrpSpPr/>
         <p:nvPr/>
       </p:nvGrpSpPr>
@@ -7573,7 +7894,9 @@
       <p:sp>
         <p:nvSpPr>
           <p:cNvPr id="150" name="Shape 150"/>
-          <p:cNvSpPr txBox="1"/>
+          <p:cNvSpPr txBox="1">
+            <a:spLocks noGrp="1"/>
+          </p:cNvSpPr>
           <p:nvPr>
             <p:ph type="title"/>
           </p:nvPr>
@@ -7588,7 +7911,7 @@
           </a:prstGeom>
         </p:spPr>
         <p:txBody>
-          <a:bodyPr anchorCtr="0" anchor="t" bIns="91425" lIns="91425" rIns="91425" tIns="91425">
+          <a:bodyPr lIns="91425" tIns="91425" rIns="91425" bIns="91425" anchor="t" anchorCtr="0">
             <a:noAutofit/>
           </a:bodyPr>
           <a:lstStyle/>
@@ -7614,9 +7937,11 @@
       <p:sp>
         <p:nvSpPr>
           <p:cNvPr id="151" name="Shape 151"/>
-          <p:cNvSpPr txBox="1"/>
+          <p:cNvSpPr txBox="1">
+            <a:spLocks noGrp="1"/>
+          </p:cNvSpPr>
           <p:nvPr>
-            <p:ph idx="1" type="body"/>
+            <p:ph type="body" idx="1"/>
           </p:nvPr>
         </p:nvSpPr>
         <p:spPr>
@@ -7629,7 +7954,7 @@
           </a:prstGeom>
         </p:spPr>
         <p:txBody>
-          <a:bodyPr anchorCtr="0" anchor="t" bIns="91425" lIns="91425" rIns="91425" tIns="91425">
+          <a:bodyPr lIns="91425" tIns="91425" rIns="91425" bIns="91425" anchor="t" anchorCtr="0">
             <a:noAutofit/>
           </a:bodyPr>
           <a:lstStyle/>
@@ -7684,11 +8009,11 @@
 </file>
 
 <file path=ppt/slides/slide11.xml><?xml version="1.0" encoding="utf-8"?>
-<p:sld xmlns:a="http://schemas.openxmlformats.org/drawingml/2006/main" xmlns:r="http://schemas.openxmlformats.org/officeDocument/2006/relationships" xmlns:mc="http://schemas.openxmlformats.org/markup-compatibility/2006" xmlns:mv="urn:schemas-microsoft-com:mac:vml" xmlns:p="http://schemas.openxmlformats.org/presentationml/2006/main" xmlns:c="http://schemas.openxmlformats.org/drawingml/2006/chart" xmlns:dgm="http://schemas.openxmlformats.org/drawingml/2006/diagram" xmlns:o="urn:schemas-microsoft-com:office:office" xmlns:v="urn:schemas-microsoft-com:vml" xmlns:pvml="urn:schemas-microsoft-com:office:powerpoint" xmlns:com="http://schemas.openxmlformats.org/drawingml/2006/compatibility" xmlns:p14="http://schemas.microsoft.com/office/powerpoint/2010/main">
+<p:sld xmlns:a="http://schemas.openxmlformats.org/drawingml/2006/main" xmlns:r="http://schemas.openxmlformats.org/officeDocument/2006/relationships" xmlns:p="http://schemas.openxmlformats.org/presentationml/2006/main">
   <p:cSld>
     <p:spTree>
       <p:nvGrpSpPr>
-        <p:cNvPr id="156" name="Shape 156"/>
+        <p:cNvPr id="1" name="Shape 156"/>
         <p:cNvGrpSpPr/>
         <p:nvPr/>
       </p:nvGrpSpPr>
@@ -7703,7 +8028,9 @@
       <p:sp>
         <p:nvSpPr>
           <p:cNvPr id="157" name="Shape 157"/>
-          <p:cNvSpPr txBox="1"/>
+          <p:cNvSpPr txBox="1">
+            <a:spLocks noGrp="1"/>
+          </p:cNvSpPr>
           <p:nvPr>
             <p:ph type="title"/>
           </p:nvPr>
@@ -7718,7 +8045,7 @@
           </a:prstGeom>
         </p:spPr>
         <p:txBody>
-          <a:bodyPr anchorCtr="0" anchor="t" bIns="91425" lIns="91425" rIns="91425" tIns="91425">
+          <a:bodyPr lIns="91425" tIns="91425" rIns="91425" bIns="91425" anchor="t" anchorCtr="0">
             <a:noAutofit/>
           </a:bodyPr>
           <a:lstStyle/>
@@ -7739,9 +8066,11 @@
       <p:sp>
         <p:nvSpPr>
           <p:cNvPr id="158" name="Shape 158"/>
-          <p:cNvSpPr txBox="1"/>
+          <p:cNvSpPr txBox="1">
+            <a:spLocks noGrp="1"/>
+          </p:cNvSpPr>
           <p:nvPr>
-            <p:ph idx="1" type="body"/>
+            <p:ph type="body" idx="1"/>
           </p:nvPr>
         </p:nvSpPr>
         <p:spPr>
@@ -7754,7 +8083,7 @@
           </a:prstGeom>
         </p:spPr>
         <p:txBody>
-          <a:bodyPr anchorCtr="0" anchor="t" bIns="91425" lIns="91425" rIns="91425" tIns="91425">
+          <a:bodyPr lIns="91425" tIns="91425" rIns="91425" bIns="91425" anchor="t" anchorCtr="0">
             <a:noAutofit/>
           </a:bodyPr>
           <a:lstStyle/>
@@ -7837,11 +8166,11 @@
 </file>
 
 <file path=ppt/slides/slide12.xml><?xml version="1.0" encoding="utf-8"?>
-<p:sld xmlns:a="http://schemas.openxmlformats.org/drawingml/2006/main" xmlns:r="http://schemas.openxmlformats.org/officeDocument/2006/relationships" xmlns:mc="http://schemas.openxmlformats.org/markup-compatibility/2006" xmlns:mv="urn:schemas-microsoft-com:mac:vml" xmlns:p="http://schemas.openxmlformats.org/presentationml/2006/main" xmlns:c="http://schemas.openxmlformats.org/drawingml/2006/chart" xmlns:dgm="http://schemas.openxmlformats.org/drawingml/2006/diagram" xmlns:o="urn:schemas-microsoft-com:office:office" xmlns:v="urn:schemas-microsoft-com:vml" xmlns:pvml="urn:schemas-microsoft-com:office:powerpoint" xmlns:com="http://schemas.openxmlformats.org/drawingml/2006/compatibility" xmlns:p14="http://schemas.microsoft.com/office/powerpoint/2010/main">
+<p:sld xmlns:a="http://schemas.openxmlformats.org/drawingml/2006/main" xmlns:r="http://schemas.openxmlformats.org/officeDocument/2006/relationships" xmlns:p="http://schemas.openxmlformats.org/presentationml/2006/main">
   <p:cSld>
     <p:spTree>
       <p:nvGrpSpPr>
-        <p:cNvPr id="164" name="Shape 164"/>
+        <p:cNvPr id="1" name="Shape 164"/>
         <p:cNvGrpSpPr/>
         <p:nvPr/>
       </p:nvGrpSpPr>
@@ -7856,7 +8185,9 @@
       <p:sp>
         <p:nvSpPr>
           <p:cNvPr id="165" name="Shape 165"/>
-          <p:cNvSpPr txBox="1"/>
+          <p:cNvSpPr txBox="1">
+            <a:spLocks noGrp="1"/>
+          </p:cNvSpPr>
           <p:nvPr>
             <p:ph type="title"/>
           </p:nvPr>
@@ -7871,7 +8202,7 @@
           </a:prstGeom>
         </p:spPr>
         <p:txBody>
-          <a:bodyPr anchorCtr="0" anchor="t" bIns="91425" lIns="91425" rIns="91425" tIns="91425">
+          <a:bodyPr lIns="91425" tIns="91425" rIns="91425" bIns="91425" anchor="t" anchorCtr="0">
             <a:noAutofit/>
           </a:bodyPr>
           <a:lstStyle/>
@@ -7892,9 +8223,11 @@
       <p:sp>
         <p:nvSpPr>
           <p:cNvPr id="166" name="Shape 166"/>
-          <p:cNvSpPr txBox="1"/>
+          <p:cNvSpPr txBox="1">
+            <a:spLocks noGrp="1"/>
+          </p:cNvSpPr>
           <p:nvPr>
-            <p:ph idx="1" type="body"/>
+            <p:ph type="body" idx="1"/>
           </p:nvPr>
         </p:nvSpPr>
         <p:spPr>
@@ -7907,12 +8240,12 @@
           </a:prstGeom>
         </p:spPr>
         <p:txBody>
-          <a:bodyPr anchorCtr="0" anchor="t" bIns="91425" lIns="91425" rIns="91425" tIns="91425">
+          <a:bodyPr lIns="91425" tIns="91425" rIns="91425" bIns="91425" anchor="t" anchorCtr="0">
             <a:noAutofit/>
           </a:bodyPr>
           <a:lstStyle/>
           <a:p>
-            <a:pPr indent="-228600" lvl="0" marL="457200" rtl="0">
+            <a:pPr marL="457200" lvl="0" indent="-228600" rtl="0">
               <a:spcBef>
                 <a:spcPts val="0"/>
               </a:spcBef>
@@ -7923,7 +8256,7 @@
             </a:r>
           </a:p>
           <a:p>
-            <a:pPr indent="-228600" lvl="0" marL="457200">
+            <a:pPr marL="457200" lvl="0" indent="-228600">
               <a:spcBef>
                 <a:spcPts val="0"/>
               </a:spcBef>
@@ -7937,23 +8270,43 @@
       </p:sp>
       <p:pic>
         <p:nvPicPr>
-          <p:cNvPr id="167" name="Shape 167"/>
-          <p:cNvPicPr preferRelativeResize="0"/>
+          <p:cNvPr id="1026" name="Picture 2" descr="https://lh3.googleusercontent.com/MzK2vqJiVGcwjRrkhZoZrjwz-EQB7vP861bpNAg2WzwOEzjANrQVyfn5PxYyrP17hQsHxsX912HUeBjMSfT-dyStF8oT-AfsK0TKGkE7qcbLwUCgx73p0tWFwYSosJhSAhrh3d_-nqE"/>
+          <p:cNvPicPr>
+            <a:picLocks noChangeAspect="1" noChangeArrowheads="1"/>
+          </p:cNvPicPr>
           <p:nvPr/>
         </p:nvPicPr>
-        <p:blipFill/>
-        <p:spPr>
-          <a:xfrm>
-            <a:off x="311700" y="2694125"/>
-            <a:ext cx="6365330" cy="1969600"/>
+        <p:blipFill>
+          <a:blip r:embed="rId3">
+            <a:extLst>
+              <a:ext uri="{28A0092B-C50C-407E-A947-70E740481C1C}">
+                <a14:useLocalDpi xmlns:a14="http://schemas.microsoft.com/office/drawing/2010/main" val="0"/>
+              </a:ext>
+            </a:extLst>
+          </a:blip>
+          <a:srcRect/>
+          <a:stretch>
+            <a:fillRect/>
+          </a:stretch>
+        </p:blipFill>
+        <p:spPr bwMode="auto">
+          <a:xfrm>
+            <a:off x="311700" y="2663779"/>
+            <a:ext cx="6187574" cy="1914280"/>
           </a:xfrm>
           <a:prstGeom prst="rect">
             <a:avLst/>
           </a:prstGeom>
           <a:noFill/>
-          <a:ln>
-            <a:noFill/>
-          </a:ln>
+          <a:extLst>
+            <a:ext uri="{909E8E84-426E-40DD-AFC4-6F175D3DCCD1}">
+              <a14:hiddenFill xmlns:a14="http://schemas.microsoft.com/office/drawing/2010/main">
+                <a:solidFill>
+                  <a:srgbClr val="FFFFFF"/>
+                </a:solidFill>
+              </a14:hiddenFill>
+            </a:ext>
+          </a:extLst>
         </p:spPr>
       </p:pic>
     </p:spTree>
@@ -7965,11 +8318,11 @@
 </file>
 
 <file path=ppt/slides/slide13.xml><?xml version="1.0" encoding="utf-8"?>
-<p:sld xmlns:a="http://schemas.openxmlformats.org/drawingml/2006/main" xmlns:r="http://schemas.openxmlformats.org/officeDocument/2006/relationships" xmlns:mc="http://schemas.openxmlformats.org/markup-compatibility/2006" xmlns:mv="urn:schemas-microsoft-com:mac:vml" xmlns:p="http://schemas.openxmlformats.org/presentationml/2006/main" xmlns:c="http://schemas.openxmlformats.org/drawingml/2006/chart" xmlns:dgm="http://schemas.openxmlformats.org/drawingml/2006/diagram" xmlns:o="urn:schemas-microsoft-com:office:office" xmlns:v="urn:schemas-microsoft-com:vml" xmlns:pvml="urn:schemas-microsoft-com:office:powerpoint" xmlns:com="http://schemas.openxmlformats.org/drawingml/2006/compatibility" xmlns:p14="http://schemas.microsoft.com/office/powerpoint/2010/main">
+<p:sld xmlns:a="http://schemas.openxmlformats.org/drawingml/2006/main" xmlns:r="http://schemas.openxmlformats.org/officeDocument/2006/relationships" xmlns:p="http://schemas.openxmlformats.org/presentationml/2006/main">
   <p:cSld>
     <p:spTree>
       <p:nvGrpSpPr>
-        <p:cNvPr id="171" name="Shape 171"/>
+        <p:cNvPr id="1" name="Shape 171"/>
         <p:cNvGrpSpPr/>
         <p:nvPr/>
       </p:nvGrpSpPr>
@@ -7984,7 +8337,9 @@
       <p:sp>
         <p:nvSpPr>
           <p:cNvPr id="172" name="Shape 172"/>
-          <p:cNvSpPr txBox="1"/>
+          <p:cNvSpPr txBox="1">
+            <a:spLocks noGrp="1"/>
+          </p:cNvSpPr>
           <p:nvPr>
             <p:ph type="title"/>
           </p:nvPr>
@@ -7999,7 +8354,7 @@
           </a:prstGeom>
         </p:spPr>
         <p:txBody>
-          <a:bodyPr anchorCtr="0" anchor="t" bIns="91425" lIns="91425" rIns="91425" tIns="91425">
+          <a:bodyPr lIns="91425" tIns="91425" rIns="91425" bIns="91425" anchor="t" anchorCtr="0">
             <a:noAutofit/>
           </a:bodyPr>
           <a:lstStyle/>
@@ -8011,7 +8366,7 @@
               <a:buNone/>
             </a:pPr>
             <a:r>
-              <a:rPr lang="en"/>
+              <a:rPr lang="en" dirty="0"/>
               <a:t>Customized Lexicon Sentiment Analysis</a:t>
             </a:r>
           </a:p>
@@ -8020,9 +8375,11 @@
       <p:sp>
         <p:nvSpPr>
           <p:cNvPr id="173" name="Shape 173"/>
-          <p:cNvSpPr txBox="1"/>
+          <p:cNvSpPr txBox="1">
+            <a:spLocks noGrp="1"/>
+          </p:cNvSpPr>
           <p:nvPr>
-            <p:ph idx="1" type="body"/>
+            <p:ph type="body" idx="1"/>
           </p:nvPr>
         </p:nvSpPr>
         <p:spPr>
@@ -8035,87 +8392,108 @@
           </a:prstGeom>
         </p:spPr>
         <p:txBody>
-          <a:bodyPr anchorCtr="0" anchor="t" bIns="91425" lIns="91425" rIns="91425" tIns="91425">
+          <a:bodyPr lIns="91425" tIns="91425" rIns="91425" bIns="91425" anchor="t" anchorCtr="0">
             <a:noAutofit/>
           </a:bodyPr>
           <a:lstStyle/>
           <a:p>
-            <a:pPr indent="-228600" lvl="0" marL="457200" rtl="0">
+            <a:pPr marL="457200" lvl="0" indent="-228600" rtl="0">
+              <a:lnSpc>
+                <a:spcPct val="100000"/>
+              </a:lnSpc>
               <a:spcBef>
                 <a:spcPts val="0"/>
               </a:spcBef>
             </a:pPr>
             <a:r>
-              <a:rPr lang="en"/>
+              <a:rPr lang="en" sz="1400" dirty="0"/>
               <a:t>For that matter, real estate has a special set of sentiment words</a:t>
             </a:r>
           </a:p>
           <a:p>
-            <a:pPr indent="-228600" lvl="0" marL="457200" rtl="0">
+            <a:pPr marL="457200" lvl="0" indent="-228600" rtl="0">
+              <a:lnSpc>
+                <a:spcPct val="100000"/>
+              </a:lnSpc>
               <a:spcBef>
                 <a:spcPts val="0"/>
               </a:spcBef>
             </a:pPr>
             <a:r>
-              <a:rPr lang="en"/>
+              <a:rPr lang="en" sz="1400" dirty="0"/>
               <a:t>We tabulated word frequencies and used keyness to rank them </a:t>
             </a:r>
           </a:p>
           <a:p>
-            <a:pPr indent="-228600" lvl="0" marL="457200" rtl="0">
+            <a:pPr marL="457200" lvl="0" indent="-228600" rtl="0">
+              <a:lnSpc>
+                <a:spcPct val="100000"/>
+              </a:lnSpc>
               <a:spcBef>
                 <a:spcPts val="0"/>
               </a:spcBef>
             </a:pPr>
             <a:r>
-              <a:rPr lang="en"/>
+              <a:rPr lang="en" sz="1400" dirty="0"/>
               <a:t>Then we inspected high-keyness words for sentiment terms</a:t>
             </a:r>
           </a:p>
           <a:p>
-            <a:pPr indent="-228600" lvl="0" marL="457200" rtl="0">
+            <a:pPr marL="457200" lvl="0" indent="-228600" rtl="0">
+              <a:lnSpc>
+                <a:spcPct val="100000"/>
+              </a:lnSpc>
               <a:spcBef>
                 <a:spcPts val="0"/>
               </a:spcBef>
             </a:pPr>
             <a:r>
-              <a:rPr lang="en"/>
+              <a:rPr lang="en" sz="1400" dirty="0"/>
               <a:t>Categories:</a:t>
             </a:r>
           </a:p>
           <a:p>
-            <a:pPr indent="-228600" lvl="0" marL="914400" rtl="0">
+            <a:pPr marL="914400" lvl="0" indent="-228600" rtl="0">
+              <a:lnSpc>
+                <a:spcPct val="100000"/>
+              </a:lnSpc>
               <a:spcBef>
                 <a:spcPts val="0"/>
               </a:spcBef>
               <a:buAutoNum type="arabicPeriod"/>
             </a:pPr>
             <a:r>
-              <a:rPr lang="en"/>
+              <a:rPr lang="en" sz="1400" dirty="0"/>
               <a:t>Positive Affect</a:t>
             </a:r>
           </a:p>
           <a:p>
-            <a:pPr indent="-228600" lvl="0" marL="914400" rtl="0">
+            <a:pPr marL="914400" lvl="0" indent="-228600" rtl="0">
+              <a:lnSpc>
+                <a:spcPct val="100000"/>
+              </a:lnSpc>
               <a:spcBef>
                 <a:spcPts val="0"/>
               </a:spcBef>
               <a:buAutoNum type="arabicPeriod"/>
             </a:pPr>
             <a:r>
-              <a:rPr lang="en"/>
+              <a:rPr lang="en" sz="1400" dirty="0"/>
               <a:t>Spaciousness</a:t>
             </a:r>
           </a:p>
           <a:p>
-            <a:pPr indent="-228600" lvl="0" marL="914400" rtl="0">
+            <a:pPr marL="914400" lvl="0" indent="-228600" rtl="0">
+              <a:lnSpc>
+                <a:spcPct val="100000"/>
+              </a:lnSpc>
               <a:spcBef>
                 <a:spcPts val="0"/>
               </a:spcBef>
               <a:buAutoNum type="arabicPeriod"/>
             </a:pPr>
             <a:r>
-              <a:rPr lang="en"/>
+              <a:rPr lang="en" sz="1400" dirty="0"/>
               <a:t>“Center-of-it-All”</a:t>
             </a:r>
           </a:p>
@@ -8131,7 +8509,7 @@
           <a:blip r:embed="rId3">
             <a:alphaModFix/>
           </a:blip>
-          <a:srcRect b="0" l="20633" r="19016" t="0"/>
+          <a:srcRect l="20633" r="19016"/>
           <a:stretch/>
         </p:blipFill>
         <p:spPr>
@@ -8157,11 +8535,11 @@
 </file>
 
 <file path=ppt/slides/slide14.xml><?xml version="1.0" encoding="utf-8"?>
-<p:sld xmlns:a="http://schemas.openxmlformats.org/drawingml/2006/main" xmlns:r="http://schemas.openxmlformats.org/officeDocument/2006/relationships" xmlns:mc="http://schemas.openxmlformats.org/markup-compatibility/2006" xmlns:mv="urn:schemas-microsoft-com:mac:vml" xmlns:p="http://schemas.openxmlformats.org/presentationml/2006/main" xmlns:c="http://schemas.openxmlformats.org/drawingml/2006/chart" xmlns:dgm="http://schemas.openxmlformats.org/drawingml/2006/diagram" xmlns:o="urn:schemas-microsoft-com:office:office" xmlns:v="urn:schemas-microsoft-com:vml" xmlns:pvml="urn:schemas-microsoft-com:office:powerpoint" xmlns:com="http://schemas.openxmlformats.org/drawingml/2006/compatibility" xmlns:p14="http://schemas.microsoft.com/office/powerpoint/2010/main">
+<p:sld xmlns:a="http://schemas.openxmlformats.org/drawingml/2006/main" xmlns:r="http://schemas.openxmlformats.org/officeDocument/2006/relationships" xmlns:p="http://schemas.openxmlformats.org/presentationml/2006/main">
   <p:cSld>
     <p:spTree>
       <p:nvGrpSpPr>
-        <p:cNvPr id="178" name="Shape 178"/>
+        <p:cNvPr id="1" name="Shape 178"/>
         <p:cNvGrpSpPr/>
         <p:nvPr/>
       </p:nvGrpSpPr>
@@ -8176,7 +8554,9 @@
       <p:sp>
         <p:nvSpPr>
           <p:cNvPr id="179" name="Shape 179"/>
-          <p:cNvSpPr txBox="1"/>
+          <p:cNvSpPr txBox="1">
+            <a:spLocks noGrp="1"/>
+          </p:cNvSpPr>
           <p:nvPr>
             <p:ph type="title"/>
           </p:nvPr>
@@ -8191,12 +8571,12 @@
           </a:prstGeom>
         </p:spPr>
         <p:txBody>
-          <a:bodyPr anchorCtr="0" anchor="t" bIns="91425" lIns="91425" rIns="91425" tIns="91425">
+          <a:bodyPr lIns="91425" tIns="91425" rIns="91425" bIns="91425" anchor="t" anchorCtr="0">
             <a:noAutofit/>
           </a:bodyPr>
           <a:lstStyle/>
           <a:p>
-            <a:pPr lvl="0" rtl="0" algn="ctr">
+            <a:pPr lvl="0" algn="ctr" rtl="0">
               <a:spcBef>
                 <a:spcPts val="0"/>
               </a:spcBef>
@@ -8224,9 +8604,11 @@
       <p:sp>
         <p:nvSpPr>
           <p:cNvPr id="180" name="Shape 180"/>
-          <p:cNvSpPr txBox="1"/>
+          <p:cNvSpPr txBox="1">
+            <a:spLocks noGrp="1"/>
+          </p:cNvSpPr>
           <p:nvPr>
-            <p:ph idx="1" type="body"/>
+            <p:ph type="body" idx="1"/>
           </p:nvPr>
         </p:nvSpPr>
         <p:spPr>
@@ -8239,12 +8621,12 @@
           </a:prstGeom>
         </p:spPr>
         <p:txBody>
-          <a:bodyPr anchorCtr="0" anchor="t" bIns="91425" lIns="91425" rIns="91425" tIns="91425">
+          <a:bodyPr lIns="91425" tIns="91425" rIns="91425" bIns="91425" anchor="t" anchorCtr="0">
             <a:noAutofit/>
           </a:bodyPr>
           <a:lstStyle/>
           <a:p>
-            <a:pPr indent="-355600" lvl="0" marL="457200" rtl="0">
+            <a:pPr marL="457200" lvl="0" indent="-355600" rtl="0">
               <a:spcBef>
                 <a:spcPts val="0"/>
               </a:spcBef>
@@ -8256,7 +8638,7 @@
             </a:r>
           </a:p>
           <a:p>
-            <a:pPr indent="-355600" lvl="0" marL="457200" rtl="0">
+            <a:pPr marL="457200" lvl="0" indent="-355600" rtl="0">
               <a:spcBef>
                 <a:spcPts val="0"/>
               </a:spcBef>
@@ -8268,7 +8650,7 @@
             </a:r>
           </a:p>
           <a:p>
-            <a:pPr indent="-355600" lvl="0" marL="457200" rtl="0">
+            <a:pPr marL="457200" lvl="0" indent="-355600" rtl="0">
               <a:spcBef>
                 <a:spcPts val="0"/>
               </a:spcBef>
@@ -8280,7 +8662,7 @@
             </a:r>
           </a:p>
           <a:p>
-            <a:pPr indent="-355600" lvl="0" marL="457200">
+            <a:pPr marL="457200" lvl="0" indent="-355600">
               <a:spcBef>
                 <a:spcPts val="0"/>
               </a:spcBef>
@@ -8302,11 +8684,11 @@
 </file>
 
 <file path=ppt/slides/slide15.xml><?xml version="1.0" encoding="utf-8"?>
-<p:sld xmlns:a="http://schemas.openxmlformats.org/drawingml/2006/main" xmlns:r="http://schemas.openxmlformats.org/officeDocument/2006/relationships" xmlns:mc="http://schemas.openxmlformats.org/markup-compatibility/2006" xmlns:mv="urn:schemas-microsoft-com:mac:vml" xmlns:p="http://schemas.openxmlformats.org/presentationml/2006/main" xmlns:c="http://schemas.openxmlformats.org/drawingml/2006/chart" xmlns:dgm="http://schemas.openxmlformats.org/drawingml/2006/diagram" xmlns:o="urn:schemas-microsoft-com:office:office" xmlns:v="urn:schemas-microsoft-com:vml" xmlns:pvml="urn:schemas-microsoft-com:office:powerpoint" xmlns:com="http://schemas.openxmlformats.org/drawingml/2006/compatibility" xmlns:p14="http://schemas.microsoft.com/office/powerpoint/2010/main">
+<p:sld xmlns:a="http://schemas.openxmlformats.org/drawingml/2006/main" xmlns:r="http://schemas.openxmlformats.org/officeDocument/2006/relationships" xmlns:p="http://schemas.openxmlformats.org/presentationml/2006/main">
   <p:cSld>
     <p:spTree>
       <p:nvGrpSpPr>
-        <p:cNvPr id="184" name="Shape 184"/>
+        <p:cNvPr id="1" name="Shape 184"/>
         <p:cNvGrpSpPr/>
         <p:nvPr/>
       </p:nvGrpSpPr>
@@ -8321,7 +8703,9 @@
       <p:sp>
         <p:nvSpPr>
           <p:cNvPr id="185" name="Shape 185"/>
-          <p:cNvSpPr txBox="1"/>
+          <p:cNvSpPr txBox="1">
+            <a:spLocks noGrp="1"/>
+          </p:cNvSpPr>
           <p:nvPr>
             <p:ph type="title"/>
           </p:nvPr>
@@ -8336,7 +8720,7 @@
           </a:prstGeom>
         </p:spPr>
         <p:txBody>
-          <a:bodyPr anchorCtr="0" anchor="t" bIns="91425" lIns="91425" rIns="91425" tIns="91425">
+          <a:bodyPr lIns="91425" tIns="91425" rIns="91425" bIns="91425" anchor="t" anchorCtr="0">
             <a:noAutofit/>
           </a:bodyPr>
           <a:lstStyle/>
@@ -8357,9 +8741,11 @@
       <p:sp>
         <p:nvSpPr>
           <p:cNvPr id="186" name="Shape 186"/>
-          <p:cNvSpPr txBox="1"/>
+          <p:cNvSpPr txBox="1">
+            <a:spLocks noGrp="1"/>
+          </p:cNvSpPr>
           <p:nvPr>
-            <p:ph idx="1" type="body"/>
+            <p:ph type="body" idx="1"/>
           </p:nvPr>
         </p:nvSpPr>
         <p:spPr>
@@ -8372,31 +8758,23 @@
           </a:prstGeom>
         </p:spPr>
         <p:txBody>
-          <a:bodyPr anchorCtr="0" anchor="t" bIns="91425" lIns="91425" rIns="91425" tIns="91425">
+          <a:bodyPr lIns="91425" tIns="91425" rIns="91425" bIns="91425" anchor="t" anchorCtr="0">
             <a:noAutofit/>
           </a:bodyPr>
           <a:lstStyle/>
           <a:p>
-            <a:pPr indent="-228600" lvl="0" marL="457200" rtl="0">
+            <a:pPr marL="457200" lvl="0" indent="-228600" rtl="0">
               <a:spcBef>
                 <a:spcPts val="0"/>
               </a:spcBef>
             </a:pPr>
             <a:r>
               <a:rPr lang="en"/>
-              <a:t>Using the </a:t>
+              <a:t>Using the tm package in R, we were able to extract words with higher frequencies from the description field</a:t>
             </a:r>
-            <a:r>
-              <a:rPr lang="en"/>
-              <a:t>tm</a:t>
-            </a:r>
-            <a:r>
-              <a:rPr lang="en"/>
-              <a:t> package in R, we were able to extract words with higher frequencies from the description field</a:t>
-            </a:r>
-          </a:p>
-          <a:p>
-            <a:pPr indent="-228600" lvl="0" marL="457200">
+          </a:p>
+          <a:p>
+            <a:pPr marL="457200" lvl="0" indent="-228600">
               <a:spcBef>
                 <a:spcPts val="0"/>
               </a:spcBef>
@@ -8445,11 +8823,11 @@
 </file>
 
 <file path=ppt/slides/slide16.xml><?xml version="1.0" encoding="utf-8"?>
-<p:sld xmlns:a="http://schemas.openxmlformats.org/drawingml/2006/main" xmlns:r="http://schemas.openxmlformats.org/officeDocument/2006/relationships" xmlns:mc="http://schemas.openxmlformats.org/markup-compatibility/2006" xmlns:mv="urn:schemas-microsoft-com:mac:vml" xmlns:p="http://schemas.openxmlformats.org/presentationml/2006/main" xmlns:c="http://schemas.openxmlformats.org/drawingml/2006/chart" xmlns:dgm="http://schemas.openxmlformats.org/drawingml/2006/diagram" xmlns:o="urn:schemas-microsoft-com:office:office" xmlns:v="urn:schemas-microsoft-com:vml" xmlns:pvml="urn:schemas-microsoft-com:office:powerpoint" xmlns:com="http://schemas.openxmlformats.org/drawingml/2006/compatibility" xmlns:p14="http://schemas.microsoft.com/office/powerpoint/2010/main">
+<p:sld xmlns:a="http://schemas.openxmlformats.org/drawingml/2006/main" xmlns:r="http://schemas.openxmlformats.org/officeDocument/2006/relationships" xmlns:p="http://schemas.openxmlformats.org/presentationml/2006/main">
   <p:cSld>
     <p:spTree>
       <p:nvGrpSpPr>
-        <p:cNvPr id="191" name="Shape 191"/>
+        <p:cNvPr id="1" name="Shape 191"/>
         <p:cNvGrpSpPr/>
         <p:nvPr/>
       </p:nvGrpSpPr>
@@ -8464,7 +8842,9 @@
       <p:sp>
         <p:nvSpPr>
           <p:cNvPr id="192" name="Shape 192"/>
-          <p:cNvSpPr txBox="1"/>
+          <p:cNvSpPr txBox="1">
+            <a:spLocks noGrp="1"/>
+          </p:cNvSpPr>
           <p:nvPr>
             <p:ph type="title"/>
           </p:nvPr>
@@ -8479,7 +8859,7 @@
           </a:prstGeom>
         </p:spPr>
         <p:txBody>
-          <a:bodyPr anchorCtr="0" anchor="t" bIns="91425" lIns="91425" rIns="91425" tIns="91425">
+          <a:bodyPr lIns="91425" tIns="91425" rIns="91425" bIns="91425" anchor="t" anchorCtr="0">
             <a:noAutofit/>
           </a:bodyPr>
           <a:lstStyle/>
@@ -8500,9 +8880,11 @@
       <p:sp>
         <p:nvSpPr>
           <p:cNvPr id="193" name="Shape 193"/>
-          <p:cNvSpPr txBox="1"/>
+          <p:cNvSpPr txBox="1">
+            <a:spLocks noGrp="1"/>
+          </p:cNvSpPr>
           <p:nvPr>
-            <p:ph idx="1" type="body"/>
+            <p:ph type="body" idx="1"/>
           </p:nvPr>
         </p:nvSpPr>
         <p:spPr>
@@ -8515,7 +8897,7 @@
           </a:prstGeom>
         </p:spPr>
         <p:txBody>
-          <a:bodyPr anchorCtr="0" anchor="t" bIns="91425" lIns="91425" rIns="91425" tIns="91425">
+          <a:bodyPr lIns="91425" tIns="91425" rIns="91425" bIns="91425" anchor="t" anchorCtr="0">
             <a:noAutofit/>
           </a:bodyPr>
           <a:lstStyle/>
@@ -8582,11 +8964,11 @@
 </file>
 
 <file path=ppt/slides/slide17.xml><?xml version="1.0" encoding="utf-8"?>
-<p:sld xmlns:a="http://schemas.openxmlformats.org/drawingml/2006/main" xmlns:r="http://schemas.openxmlformats.org/officeDocument/2006/relationships" xmlns:mc="http://schemas.openxmlformats.org/markup-compatibility/2006" xmlns:mv="urn:schemas-microsoft-com:mac:vml" xmlns:p="http://schemas.openxmlformats.org/presentationml/2006/main" xmlns:c="http://schemas.openxmlformats.org/drawingml/2006/chart" xmlns:dgm="http://schemas.openxmlformats.org/drawingml/2006/diagram" xmlns:o="urn:schemas-microsoft-com:office:office" xmlns:v="urn:schemas-microsoft-com:vml" xmlns:pvml="urn:schemas-microsoft-com:office:powerpoint" xmlns:com="http://schemas.openxmlformats.org/drawingml/2006/compatibility" xmlns:p14="http://schemas.microsoft.com/office/powerpoint/2010/main">
+<p:sld xmlns:a="http://schemas.openxmlformats.org/drawingml/2006/main" xmlns:r="http://schemas.openxmlformats.org/officeDocument/2006/relationships" xmlns:p="http://schemas.openxmlformats.org/presentationml/2006/main">
   <p:cSld>
     <p:spTree>
       <p:nvGrpSpPr>
-        <p:cNvPr id="198" name="Shape 198"/>
+        <p:cNvPr id="1" name="Shape 198"/>
         <p:cNvGrpSpPr/>
         <p:nvPr/>
       </p:nvGrpSpPr>
@@ -8601,7 +8983,9 @@
       <p:sp>
         <p:nvSpPr>
           <p:cNvPr id="199" name="Shape 199"/>
-          <p:cNvSpPr txBox="1"/>
+          <p:cNvSpPr txBox="1">
+            <a:spLocks noGrp="1"/>
+          </p:cNvSpPr>
           <p:nvPr>
             <p:ph type="ctrTitle"/>
           </p:nvPr>
@@ -8616,7 +9000,7 @@
           </a:prstGeom>
         </p:spPr>
         <p:txBody>
-          <a:bodyPr anchorCtr="0" anchor="b" bIns="91425" lIns="91425" rIns="91425" tIns="91425">
+          <a:bodyPr lIns="91425" tIns="91425" rIns="91425" bIns="91425" anchor="b" anchorCtr="0">
             <a:noAutofit/>
           </a:bodyPr>
           <a:lstStyle/>
@@ -8637,9 +9021,11 @@
       <p:sp>
         <p:nvSpPr>
           <p:cNvPr id="200" name="Shape 200"/>
-          <p:cNvSpPr txBox="1"/>
+          <p:cNvSpPr txBox="1">
+            <a:spLocks noGrp="1"/>
+          </p:cNvSpPr>
           <p:nvPr>
-            <p:ph idx="1" type="subTitle"/>
+            <p:ph type="subTitle" idx="1"/>
           </p:nvPr>
         </p:nvSpPr>
         <p:spPr>
@@ -8652,7 +9038,7 @@
           </a:prstGeom>
         </p:spPr>
         <p:txBody>
-          <a:bodyPr anchorCtr="0" anchor="t" bIns="91425" lIns="91425" rIns="91425" tIns="91425">
+          <a:bodyPr lIns="91425" tIns="91425" rIns="91425" bIns="91425" anchor="t" anchorCtr="0">
             <a:noAutofit/>
           </a:bodyPr>
           <a:lstStyle/>
@@ -8679,11 +9065,11 @@
 </file>
 
 <file path=ppt/slides/slide18.xml><?xml version="1.0" encoding="utf-8"?>
-<p:sld xmlns:a="http://schemas.openxmlformats.org/drawingml/2006/main" xmlns:r="http://schemas.openxmlformats.org/officeDocument/2006/relationships" xmlns:mc="http://schemas.openxmlformats.org/markup-compatibility/2006" xmlns:mv="urn:schemas-microsoft-com:mac:vml" xmlns:p="http://schemas.openxmlformats.org/presentationml/2006/main" xmlns:c="http://schemas.openxmlformats.org/drawingml/2006/chart" xmlns:dgm="http://schemas.openxmlformats.org/drawingml/2006/diagram" xmlns:o="urn:schemas-microsoft-com:office:office" xmlns:v="urn:schemas-microsoft-com:vml" xmlns:pvml="urn:schemas-microsoft-com:office:powerpoint" xmlns:com="http://schemas.openxmlformats.org/drawingml/2006/compatibility" xmlns:p14="http://schemas.microsoft.com/office/powerpoint/2010/main">
+<p:sld xmlns:a="http://schemas.openxmlformats.org/drawingml/2006/main" xmlns:r="http://schemas.openxmlformats.org/officeDocument/2006/relationships" xmlns:p="http://schemas.openxmlformats.org/presentationml/2006/main">
   <p:cSld>
     <p:spTree>
       <p:nvGrpSpPr>
-        <p:cNvPr id="204" name="Shape 204"/>
+        <p:cNvPr id="1" name="Shape 204"/>
         <p:cNvGrpSpPr/>
         <p:nvPr/>
       </p:nvGrpSpPr>
@@ -8698,7 +9084,9 @@
       <p:sp>
         <p:nvSpPr>
           <p:cNvPr id="205" name="Shape 205"/>
-          <p:cNvSpPr txBox="1"/>
+          <p:cNvSpPr txBox="1">
+            <a:spLocks noGrp="1"/>
+          </p:cNvSpPr>
           <p:nvPr>
             <p:ph type="title"/>
           </p:nvPr>
@@ -8713,7 +9101,7 @@
           </a:prstGeom>
         </p:spPr>
         <p:txBody>
-          <a:bodyPr anchorCtr="0" anchor="t" bIns="91425" lIns="91425" rIns="91425" tIns="91425">
+          <a:bodyPr lIns="91425" tIns="91425" rIns="91425" bIns="91425" anchor="t" anchorCtr="0">
             <a:noAutofit/>
           </a:bodyPr>
           <a:lstStyle/>
@@ -8734,9 +9122,11 @@
       <p:sp>
         <p:nvSpPr>
           <p:cNvPr id="206" name="Shape 206"/>
-          <p:cNvSpPr txBox="1"/>
+          <p:cNvSpPr txBox="1">
+            <a:spLocks noGrp="1"/>
+          </p:cNvSpPr>
           <p:nvPr>
-            <p:ph idx="1" type="body"/>
+            <p:ph type="body" idx="1"/>
           </p:nvPr>
         </p:nvSpPr>
         <p:spPr>
@@ -8749,7 +9139,7 @@
           </a:prstGeom>
         </p:spPr>
         <p:txBody>
-          <a:bodyPr anchorCtr="0" anchor="t" bIns="91425" lIns="91425" rIns="91425" tIns="91425">
+          <a:bodyPr lIns="91425" tIns="91425" rIns="91425" bIns="91425" anchor="t" anchorCtr="0">
             <a:noAutofit/>
           </a:bodyPr>
           <a:lstStyle/>
@@ -8769,7 +9159,7 @@
       </p:sp>
       <p:pic>
         <p:nvPicPr>
-          <p:cNvPr descr="Screen Shot 2017-03-05 at 3.37.03 PM.png" id="207" name="Shape 207"/>
+          <p:cNvPr id="207" name="Shape 207" descr="Screen Shot 2017-03-05 at 3.37.03 PM.png"/>
           <p:cNvPicPr preferRelativeResize="0"/>
           <p:nvPr/>
         </p:nvPicPr>
@@ -8804,11 +9194,11 @@
 </file>
 
 <file path=ppt/slides/slide19.xml><?xml version="1.0" encoding="utf-8"?>
-<p:sld xmlns:a="http://schemas.openxmlformats.org/drawingml/2006/main" xmlns:r="http://schemas.openxmlformats.org/officeDocument/2006/relationships" xmlns:mc="http://schemas.openxmlformats.org/markup-compatibility/2006" xmlns:mv="urn:schemas-microsoft-com:mac:vml" xmlns:p="http://schemas.openxmlformats.org/presentationml/2006/main" xmlns:c="http://schemas.openxmlformats.org/drawingml/2006/chart" xmlns:dgm="http://schemas.openxmlformats.org/drawingml/2006/diagram" xmlns:o="urn:schemas-microsoft-com:office:office" xmlns:v="urn:schemas-microsoft-com:vml" xmlns:pvml="urn:schemas-microsoft-com:office:powerpoint" xmlns:com="http://schemas.openxmlformats.org/drawingml/2006/compatibility" xmlns:p14="http://schemas.microsoft.com/office/powerpoint/2010/main">
+<p:sld xmlns:a="http://schemas.openxmlformats.org/drawingml/2006/main" xmlns:r="http://schemas.openxmlformats.org/officeDocument/2006/relationships" xmlns:p="http://schemas.openxmlformats.org/presentationml/2006/main">
   <p:cSld>
     <p:spTree>
       <p:nvGrpSpPr>
-        <p:cNvPr id="211" name="Shape 211"/>
+        <p:cNvPr id="1" name="Shape 211"/>
         <p:cNvGrpSpPr/>
         <p:nvPr/>
       </p:nvGrpSpPr>
@@ -8823,7 +9213,9 @@
       <p:sp>
         <p:nvSpPr>
           <p:cNvPr id="212" name="Shape 212"/>
-          <p:cNvSpPr txBox="1"/>
+          <p:cNvSpPr txBox="1">
+            <a:spLocks noGrp="1"/>
+          </p:cNvSpPr>
           <p:nvPr>
             <p:ph type="title"/>
           </p:nvPr>
@@ -8838,7 +9230,7 @@
           </a:prstGeom>
         </p:spPr>
         <p:txBody>
-          <a:bodyPr anchorCtr="0" anchor="t" bIns="91425" lIns="91425" rIns="91425" tIns="91425">
+          <a:bodyPr lIns="91425" tIns="91425" rIns="91425" bIns="91425" anchor="t" anchorCtr="0">
             <a:noAutofit/>
           </a:bodyPr>
           <a:lstStyle/>
@@ -8859,9 +9251,11 @@
       <p:sp>
         <p:nvSpPr>
           <p:cNvPr id="213" name="Shape 213"/>
-          <p:cNvSpPr txBox="1"/>
+          <p:cNvSpPr txBox="1">
+            <a:spLocks noGrp="1"/>
+          </p:cNvSpPr>
           <p:nvPr>
-            <p:ph idx="1" type="body"/>
+            <p:ph type="body" idx="1"/>
           </p:nvPr>
         </p:nvSpPr>
         <p:spPr>
@@ -8874,12 +9268,12 @@
           </a:prstGeom>
         </p:spPr>
         <p:txBody>
-          <a:bodyPr anchorCtr="0" anchor="t" bIns="91425" lIns="91425" rIns="91425" tIns="91425">
+          <a:bodyPr lIns="91425" tIns="91425" rIns="91425" bIns="91425" anchor="t" anchorCtr="0">
             <a:noAutofit/>
           </a:bodyPr>
           <a:lstStyle/>
           <a:p>
-            <a:pPr indent="-228600" lvl="0" marL="457200" rtl="0">
+            <a:pPr marL="457200" lvl="0" indent="-228600" rtl="0">
               <a:spcBef>
                 <a:spcPts val="0"/>
               </a:spcBef>
@@ -8890,7 +9284,7 @@
             </a:r>
           </a:p>
           <a:p>
-            <a:pPr indent="-228600" lvl="0" marL="457200">
+            <a:pPr marL="457200" lvl="0" indent="-228600">
               <a:spcBef>
                 <a:spcPts val="0"/>
               </a:spcBef>
@@ -8907,9 +9301,6 @@
               </a:spcBef>
               <a:buNone/>
             </a:pPr>
-            <a:r>
-              <a:t/>
-            </a:r>
             <a:endParaRPr/>
           </a:p>
         </p:txBody>
@@ -8923,11 +9314,11 @@
 </file>
 
 <file path=ppt/slides/slide2.xml><?xml version="1.0" encoding="utf-8"?>
-<p:sld xmlns:a="http://schemas.openxmlformats.org/drawingml/2006/main" xmlns:r="http://schemas.openxmlformats.org/officeDocument/2006/relationships" xmlns:mc="http://schemas.openxmlformats.org/markup-compatibility/2006" xmlns:mv="urn:schemas-microsoft-com:mac:vml" xmlns:p="http://schemas.openxmlformats.org/presentationml/2006/main" xmlns:c="http://schemas.openxmlformats.org/drawingml/2006/chart" xmlns:dgm="http://schemas.openxmlformats.org/drawingml/2006/diagram" xmlns:o="urn:schemas-microsoft-com:office:office" xmlns:v="urn:schemas-microsoft-com:vml" xmlns:pvml="urn:schemas-microsoft-com:office:powerpoint" xmlns:com="http://schemas.openxmlformats.org/drawingml/2006/compatibility" xmlns:p14="http://schemas.microsoft.com/office/powerpoint/2010/main">
+<p:sld xmlns:a="http://schemas.openxmlformats.org/drawingml/2006/main" xmlns:r="http://schemas.openxmlformats.org/officeDocument/2006/relationships" xmlns:p="http://schemas.openxmlformats.org/presentationml/2006/main">
   <p:cSld>
     <p:spTree>
       <p:nvGrpSpPr>
-        <p:cNvPr id="90" name="Shape 90"/>
+        <p:cNvPr id="1" name="Shape 90"/>
         <p:cNvGrpSpPr/>
         <p:nvPr/>
       </p:nvGrpSpPr>
@@ -8942,7 +9333,9 @@
       <p:sp>
         <p:nvSpPr>
           <p:cNvPr id="91" name="Shape 91"/>
-          <p:cNvSpPr txBox="1"/>
+          <p:cNvSpPr txBox="1">
+            <a:spLocks noGrp="1"/>
+          </p:cNvSpPr>
           <p:nvPr>
             <p:ph type="ctrTitle"/>
           </p:nvPr>
@@ -8957,7 +9350,7 @@
           </a:prstGeom>
         </p:spPr>
         <p:txBody>
-          <a:bodyPr anchorCtr="0" anchor="b" bIns="91425" lIns="91425" rIns="91425" tIns="91425">
+          <a:bodyPr lIns="91425" tIns="91425" rIns="91425" bIns="91425" anchor="b" anchorCtr="0">
             <a:noAutofit/>
           </a:bodyPr>
           <a:lstStyle/>
@@ -8978,9 +9371,11 @@
       <p:sp>
         <p:nvSpPr>
           <p:cNvPr id="92" name="Shape 92"/>
-          <p:cNvSpPr txBox="1"/>
+          <p:cNvSpPr txBox="1">
+            <a:spLocks noGrp="1"/>
+          </p:cNvSpPr>
           <p:nvPr>
-            <p:ph idx="1" type="subTitle"/>
+            <p:ph type="subTitle" idx="1"/>
           </p:nvPr>
         </p:nvSpPr>
         <p:spPr>
@@ -8993,7 +9388,7 @@
           </a:prstGeom>
         </p:spPr>
         <p:txBody>
-          <a:bodyPr anchorCtr="0" anchor="t" bIns="91425" lIns="91425" rIns="91425" tIns="91425">
+          <a:bodyPr lIns="91425" tIns="91425" rIns="91425" bIns="91425" anchor="t" anchorCtr="0">
             <a:noAutofit/>
           </a:bodyPr>
           <a:lstStyle/>
@@ -9020,11 +9415,11 @@
 </file>
 
 <file path=ppt/slides/slide20.xml><?xml version="1.0" encoding="utf-8"?>
-<p:sld xmlns:a="http://schemas.openxmlformats.org/drawingml/2006/main" xmlns:r="http://schemas.openxmlformats.org/officeDocument/2006/relationships" xmlns:mc="http://schemas.openxmlformats.org/markup-compatibility/2006" xmlns:mv="urn:schemas-microsoft-com:mac:vml" xmlns:p="http://schemas.openxmlformats.org/presentationml/2006/main" xmlns:c="http://schemas.openxmlformats.org/drawingml/2006/chart" xmlns:dgm="http://schemas.openxmlformats.org/drawingml/2006/diagram" xmlns:o="urn:schemas-microsoft-com:office:office" xmlns:v="urn:schemas-microsoft-com:vml" xmlns:pvml="urn:schemas-microsoft-com:office:powerpoint" xmlns:com="http://schemas.openxmlformats.org/drawingml/2006/compatibility" xmlns:p14="http://schemas.microsoft.com/office/powerpoint/2010/main">
+<p:sld xmlns:a="http://schemas.openxmlformats.org/drawingml/2006/main" xmlns:r="http://schemas.openxmlformats.org/officeDocument/2006/relationships" xmlns:p="http://schemas.openxmlformats.org/presentationml/2006/main">
   <p:cSld>
     <p:spTree>
       <p:nvGrpSpPr>
-        <p:cNvPr id="217" name="Shape 217"/>
+        <p:cNvPr id="1" name="Shape 217"/>
         <p:cNvGrpSpPr/>
         <p:nvPr/>
       </p:nvGrpSpPr>
@@ -9039,7 +9434,9 @@
       <p:sp>
         <p:nvSpPr>
           <p:cNvPr id="218" name="Shape 218"/>
-          <p:cNvSpPr txBox="1"/>
+          <p:cNvSpPr txBox="1">
+            <a:spLocks noGrp="1"/>
+          </p:cNvSpPr>
           <p:nvPr>
             <p:ph type="title"/>
           </p:nvPr>
@@ -9054,7 +9451,7 @@
           </a:prstGeom>
         </p:spPr>
         <p:txBody>
-          <a:bodyPr anchorCtr="0" anchor="t" bIns="91425" lIns="91425" rIns="91425" tIns="91425">
+          <a:bodyPr lIns="91425" tIns="91425" rIns="91425" bIns="91425" anchor="t" anchorCtr="0">
             <a:noAutofit/>
           </a:bodyPr>
           <a:lstStyle/>
@@ -9067,15 +9464,7 @@
             </a:pPr>
             <a:r>
               <a:rPr lang="en"/>
-              <a:t>Search for xgboost Parameters </a:t>
-            </a:r>
-            <a:r>
-              <a:rPr lang="en"/>
-              <a:t>with </a:t>
-            </a:r>
-            <a:r>
-              <a:rPr lang="en"/>
-              <a:t>Caret</a:t>
+              <a:t>Search for xgboost Parameters with Caret</a:t>
             </a:r>
           </a:p>
         </p:txBody>
@@ -9083,9 +9472,11 @@
       <p:sp>
         <p:nvSpPr>
           <p:cNvPr id="219" name="Shape 219"/>
-          <p:cNvSpPr txBox="1"/>
+          <p:cNvSpPr txBox="1">
+            <a:spLocks noGrp="1"/>
+          </p:cNvSpPr>
           <p:nvPr>
-            <p:ph idx="1" type="body"/>
+            <p:ph type="body" idx="1"/>
           </p:nvPr>
         </p:nvSpPr>
         <p:spPr>
@@ -9098,7 +9489,7 @@
           </a:prstGeom>
         </p:spPr>
         <p:txBody>
-          <a:bodyPr anchorCtr="0" anchor="t" bIns="91425" lIns="91425" rIns="91425" tIns="91425">
+          <a:bodyPr lIns="91425" tIns="91425" rIns="91425" bIns="91425" anchor="t" anchorCtr="0">
             <a:noAutofit/>
           </a:bodyPr>
           <a:lstStyle/>
@@ -9181,11 +9572,11 @@
 </file>
 
 <file path=ppt/slides/slide21.xml><?xml version="1.0" encoding="utf-8"?>
-<p:sld xmlns:a="http://schemas.openxmlformats.org/drawingml/2006/main" xmlns:r="http://schemas.openxmlformats.org/officeDocument/2006/relationships" xmlns:mc="http://schemas.openxmlformats.org/markup-compatibility/2006" xmlns:mv="urn:schemas-microsoft-com:mac:vml" xmlns:p="http://schemas.openxmlformats.org/presentationml/2006/main" xmlns:c="http://schemas.openxmlformats.org/drawingml/2006/chart" xmlns:dgm="http://schemas.openxmlformats.org/drawingml/2006/diagram" xmlns:o="urn:schemas-microsoft-com:office:office" xmlns:v="urn:schemas-microsoft-com:vml" xmlns:pvml="urn:schemas-microsoft-com:office:powerpoint" xmlns:com="http://schemas.openxmlformats.org/drawingml/2006/compatibility" xmlns:p14="http://schemas.microsoft.com/office/powerpoint/2010/main">
+<p:sld xmlns:a="http://schemas.openxmlformats.org/drawingml/2006/main" xmlns:r="http://schemas.openxmlformats.org/officeDocument/2006/relationships" xmlns:p="http://schemas.openxmlformats.org/presentationml/2006/main">
   <p:cSld>
     <p:spTree>
       <p:nvGrpSpPr>
-        <p:cNvPr id="225" name="Shape 225"/>
+        <p:cNvPr id="1" name="Shape 225"/>
         <p:cNvGrpSpPr/>
         <p:nvPr/>
       </p:nvGrpSpPr>
@@ -9200,7 +9591,9 @@
       <p:sp>
         <p:nvSpPr>
           <p:cNvPr id="226" name="Shape 226"/>
-          <p:cNvSpPr txBox="1"/>
+          <p:cNvSpPr txBox="1">
+            <a:spLocks noGrp="1"/>
+          </p:cNvSpPr>
           <p:nvPr>
             <p:ph type="title"/>
           </p:nvPr>
@@ -9215,7 +9608,7 @@
           </a:prstGeom>
         </p:spPr>
         <p:txBody>
-          <a:bodyPr anchorCtr="0" anchor="t" bIns="91425" lIns="91425" rIns="91425" tIns="91425">
+          <a:bodyPr lIns="91425" tIns="91425" rIns="91425" bIns="91425" anchor="t" anchorCtr="0">
             <a:noAutofit/>
           </a:bodyPr>
           <a:lstStyle/>
@@ -9235,23 +9628,43 @@
       </p:sp>
       <p:pic>
         <p:nvPicPr>
-          <p:cNvPr id="227" name="Shape 227"/>
-          <p:cNvPicPr preferRelativeResize="0"/>
+          <p:cNvPr id="2050" name="Picture 2" descr="https://lh6.googleusercontent.com/02HFAGo04OowVVXQOdjr64jnTjDd74GvE4UbTJVJC4bbN1g_dxetsMn3_y7KkdOxaiCbNDTEnLgEe3ZqLltz1o83UG2PFxNZJRwPMtEaJzBB5eilpgczkpQz80B4IvM0JsyhEytsmC8"/>
+          <p:cNvPicPr>
+            <a:picLocks noChangeAspect="1" noChangeArrowheads="1"/>
+          </p:cNvPicPr>
           <p:nvPr/>
         </p:nvPicPr>
-        <p:blipFill/>
-        <p:spPr>
-          <a:xfrm>
-            <a:off x="468600" y="1369525"/>
-            <a:ext cx="5114348" cy="2359574"/>
+        <p:blipFill>
+          <a:blip r:embed="rId3">
+            <a:extLst>
+              <a:ext uri="{28A0092B-C50C-407E-A947-70E740481C1C}">
+                <a14:useLocalDpi xmlns:a14="http://schemas.microsoft.com/office/drawing/2010/main" val="0"/>
+              </a:ext>
+            </a:extLst>
+          </a:blip>
+          <a:srcRect/>
+          <a:stretch>
+            <a:fillRect/>
+          </a:stretch>
+        </p:blipFill>
+        <p:spPr bwMode="auto">
+          <a:xfrm>
+            <a:off x="311700" y="1243087"/>
+            <a:ext cx="5956496" cy="2748110"/>
           </a:xfrm>
           <a:prstGeom prst="rect">
             <a:avLst/>
           </a:prstGeom>
           <a:noFill/>
-          <a:ln>
-            <a:noFill/>
-          </a:ln>
+          <a:extLst>
+            <a:ext uri="{909E8E84-426E-40DD-AFC4-6F175D3DCCD1}">
+              <a14:hiddenFill xmlns:a14="http://schemas.microsoft.com/office/drawing/2010/main">
+                <a:solidFill>
+                  <a:srgbClr val="FFFFFF"/>
+                </a:solidFill>
+              </a14:hiddenFill>
+            </a:ext>
+          </a:extLst>
         </p:spPr>
       </p:pic>
     </p:spTree>
@@ -9263,11 +9676,11 @@
 </file>
 
 <file path=ppt/slides/slide22.xml><?xml version="1.0" encoding="utf-8"?>
-<p:sld xmlns:a="http://schemas.openxmlformats.org/drawingml/2006/main" xmlns:r="http://schemas.openxmlformats.org/officeDocument/2006/relationships" xmlns:mc="http://schemas.openxmlformats.org/markup-compatibility/2006" xmlns:mv="urn:schemas-microsoft-com:mac:vml" xmlns:p="http://schemas.openxmlformats.org/presentationml/2006/main" xmlns:c="http://schemas.openxmlformats.org/drawingml/2006/chart" xmlns:dgm="http://schemas.openxmlformats.org/drawingml/2006/diagram" xmlns:o="urn:schemas-microsoft-com:office:office" xmlns:v="urn:schemas-microsoft-com:vml" xmlns:pvml="urn:schemas-microsoft-com:office:powerpoint" xmlns:com="http://schemas.openxmlformats.org/drawingml/2006/compatibility" xmlns:p14="http://schemas.microsoft.com/office/powerpoint/2010/main">
+<p:sld xmlns:a="http://schemas.openxmlformats.org/drawingml/2006/main" xmlns:r="http://schemas.openxmlformats.org/officeDocument/2006/relationships" xmlns:p="http://schemas.openxmlformats.org/presentationml/2006/main">
   <p:cSld>
     <p:spTree>
       <p:nvGrpSpPr>
-        <p:cNvPr id="231" name="Shape 231"/>
+        <p:cNvPr id="1" name="Shape 231"/>
         <p:cNvGrpSpPr/>
         <p:nvPr/>
       </p:nvGrpSpPr>
@@ -9282,7 +9695,9 @@
       <p:sp>
         <p:nvSpPr>
           <p:cNvPr id="232" name="Shape 232"/>
-          <p:cNvSpPr txBox="1"/>
+          <p:cNvSpPr txBox="1">
+            <a:spLocks noGrp="1"/>
+          </p:cNvSpPr>
           <p:nvPr>
             <p:ph type="title"/>
           </p:nvPr>
@@ -9297,12 +9712,12 @@
           </a:prstGeom>
         </p:spPr>
         <p:txBody>
-          <a:bodyPr anchorCtr="0" anchor="t" bIns="91425" lIns="91425" rIns="91425" tIns="91425">
+          <a:bodyPr lIns="91425" tIns="91425" rIns="91425" bIns="91425" anchor="t" anchorCtr="0">
             <a:noAutofit/>
           </a:bodyPr>
           <a:lstStyle/>
           <a:p>
-            <a:pPr lvl="0" rtl="0" algn="ctr">
+            <a:pPr lvl="0" algn="ctr" rtl="0">
               <a:spcBef>
                 <a:spcPts val="0"/>
               </a:spcBef>
@@ -9318,9 +9733,11 @@
       <p:sp>
         <p:nvSpPr>
           <p:cNvPr id="233" name="Shape 233"/>
-          <p:cNvSpPr txBox="1"/>
+          <p:cNvSpPr txBox="1">
+            <a:spLocks noGrp="1"/>
+          </p:cNvSpPr>
           <p:nvPr>
-            <p:ph idx="1" type="body"/>
+            <p:ph type="body" idx="1"/>
           </p:nvPr>
         </p:nvSpPr>
         <p:spPr>
@@ -9333,7 +9750,7 @@
           </a:prstGeom>
         </p:spPr>
         <p:txBody>
-          <a:bodyPr anchorCtr="0" anchor="t" bIns="91425" lIns="91425" rIns="91425" tIns="91425">
+          <a:bodyPr lIns="91425" tIns="91425" rIns="91425" bIns="91425" anchor="t" anchorCtr="0">
             <a:noAutofit/>
           </a:bodyPr>
           <a:lstStyle/>
@@ -9388,11 +9805,11 @@
 </file>
 
 <file path=ppt/slides/slide23.xml><?xml version="1.0" encoding="utf-8"?>
-<p:sld xmlns:a="http://schemas.openxmlformats.org/drawingml/2006/main" xmlns:r="http://schemas.openxmlformats.org/officeDocument/2006/relationships" xmlns:mc="http://schemas.openxmlformats.org/markup-compatibility/2006" xmlns:mv="urn:schemas-microsoft-com:mac:vml" xmlns:p="http://schemas.openxmlformats.org/presentationml/2006/main" xmlns:c="http://schemas.openxmlformats.org/drawingml/2006/chart" xmlns:dgm="http://schemas.openxmlformats.org/drawingml/2006/diagram" xmlns:o="urn:schemas-microsoft-com:office:office" xmlns:v="urn:schemas-microsoft-com:vml" xmlns:pvml="urn:schemas-microsoft-com:office:powerpoint" xmlns:com="http://schemas.openxmlformats.org/drawingml/2006/compatibility" xmlns:p14="http://schemas.microsoft.com/office/powerpoint/2010/main">
+<p:sld xmlns:a="http://schemas.openxmlformats.org/drawingml/2006/main" xmlns:r="http://schemas.openxmlformats.org/officeDocument/2006/relationships" xmlns:p="http://schemas.openxmlformats.org/presentationml/2006/main">
   <p:cSld>
     <p:spTree>
       <p:nvGrpSpPr>
-        <p:cNvPr id="238" name="Shape 238"/>
+        <p:cNvPr id="1" name="Shape 238"/>
         <p:cNvGrpSpPr/>
         <p:nvPr/>
       </p:nvGrpSpPr>
@@ -9407,7 +9824,9 @@
       <p:sp>
         <p:nvSpPr>
           <p:cNvPr id="239" name="Shape 239"/>
-          <p:cNvSpPr txBox="1"/>
+          <p:cNvSpPr txBox="1">
+            <a:spLocks noGrp="1"/>
+          </p:cNvSpPr>
           <p:nvPr>
             <p:ph type="title"/>
           </p:nvPr>
@@ -9422,7 +9841,7 @@
           </a:prstGeom>
         </p:spPr>
         <p:txBody>
-          <a:bodyPr anchorCtr="0" anchor="t" bIns="91425" lIns="91425" rIns="91425" tIns="91425">
+          <a:bodyPr lIns="91425" tIns="91425" rIns="91425" bIns="91425" anchor="t" anchorCtr="0">
             <a:noAutofit/>
           </a:bodyPr>
           <a:lstStyle/>
@@ -9443,9 +9862,11 @@
       <p:sp>
         <p:nvSpPr>
           <p:cNvPr id="240" name="Shape 240"/>
-          <p:cNvSpPr txBox="1"/>
+          <p:cNvSpPr txBox="1">
+            <a:spLocks noGrp="1"/>
+          </p:cNvSpPr>
           <p:nvPr>
-            <p:ph idx="1" type="body"/>
+            <p:ph type="body" idx="1"/>
           </p:nvPr>
         </p:nvSpPr>
         <p:spPr>
@@ -9458,7 +9879,7 @@
           </a:prstGeom>
         </p:spPr>
         <p:txBody>
-          <a:bodyPr anchorCtr="0" anchor="t" bIns="91425" lIns="91425" rIns="91425" tIns="91425">
+          <a:bodyPr lIns="91425" tIns="91425" rIns="91425" bIns="91425" anchor="t" anchorCtr="0">
             <a:noAutofit/>
           </a:bodyPr>
           <a:lstStyle/>
@@ -9592,9 +10013,6 @@
               </a:spcBef>
               <a:buNone/>
             </a:pPr>
-            <a:r>
-              <a:t/>
-            </a:r>
             <a:endParaRPr sz="1200"/>
           </a:p>
         </p:txBody>
@@ -9608,11 +10026,11 @@
 </file>
 
 <file path=ppt/slides/slide3.xml><?xml version="1.0" encoding="utf-8"?>
-<p:sld xmlns:a="http://schemas.openxmlformats.org/drawingml/2006/main" xmlns:r="http://schemas.openxmlformats.org/officeDocument/2006/relationships" xmlns:mc="http://schemas.openxmlformats.org/markup-compatibility/2006" xmlns:mv="urn:schemas-microsoft-com:mac:vml" xmlns:p="http://schemas.openxmlformats.org/presentationml/2006/main" xmlns:c="http://schemas.openxmlformats.org/drawingml/2006/chart" xmlns:dgm="http://schemas.openxmlformats.org/drawingml/2006/diagram" xmlns:o="urn:schemas-microsoft-com:office:office" xmlns:v="urn:schemas-microsoft-com:vml" xmlns:pvml="urn:schemas-microsoft-com:office:powerpoint" xmlns:com="http://schemas.openxmlformats.org/drawingml/2006/compatibility" xmlns:p14="http://schemas.microsoft.com/office/powerpoint/2010/main">
+<p:sld xmlns:a="http://schemas.openxmlformats.org/drawingml/2006/main" xmlns:r="http://schemas.openxmlformats.org/officeDocument/2006/relationships" xmlns:p="http://schemas.openxmlformats.org/presentationml/2006/main">
   <p:cSld>
     <p:spTree>
       <p:nvGrpSpPr>
-        <p:cNvPr id="96" name="Shape 96"/>
+        <p:cNvPr id="1" name="Shape 96"/>
         <p:cNvGrpSpPr/>
         <p:nvPr/>
       </p:nvGrpSpPr>
@@ -9627,7 +10045,9 @@
       <p:sp>
         <p:nvSpPr>
           <p:cNvPr id="97" name="Shape 97"/>
-          <p:cNvSpPr txBox="1"/>
+          <p:cNvSpPr txBox="1">
+            <a:spLocks noGrp="1"/>
+          </p:cNvSpPr>
           <p:nvPr>
             <p:ph type="title"/>
           </p:nvPr>
@@ -9642,7 +10062,7 @@
           </a:prstGeom>
         </p:spPr>
         <p:txBody>
-          <a:bodyPr anchorCtr="0" anchor="t" bIns="91425" lIns="91425" rIns="91425" tIns="91425">
+          <a:bodyPr lIns="91425" tIns="91425" rIns="91425" bIns="91425" anchor="t" anchorCtr="0">
             <a:noAutofit/>
           </a:bodyPr>
           <a:lstStyle/>
@@ -9719,9 +10139,11 @@
       <p:sp>
         <p:nvSpPr>
           <p:cNvPr id="100" name="Shape 100"/>
-          <p:cNvSpPr txBox="1"/>
+          <p:cNvSpPr txBox="1">
+            <a:spLocks noGrp="1"/>
+          </p:cNvSpPr>
           <p:nvPr>
-            <p:ph idx="1" type="body"/>
+            <p:ph type="body" idx="1"/>
           </p:nvPr>
         </p:nvSpPr>
         <p:spPr>
@@ -9734,7 +10156,7 @@
           </a:prstGeom>
         </p:spPr>
         <p:txBody>
-          <a:bodyPr anchorCtr="0" anchor="t" bIns="91425" lIns="91425" rIns="91425" tIns="91425">
+          <a:bodyPr lIns="91425" tIns="91425" rIns="91425" bIns="91425" anchor="t" anchorCtr="0">
             <a:noAutofit/>
           </a:bodyPr>
           <a:lstStyle/>
@@ -9761,11 +10183,11 @@
 </file>
 
 <file path=ppt/slides/slide4.xml><?xml version="1.0" encoding="utf-8"?>
-<p:sld xmlns:a="http://schemas.openxmlformats.org/drawingml/2006/main" xmlns:r="http://schemas.openxmlformats.org/officeDocument/2006/relationships" xmlns:mc="http://schemas.openxmlformats.org/markup-compatibility/2006" xmlns:mv="urn:schemas-microsoft-com:mac:vml" xmlns:p="http://schemas.openxmlformats.org/presentationml/2006/main" xmlns:c="http://schemas.openxmlformats.org/drawingml/2006/chart" xmlns:dgm="http://schemas.openxmlformats.org/drawingml/2006/diagram" xmlns:o="urn:schemas-microsoft-com:office:office" xmlns:v="urn:schemas-microsoft-com:vml" xmlns:pvml="urn:schemas-microsoft-com:office:powerpoint" xmlns:com="http://schemas.openxmlformats.org/drawingml/2006/compatibility" xmlns:p14="http://schemas.microsoft.com/office/powerpoint/2010/main">
+<p:sld xmlns:a="http://schemas.openxmlformats.org/drawingml/2006/main" xmlns:r="http://schemas.openxmlformats.org/officeDocument/2006/relationships" xmlns:p="http://schemas.openxmlformats.org/presentationml/2006/main">
   <p:cSld>
     <p:spTree>
       <p:nvGrpSpPr>
-        <p:cNvPr id="104" name="Shape 104"/>
+        <p:cNvPr id="1" name="Shape 104"/>
         <p:cNvGrpSpPr/>
         <p:nvPr/>
       </p:nvGrpSpPr>
@@ -9780,7 +10202,9 @@
       <p:sp>
         <p:nvSpPr>
           <p:cNvPr id="105" name="Shape 105"/>
-          <p:cNvSpPr txBox="1"/>
+          <p:cNvSpPr txBox="1">
+            <a:spLocks noGrp="1"/>
+          </p:cNvSpPr>
           <p:nvPr>
             <p:ph type="title"/>
           </p:nvPr>
@@ -9795,7 +10219,7 @@
           </a:prstGeom>
         </p:spPr>
         <p:txBody>
-          <a:bodyPr anchorCtr="0" anchor="t" bIns="91425" lIns="91425" rIns="91425" tIns="91425">
+          <a:bodyPr lIns="91425" tIns="91425" rIns="91425" bIns="91425" anchor="t" anchorCtr="0">
             <a:noAutofit/>
           </a:bodyPr>
           <a:lstStyle/>
@@ -9816,14 +10240,16 @@
       <p:sp>
         <p:nvSpPr>
           <p:cNvPr id="106" name="Shape 106"/>
-          <p:cNvSpPr txBox="1"/>
+          <p:cNvSpPr txBox="1">
+            <a:spLocks noGrp="1"/>
+          </p:cNvSpPr>
           <p:nvPr>
-            <p:ph idx="1" type="body"/>
+            <p:ph type="body" idx="1"/>
           </p:nvPr>
         </p:nvSpPr>
         <p:spPr>
           <a:xfrm>
-            <a:off x="311700" y="1229975"/>
+            <a:off x="30342" y="1229975"/>
             <a:ext cx="3999900" cy="3339000"/>
           </a:xfrm>
           <a:prstGeom prst="rect">
@@ -9831,43 +10257,43 @@
           </a:prstGeom>
         </p:spPr>
         <p:txBody>
-          <a:bodyPr anchorCtr="0" anchor="t" bIns="91425" lIns="91425" rIns="91425" tIns="91425">
+          <a:bodyPr lIns="91425" tIns="91425" rIns="91425" bIns="91425" anchor="t" anchorCtr="0">
             <a:noAutofit/>
           </a:bodyPr>
           <a:lstStyle/>
           <a:p>
-            <a:pPr indent="-342900" lvl="0" marL="457200" rtl="0">
+            <a:pPr marL="457200" lvl="0" indent="-342900" rtl="0">
               <a:spcBef>
                 <a:spcPts val="0"/>
               </a:spcBef>
               <a:buSzPct val="100000"/>
             </a:pPr>
             <a:r>
-              <a:rPr lang="en" sz="1800"/>
+              <a:rPr lang="en" sz="1800" dirty="0"/>
               <a:t>Each entry has a list of features</a:t>
             </a:r>
           </a:p>
           <a:p>
-            <a:pPr indent="-342900" lvl="0" marL="457200" rtl="0">
+            <a:pPr marL="457200" lvl="0" indent="-342900" rtl="0">
               <a:spcBef>
                 <a:spcPts val="0"/>
               </a:spcBef>
               <a:buSzPct val="100000"/>
             </a:pPr>
             <a:r>
-              <a:rPr lang="en" sz="1800"/>
+              <a:rPr lang="en" sz="1800" dirty="0"/>
               <a:t>These features represent common elements of apartments</a:t>
             </a:r>
           </a:p>
           <a:p>
-            <a:pPr indent="-342900" lvl="0" marL="457200" rtl="0">
+            <a:pPr marL="457200" lvl="0" indent="-342900" rtl="0">
               <a:spcBef>
                 <a:spcPts val="0"/>
               </a:spcBef>
               <a:buSzPct val="100000"/>
             </a:pPr>
             <a:r>
-              <a:rPr lang="en" sz="1800"/>
+              <a:rPr lang="en" sz="1800" dirty="0"/>
               <a:t>We tabulated the individual features from every listing</a:t>
             </a:r>
           </a:p>
@@ -9878,10 +10304,7 @@
               </a:spcBef>
               <a:buNone/>
             </a:pPr>
-            <a:r>
-              <a:t/>
-            </a:r>
-            <a:endParaRPr/>
+            <a:endParaRPr dirty="0"/>
           </a:p>
           <a:p>
             <a:pPr lvl="0" rtl="0">
@@ -9890,10 +10313,7 @@
               </a:spcBef>
               <a:buNone/>
             </a:pPr>
-            <a:r>
-              <a:t/>
-            </a:r>
-            <a:endParaRPr/>
+            <a:endParaRPr dirty="0"/>
           </a:p>
           <a:p>
             <a:pPr lvl="0" rtl="0">
@@ -9902,10 +10322,7 @@
               </a:spcBef>
               <a:buNone/>
             </a:pPr>
-            <a:r>
-              <a:t/>
-            </a:r>
-            <a:endParaRPr/>
+            <a:endParaRPr dirty="0"/>
           </a:p>
           <a:p>
             <a:pPr lvl="0">
@@ -9914,10 +10331,7 @@
               </a:spcBef>
               <a:buNone/>
             </a:pPr>
-            <a:r>
-              <a:t/>
-            </a:r>
-            <a:endParaRPr/>
+            <a:endParaRPr dirty="0"/>
           </a:p>
         </p:txBody>
       </p:sp>
@@ -9929,7 +10343,7 @@
         </p:nvGraphicFramePr>
         <p:xfrm>
           <a:off x="4033675" y="1017725"/>
-          <a:ext cx="3000000" cy="3000000"/>
+          <a:ext cx="4317700" cy="3654794"/>
         </p:xfrm>
         <a:graphic>
           <a:graphicData uri="http://schemas.openxmlformats.org/drawingml/2006/table">
@@ -9939,16 +10353,32 @@
                 <a:tableStyleId>{37DCDE32-41A7-4E3E-9E9F-917331AB9A35}</a:tableStyleId>
               </a:tblPr>
               <a:tblGrid>
-                <a:gridCol w="966200"/>
-                <a:gridCol w="2385300"/>
-                <a:gridCol w="966200"/>
+                <a:gridCol w="966200">
+                  <a:extLst>
+                    <a:ext uri="{9D8B030D-6E8A-4147-A177-3AD203B41FA5}">
+                      <a16:colId xmlns:a16="http://schemas.microsoft.com/office/drawing/2014/main" val="20000"/>
+                    </a:ext>
+                  </a:extLst>
+                </a:gridCol>
+                <a:gridCol w="2385300">
+                  <a:extLst>
+                    <a:ext uri="{9D8B030D-6E8A-4147-A177-3AD203B41FA5}">
+                      <a16:colId xmlns:a16="http://schemas.microsoft.com/office/drawing/2014/main" val="20001"/>
+                    </a:ext>
+                  </a:extLst>
+                </a:gridCol>
+                <a:gridCol w="966200">
+                  <a:extLst>
+                    <a:ext uri="{9D8B030D-6E8A-4147-A177-3AD203B41FA5}">
+                      <a16:colId xmlns:a16="http://schemas.microsoft.com/office/drawing/2014/main" val="20002"/>
+                    </a:ext>
+                  </a:extLst>
+                </a:gridCol>
               </a:tblGrid>
               <a:tr h="297350">
                 <a:tc>
                   <a:txBody>
-                    <a:bodyPr>
-                      <a:noAutofit/>
-                    </a:bodyPr>
+                    <a:bodyPr/>
                     <a:lstStyle/>
                     <a:p>
                       <a:pPr lvl="0" rtl="0">
@@ -9957,19 +10387,14 @@
                         </a:spcBef>
                         <a:buNone/>
                       </a:pPr>
-                      <a:r>
-                        <a:t/>
-                      </a:r>
                       <a:endParaRPr/>
                     </a:p>
                   </a:txBody>
-                  <a:tcPr marT="91425" marB="91425" marR="91425" marL="91425"/>
+                  <a:tcPr marL="91425" marR="91425" marT="91425" marB="91425"/>
                 </a:tc>
                 <a:tc>
                   <a:txBody>
-                    <a:bodyPr>
-                      <a:noAutofit/>
-                    </a:bodyPr>
+                    <a:bodyPr/>
                     <a:lstStyle/>
                     <a:p>
                       <a:pPr lvl="0" rtl="0">
@@ -9984,13 +10409,11 @@
                       </a:r>
                     </a:p>
                   </a:txBody>
-                  <a:tcPr marT="91425" marB="91425" marR="91425" marL="91425"/>
+                  <a:tcPr marL="91425" marR="91425" marT="91425" marB="91425"/>
                 </a:tc>
                 <a:tc>
                   <a:txBody>
-                    <a:bodyPr>
-                      <a:noAutofit/>
-                    </a:bodyPr>
+                    <a:bodyPr/>
                     <a:lstStyle/>
                     <a:p>
                       <a:pPr lvl="0" rtl="0">
@@ -10005,18 +10428,21 @@
                       </a:r>
                     </a:p>
                   </a:txBody>
-                  <a:tcPr marT="91425" marB="91425" marR="91425" marL="91425"/>
+                  <a:tcPr marL="91425" marR="91425" marT="91425" marB="91425"/>
                 </a:tc>
+                <a:extLst>
+                  <a:ext uri="{0D108BD9-81ED-4DB2-BD59-A6C34878D82A}">
+                    <a16:rowId xmlns:a16="http://schemas.microsoft.com/office/drawing/2014/main" val="10000"/>
+                  </a:ext>
+                </a:extLst>
               </a:tr>
               <a:tr h="323075">
                 <a:tc>
                   <a:txBody>
-                    <a:bodyPr>
-                      <a:noAutofit/>
-                    </a:bodyPr>
+                    <a:bodyPr/>
                     <a:lstStyle/>
                     <a:p>
-                      <a:pPr lvl="0" rtl="0" algn="r">
+                      <a:pPr lvl="0" algn="r" rtl="0">
                         <a:lnSpc>
                           <a:spcPct val="115000"/>
                         </a:lnSpc>
@@ -10031,13 +10457,11 @@
                       </a:r>
                     </a:p>
                   </a:txBody>
-                  <a:tcPr marT="91425" marB="91425" marR="91425" marL="91425"/>
+                  <a:tcPr marL="91425" marR="91425" marT="91425" marB="91425"/>
                 </a:tc>
                 <a:tc>
                   <a:txBody>
-                    <a:bodyPr>
-                      <a:noAutofit/>
-                    </a:bodyPr>
+                    <a:bodyPr/>
                     <a:lstStyle/>
                     <a:p>
                       <a:pPr lvl="0" rtl="0">
@@ -10052,16 +10476,14 @@
                       </a:r>
                     </a:p>
                   </a:txBody>
-                  <a:tcPr marT="91425" marB="91425" marR="91425" marL="91425"/>
+                  <a:tcPr marL="91425" marR="91425" marT="91425" marB="91425"/>
                 </a:tc>
                 <a:tc>
                   <a:txBody>
-                    <a:bodyPr>
-                      <a:noAutofit/>
-                    </a:bodyPr>
+                    <a:bodyPr/>
                     <a:lstStyle/>
                     <a:p>
-                      <a:pPr lvl="0" rtl="0" algn="r">
+                      <a:pPr lvl="0" algn="r" rtl="0">
                         <a:lnSpc>
                           <a:spcPct val="115000"/>
                         </a:lnSpc>
@@ -10076,18 +10498,21 @@
                       </a:r>
                     </a:p>
                   </a:txBody>
-                  <a:tcPr marT="91425" marB="91425" marR="91425" marL="91425"/>
+                  <a:tcPr marL="91425" marR="91425" marT="91425" marB="91425"/>
                 </a:tc>
+                <a:extLst>
+                  <a:ext uri="{0D108BD9-81ED-4DB2-BD59-A6C34878D82A}">
+                    <a16:rowId xmlns:a16="http://schemas.microsoft.com/office/drawing/2014/main" val="10001"/>
+                  </a:ext>
+                </a:extLst>
               </a:tr>
               <a:tr h="323075">
                 <a:tc>
                   <a:txBody>
-                    <a:bodyPr>
-                      <a:noAutofit/>
-                    </a:bodyPr>
+                    <a:bodyPr/>
                     <a:lstStyle/>
                     <a:p>
-                      <a:pPr lvl="0" rtl="0" algn="r">
+                      <a:pPr lvl="0" algn="r" rtl="0">
                         <a:lnSpc>
                           <a:spcPct val="115000"/>
                         </a:lnSpc>
@@ -10102,13 +10527,11 @@
                       </a:r>
                     </a:p>
                   </a:txBody>
-                  <a:tcPr marT="91425" marB="91425" marR="91425" marL="91425"/>
+                  <a:tcPr marL="91425" marR="91425" marT="91425" marB="91425"/>
                 </a:tc>
                 <a:tc>
                   <a:txBody>
-                    <a:bodyPr>
-                      <a:noAutofit/>
-                    </a:bodyPr>
+                    <a:bodyPr/>
                     <a:lstStyle/>
                     <a:p>
                       <a:pPr lvl="0" rtl="0">
@@ -10123,16 +10546,14 @@
                       </a:r>
                     </a:p>
                   </a:txBody>
-                  <a:tcPr marT="91425" marB="91425" marR="91425" marL="91425"/>
+                  <a:tcPr marL="91425" marR="91425" marT="91425" marB="91425"/>
                 </a:tc>
                 <a:tc>
                   <a:txBody>
-                    <a:bodyPr>
-                      <a:noAutofit/>
-                    </a:bodyPr>
+                    <a:bodyPr/>
                     <a:lstStyle/>
                     <a:p>
-                      <a:pPr lvl="0" rtl="0" algn="r">
+                      <a:pPr lvl="0" algn="r" rtl="0">
                         <a:lnSpc>
                           <a:spcPct val="115000"/>
                         </a:lnSpc>
@@ -10147,18 +10568,21 @@
                       </a:r>
                     </a:p>
                   </a:txBody>
-                  <a:tcPr marT="91425" marB="91425" marR="91425" marL="91425"/>
+                  <a:tcPr marL="91425" marR="91425" marT="91425" marB="91425"/>
                 </a:tc>
+                <a:extLst>
+                  <a:ext uri="{0D108BD9-81ED-4DB2-BD59-A6C34878D82A}">
+                    <a16:rowId xmlns:a16="http://schemas.microsoft.com/office/drawing/2014/main" val="10002"/>
+                  </a:ext>
+                </a:extLst>
               </a:tr>
               <a:tr h="323075">
                 <a:tc>
                   <a:txBody>
-                    <a:bodyPr>
-                      <a:noAutofit/>
-                    </a:bodyPr>
+                    <a:bodyPr/>
                     <a:lstStyle/>
                     <a:p>
-                      <a:pPr lvl="0" rtl="0" algn="r">
+                      <a:pPr lvl="0" algn="r" rtl="0">
                         <a:lnSpc>
                           <a:spcPct val="115000"/>
                         </a:lnSpc>
@@ -10173,13 +10597,11 @@
                       </a:r>
                     </a:p>
                   </a:txBody>
-                  <a:tcPr marT="91425" marB="91425" marR="91425" marL="91425"/>
+                  <a:tcPr marL="91425" marR="91425" marT="91425" marB="91425"/>
                 </a:tc>
                 <a:tc>
                   <a:txBody>
-                    <a:bodyPr>
-                      <a:noAutofit/>
-                    </a:bodyPr>
+                    <a:bodyPr/>
                     <a:lstStyle/>
                     <a:p>
                       <a:pPr lvl="0" rtl="0">
@@ -10194,16 +10616,14 @@
                       </a:r>
                     </a:p>
                   </a:txBody>
-                  <a:tcPr marT="91425" marB="91425" marR="91425" marL="91425"/>
+                  <a:tcPr marL="91425" marR="91425" marT="91425" marB="91425"/>
                 </a:tc>
                 <a:tc>
                   <a:txBody>
-                    <a:bodyPr>
-                      <a:noAutofit/>
-                    </a:bodyPr>
+                    <a:bodyPr/>
                     <a:lstStyle/>
                     <a:p>
-                      <a:pPr lvl="0" rtl="0" algn="r">
+                      <a:pPr lvl="0" algn="r" rtl="0">
                         <a:lnSpc>
                           <a:spcPct val="115000"/>
                         </a:lnSpc>
@@ -10218,18 +10638,21 @@
                       </a:r>
                     </a:p>
                   </a:txBody>
-                  <a:tcPr marT="91425" marB="91425" marR="91425" marL="91425"/>
+                  <a:tcPr marL="91425" marR="91425" marT="91425" marB="91425"/>
                 </a:tc>
+                <a:extLst>
+                  <a:ext uri="{0D108BD9-81ED-4DB2-BD59-A6C34878D82A}">
+                    <a16:rowId xmlns:a16="http://schemas.microsoft.com/office/drawing/2014/main" val="10003"/>
+                  </a:ext>
+                </a:extLst>
               </a:tr>
               <a:tr h="323075">
                 <a:tc>
                   <a:txBody>
-                    <a:bodyPr>
-                      <a:noAutofit/>
-                    </a:bodyPr>
+                    <a:bodyPr/>
                     <a:lstStyle/>
                     <a:p>
-                      <a:pPr lvl="0" rtl="0" algn="r">
+                      <a:pPr lvl="0" algn="r" rtl="0">
                         <a:lnSpc>
                           <a:spcPct val="115000"/>
                         </a:lnSpc>
@@ -10244,13 +10667,11 @@
                       </a:r>
                     </a:p>
                   </a:txBody>
-                  <a:tcPr marT="91425" marB="91425" marR="91425" marL="91425"/>
+                  <a:tcPr marL="91425" marR="91425" marT="91425" marB="91425"/>
                 </a:tc>
                 <a:tc>
                   <a:txBody>
-                    <a:bodyPr>
-                      <a:noAutofit/>
-                    </a:bodyPr>
+                    <a:bodyPr/>
                     <a:lstStyle/>
                     <a:p>
                       <a:pPr lvl="0" rtl="0">
@@ -10265,16 +10686,14 @@
                       </a:r>
                     </a:p>
                   </a:txBody>
-                  <a:tcPr marT="91425" marB="91425" marR="91425" marL="91425"/>
+                  <a:tcPr marL="91425" marR="91425" marT="91425" marB="91425"/>
                 </a:tc>
                 <a:tc>
                   <a:txBody>
-                    <a:bodyPr>
-                      <a:noAutofit/>
-                    </a:bodyPr>
+                    <a:bodyPr/>
                     <a:lstStyle/>
                     <a:p>
-                      <a:pPr lvl="0" rtl="0" algn="r">
+                      <a:pPr lvl="0" algn="r" rtl="0">
                         <a:lnSpc>
                           <a:spcPct val="115000"/>
                         </a:lnSpc>
@@ -10289,18 +10708,21 @@
                       </a:r>
                     </a:p>
                   </a:txBody>
-                  <a:tcPr marT="91425" marB="91425" marR="91425" marL="91425"/>
+                  <a:tcPr marL="91425" marR="91425" marT="91425" marB="91425"/>
                 </a:tc>
+                <a:extLst>
+                  <a:ext uri="{0D108BD9-81ED-4DB2-BD59-A6C34878D82A}">
+                    <a16:rowId xmlns:a16="http://schemas.microsoft.com/office/drawing/2014/main" val="10004"/>
+                  </a:ext>
+                </a:extLst>
               </a:tr>
               <a:tr h="323075">
                 <a:tc>
                   <a:txBody>
-                    <a:bodyPr>
-                      <a:noAutofit/>
-                    </a:bodyPr>
+                    <a:bodyPr/>
                     <a:lstStyle/>
                     <a:p>
-                      <a:pPr lvl="0" rtl="0" algn="r">
+                      <a:pPr lvl="0" algn="r" rtl="0">
                         <a:lnSpc>
                           <a:spcPct val="115000"/>
                         </a:lnSpc>
@@ -10315,13 +10737,11 @@
                       </a:r>
                     </a:p>
                   </a:txBody>
-                  <a:tcPr marT="91425" marB="91425" marR="91425" marL="91425"/>
+                  <a:tcPr marL="91425" marR="91425" marT="91425" marB="91425"/>
                 </a:tc>
                 <a:tc>
                   <a:txBody>
-                    <a:bodyPr>
-                      <a:noAutofit/>
-                    </a:bodyPr>
+                    <a:bodyPr/>
                     <a:lstStyle/>
                     <a:p>
                       <a:pPr lvl="0" rtl="0">
@@ -10336,16 +10756,14 @@
                       </a:r>
                     </a:p>
                   </a:txBody>
-                  <a:tcPr marT="91425" marB="91425" marR="91425" marL="91425"/>
+                  <a:tcPr marL="91425" marR="91425" marT="91425" marB="91425"/>
                 </a:tc>
                 <a:tc>
                   <a:txBody>
-                    <a:bodyPr>
-                      <a:noAutofit/>
-                    </a:bodyPr>
+                    <a:bodyPr/>
                     <a:lstStyle/>
                     <a:p>
-                      <a:pPr lvl="0" rtl="0" algn="r">
+                      <a:pPr lvl="0" algn="r" rtl="0">
                         <a:lnSpc>
                           <a:spcPct val="115000"/>
                         </a:lnSpc>
@@ -10360,18 +10778,21 @@
                       </a:r>
                     </a:p>
                   </a:txBody>
-                  <a:tcPr marT="91425" marB="91425" marR="91425" marL="91425"/>
+                  <a:tcPr marL="91425" marR="91425" marT="91425" marB="91425"/>
                 </a:tc>
+                <a:extLst>
+                  <a:ext uri="{0D108BD9-81ED-4DB2-BD59-A6C34878D82A}">
+                    <a16:rowId xmlns:a16="http://schemas.microsoft.com/office/drawing/2014/main" val="10005"/>
+                  </a:ext>
+                </a:extLst>
               </a:tr>
               <a:tr h="323075">
                 <a:tc>
                   <a:txBody>
-                    <a:bodyPr>
-                      <a:noAutofit/>
-                    </a:bodyPr>
+                    <a:bodyPr/>
                     <a:lstStyle/>
                     <a:p>
-                      <a:pPr lvl="0" rtl="0" algn="r">
+                      <a:pPr lvl="0" algn="r" rtl="0">
                         <a:lnSpc>
                           <a:spcPct val="115000"/>
                         </a:lnSpc>
@@ -10386,13 +10807,11 @@
                       </a:r>
                     </a:p>
                   </a:txBody>
-                  <a:tcPr marT="91425" marB="91425" marR="91425" marL="91425"/>
+                  <a:tcPr marL="91425" marR="91425" marT="91425" marB="91425"/>
                 </a:tc>
                 <a:tc>
                   <a:txBody>
-                    <a:bodyPr>
-                      <a:noAutofit/>
-                    </a:bodyPr>
+                    <a:bodyPr/>
                     <a:lstStyle/>
                     <a:p>
                       <a:pPr lvl="0" rtl="0">
@@ -10407,16 +10826,14 @@
                       </a:r>
                     </a:p>
                   </a:txBody>
-                  <a:tcPr marT="91425" marB="91425" marR="91425" marL="91425"/>
+                  <a:tcPr marL="91425" marR="91425" marT="91425" marB="91425"/>
                 </a:tc>
                 <a:tc>
                   <a:txBody>
-                    <a:bodyPr>
-                      <a:noAutofit/>
-                    </a:bodyPr>
+                    <a:bodyPr/>
                     <a:lstStyle/>
                     <a:p>
-                      <a:pPr lvl="0" rtl="0" algn="r">
+                      <a:pPr lvl="0" algn="r" rtl="0">
                         <a:lnSpc>
                           <a:spcPct val="115000"/>
                         </a:lnSpc>
@@ -10431,18 +10848,21 @@
                       </a:r>
                     </a:p>
                   </a:txBody>
-                  <a:tcPr marT="91425" marB="91425" marR="91425" marL="91425"/>
+                  <a:tcPr marL="91425" marR="91425" marT="91425" marB="91425"/>
                 </a:tc>
+                <a:extLst>
+                  <a:ext uri="{0D108BD9-81ED-4DB2-BD59-A6C34878D82A}">
+                    <a16:rowId xmlns:a16="http://schemas.microsoft.com/office/drawing/2014/main" val="10006"/>
+                  </a:ext>
+                </a:extLst>
               </a:tr>
               <a:tr h="323075">
                 <a:tc>
                   <a:txBody>
-                    <a:bodyPr>
-                      <a:noAutofit/>
-                    </a:bodyPr>
+                    <a:bodyPr/>
                     <a:lstStyle/>
                     <a:p>
-                      <a:pPr lvl="0" rtl="0" algn="r">
+                      <a:pPr lvl="0" algn="r" rtl="0">
                         <a:lnSpc>
                           <a:spcPct val="115000"/>
                         </a:lnSpc>
@@ -10457,13 +10877,11 @@
                       </a:r>
                     </a:p>
                   </a:txBody>
-                  <a:tcPr marT="91425" marB="91425" marR="91425" marL="91425"/>
+                  <a:tcPr marL="91425" marR="91425" marT="91425" marB="91425"/>
                 </a:tc>
                 <a:tc>
                   <a:txBody>
-                    <a:bodyPr>
-                      <a:noAutofit/>
-                    </a:bodyPr>
+                    <a:bodyPr/>
                     <a:lstStyle/>
                     <a:p>
                       <a:pPr lvl="0" rtl="0">
@@ -10478,16 +10896,14 @@
                       </a:r>
                     </a:p>
                   </a:txBody>
-                  <a:tcPr marT="91425" marB="91425" marR="91425" marL="91425"/>
+                  <a:tcPr marL="91425" marR="91425" marT="91425" marB="91425"/>
                 </a:tc>
                 <a:tc>
                   <a:txBody>
-                    <a:bodyPr>
-                      <a:noAutofit/>
-                    </a:bodyPr>
+                    <a:bodyPr/>
                     <a:lstStyle/>
                     <a:p>
-                      <a:pPr lvl="0" rtl="0" algn="r">
+                      <a:pPr lvl="0" algn="r" rtl="0">
                         <a:lnSpc>
                           <a:spcPct val="115000"/>
                         </a:lnSpc>
@@ -10502,18 +10918,21 @@
                       </a:r>
                     </a:p>
                   </a:txBody>
-                  <a:tcPr marT="91425" marB="91425" marR="91425" marL="91425"/>
+                  <a:tcPr marL="91425" marR="91425" marT="91425" marB="91425"/>
                 </a:tc>
+                <a:extLst>
+                  <a:ext uri="{0D108BD9-81ED-4DB2-BD59-A6C34878D82A}">
+                    <a16:rowId xmlns:a16="http://schemas.microsoft.com/office/drawing/2014/main" val="10007"/>
+                  </a:ext>
+                </a:extLst>
               </a:tr>
               <a:tr h="323075">
                 <a:tc>
                   <a:txBody>
-                    <a:bodyPr>
-                      <a:noAutofit/>
-                    </a:bodyPr>
+                    <a:bodyPr/>
                     <a:lstStyle/>
                     <a:p>
-                      <a:pPr lvl="0" rtl="0" algn="r">
+                      <a:pPr lvl="0" algn="r" rtl="0">
                         <a:lnSpc>
                           <a:spcPct val="115000"/>
                         </a:lnSpc>
@@ -10528,13 +10947,11 @@
                       </a:r>
                     </a:p>
                   </a:txBody>
-                  <a:tcPr marT="91425" marB="91425" marR="91425" marL="91425"/>
+                  <a:tcPr marL="91425" marR="91425" marT="91425" marB="91425"/>
                 </a:tc>
                 <a:tc>
                   <a:txBody>
-                    <a:bodyPr>
-                      <a:noAutofit/>
-                    </a:bodyPr>
+                    <a:bodyPr/>
                     <a:lstStyle/>
                     <a:p>
                       <a:pPr lvl="0" rtl="0">
@@ -10549,16 +10966,14 @@
                       </a:r>
                     </a:p>
                   </a:txBody>
-                  <a:tcPr marT="91425" marB="91425" marR="91425" marL="91425"/>
+                  <a:tcPr marL="91425" marR="91425" marT="91425" marB="91425"/>
                 </a:tc>
                 <a:tc>
                   <a:txBody>
-                    <a:bodyPr>
-                      <a:noAutofit/>
-                    </a:bodyPr>
+                    <a:bodyPr/>
                     <a:lstStyle/>
                     <a:p>
-                      <a:pPr lvl="0" rtl="0" algn="r">
+                      <a:pPr lvl="0" algn="r" rtl="0">
                         <a:lnSpc>
                           <a:spcPct val="115000"/>
                         </a:lnSpc>
@@ -10573,8 +10988,13 @@
                       </a:r>
                     </a:p>
                   </a:txBody>
-                  <a:tcPr marT="91425" marB="91425" marR="91425" marL="91425"/>
+                  <a:tcPr marL="91425" marR="91425" marT="91425" marB="91425"/>
                 </a:tc>
+                <a:extLst>
+                  <a:ext uri="{0D108BD9-81ED-4DB2-BD59-A6C34878D82A}">
+                    <a16:rowId xmlns:a16="http://schemas.microsoft.com/office/drawing/2014/main" val="10008"/>
+                  </a:ext>
+                </a:extLst>
               </a:tr>
             </a:tbl>
           </a:graphicData>
@@ -10582,22 +11002,21 @@
       </p:graphicFrame>
       <p:pic>
         <p:nvPicPr>
-          <p:cNvPr descr="features.png" id="108" name="Shape 108"/>
+          <p:cNvPr id="108" name="Shape 108" descr="features.png"/>
           <p:cNvPicPr preferRelativeResize="0"/>
           <p:nvPr/>
         </p:nvPicPr>
-        <p:blipFill>
+        <p:blipFill rotWithShape="1">
           <a:blip r:embed="rId3">
             <a:alphaModFix/>
           </a:blip>
-          <a:stretch>
-            <a:fillRect/>
-          </a:stretch>
+          <a:srcRect l="11951" r="7099"/>
+          <a:stretch/>
         </p:blipFill>
         <p:spPr>
           <a:xfrm>
-            <a:off x="13374" y="3434700"/>
-            <a:ext cx="4596549" cy="1219200"/>
+            <a:off x="169839" y="3453319"/>
+            <a:ext cx="3720905" cy="1219200"/>
           </a:xfrm>
           <a:prstGeom prst="rect">
             <a:avLst/>
@@ -10617,11 +11036,11 @@
 </file>
 
 <file path=ppt/slides/slide5.xml><?xml version="1.0" encoding="utf-8"?>
-<p:sld xmlns:a="http://schemas.openxmlformats.org/drawingml/2006/main" xmlns:r="http://schemas.openxmlformats.org/officeDocument/2006/relationships" xmlns:mc="http://schemas.openxmlformats.org/markup-compatibility/2006" xmlns:mv="urn:schemas-microsoft-com:mac:vml" xmlns:p="http://schemas.openxmlformats.org/presentationml/2006/main" xmlns:c="http://schemas.openxmlformats.org/drawingml/2006/chart" xmlns:dgm="http://schemas.openxmlformats.org/drawingml/2006/diagram" xmlns:o="urn:schemas-microsoft-com:office:office" xmlns:v="urn:schemas-microsoft-com:vml" xmlns:pvml="urn:schemas-microsoft-com:office:powerpoint" xmlns:com="http://schemas.openxmlformats.org/drawingml/2006/compatibility" xmlns:p14="http://schemas.microsoft.com/office/powerpoint/2010/main">
+<p:sld xmlns:a="http://schemas.openxmlformats.org/drawingml/2006/main" xmlns:r="http://schemas.openxmlformats.org/officeDocument/2006/relationships" xmlns:p="http://schemas.openxmlformats.org/presentationml/2006/main">
   <p:cSld>
     <p:spTree>
       <p:nvGrpSpPr>
-        <p:cNvPr id="112" name="Shape 112"/>
+        <p:cNvPr id="1" name="Shape 112"/>
         <p:cNvGrpSpPr/>
         <p:nvPr/>
       </p:nvGrpSpPr>
@@ -10636,7 +11055,9 @@
       <p:sp>
         <p:nvSpPr>
           <p:cNvPr id="113" name="Shape 113"/>
-          <p:cNvSpPr txBox="1"/>
+          <p:cNvSpPr txBox="1">
+            <a:spLocks noGrp="1"/>
+          </p:cNvSpPr>
           <p:nvPr>
             <p:ph type="title"/>
           </p:nvPr>
@@ -10651,7 +11072,7 @@
           </a:prstGeom>
         </p:spPr>
         <p:txBody>
-          <a:bodyPr anchorCtr="0" anchor="t" bIns="91425" lIns="91425" rIns="91425" tIns="91425">
+          <a:bodyPr lIns="91425" tIns="91425" rIns="91425" bIns="91425" anchor="t" anchorCtr="0">
             <a:noAutofit/>
           </a:bodyPr>
           <a:lstStyle/>
@@ -10672,14 +11093,16 @@
       <p:sp>
         <p:nvSpPr>
           <p:cNvPr id="114" name="Shape 114"/>
-          <p:cNvSpPr txBox="1"/>
+          <p:cNvSpPr txBox="1">
+            <a:spLocks noGrp="1"/>
+          </p:cNvSpPr>
           <p:nvPr>
-            <p:ph idx="1" type="body"/>
+            <p:ph type="body" idx="1"/>
           </p:nvPr>
         </p:nvSpPr>
         <p:spPr>
           <a:xfrm>
-            <a:off x="311700" y="1229975"/>
+            <a:off x="311700" y="912290"/>
             <a:ext cx="3999900" cy="3339000"/>
           </a:xfrm>
           <a:prstGeom prst="rect">
@@ -10687,43 +11110,43 @@
           </a:prstGeom>
         </p:spPr>
         <p:txBody>
-          <a:bodyPr anchorCtr="0" anchor="t" bIns="91425" lIns="91425" rIns="91425" tIns="91425">
+          <a:bodyPr lIns="91425" tIns="91425" rIns="91425" bIns="91425" anchor="t" anchorCtr="0">
             <a:noAutofit/>
           </a:bodyPr>
           <a:lstStyle/>
           <a:p>
-            <a:pPr indent="-342900" lvl="0" marL="457200" rtl="0">
+            <a:pPr marL="457200" lvl="0" indent="-342900" rtl="0">
               <a:spcBef>
                 <a:spcPts val="0"/>
               </a:spcBef>
               <a:buSzPct val="100000"/>
             </a:pPr>
             <a:r>
-              <a:rPr lang="en" sz="1800"/>
+              <a:rPr lang="en" sz="1800" dirty="0"/>
               <a:t>Inspection reveals many near-synonyms</a:t>
             </a:r>
           </a:p>
           <a:p>
-            <a:pPr indent="-342900" lvl="0" marL="457200" rtl="0">
+            <a:pPr marL="457200" lvl="0" indent="-342900" rtl="0">
               <a:spcBef>
                 <a:spcPts val="0"/>
               </a:spcBef>
               <a:buSzPct val="100000"/>
             </a:pPr>
             <a:r>
-              <a:rPr lang="en" sz="1800"/>
+              <a:rPr lang="en" sz="1800" dirty="0"/>
               <a:t>Use regex in grepl function to locate listings that possess any version of feature</a:t>
             </a:r>
           </a:p>
           <a:p>
-            <a:pPr indent="-342900" lvl="0" marL="457200">
+            <a:pPr marL="457200" lvl="0" indent="-342900">
               <a:spcBef>
                 <a:spcPts val="0"/>
               </a:spcBef>
               <a:buSzPct val="100000"/>
             </a:pPr>
             <a:r>
-              <a:rPr lang="en" sz="1800"/>
+              <a:rPr lang="en" sz="1800" dirty="0"/>
               <a:t>Combine feature/description variables to account for listings with missing data</a:t>
             </a:r>
           </a:p>
@@ -10737,7 +11160,7 @@
         </p:nvGraphicFramePr>
         <p:xfrm>
           <a:off x="5829525" y="1334875"/>
-          <a:ext cx="3000000" cy="3000000"/>
+          <a:ext cx="2724150" cy="3360210"/>
         </p:xfrm>
         <a:graphic>
           <a:graphicData uri="http://schemas.openxmlformats.org/drawingml/2006/table">
@@ -10747,19 +11170,35 @@
                 <a:tableStyleId>{37DCDE32-41A7-4E3E-9E9F-917331AB9A35}</a:tableStyleId>
               </a:tblPr>
               <a:tblGrid>
-                <a:gridCol w="609600"/>
-                <a:gridCol w="1504950"/>
-                <a:gridCol w="609600"/>
+                <a:gridCol w="609600">
+                  <a:extLst>
+                    <a:ext uri="{9D8B030D-6E8A-4147-A177-3AD203B41FA5}">
+                      <a16:colId xmlns:a16="http://schemas.microsoft.com/office/drawing/2014/main" val="20000"/>
+                    </a:ext>
+                  </a:extLst>
+                </a:gridCol>
+                <a:gridCol w="1504950">
+                  <a:extLst>
+                    <a:ext uri="{9D8B030D-6E8A-4147-A177-3AD203B41FA5}">
+                      <a16:colId xmlns:a16="http://schemas.microsoft.com/office/drawing/2014/main" val="20001"/>
+                    </a:ext>
+                  </a:extLst>
+                </a:gridCol>
+                <a:gridCol w="609600">
+                  <a:extLst>
+                    <a:ext uri="{9D8B030D-6E8A-4147-A177-3AD203B41FA5}">
+                      <a16:colId xmlns:a16="http://schemas.microsoft.com/office/drawing/2014/main" val="20002"/>
+                    </a:ext>
+                  </a:extLst>
+                </a:gridCol>
               </a:tblGrid>
-              <a:tr h="180975">
+              <a:tr h="0">
                 <a:tc>
                   <a:txBody>
-                    <a:bodyPr>
-                      <a:noAutofit/>
-                    </a:bodyPr>
+                    <a:bodyPr/>
                     <a:lstStyle/>
                     <a:p>
-                      <a:pPr lvl="0" rtl="0" algn="r">
+                      <a:pPr lvl="0" algn="r" rtl="0">
                         <a:lnSpc>
                           <a:spcPct val="115000"/>
                         </a:lnSpc>
@@ -10769,18 +11208,16 @@
                         <a:buNone/>
                       </a:pPr>
                       <a:r>
-                        <a:rPr b="1" lang="en"/>
+                        <a:rPr lang="en" b="1"/>
                         <a:t>13</a:t>
                       </a:r>
                     </a:p>
                   </a:txBody>
-                  <a:tcPr marT="91425" marB="91425" marR="91425" marL="91425"/>
+                  <a:tcPr marL="91425" marR="91425" marT="91425" marB="91425"/>
                 </a:tc>
                 <a:tc>
                   <a:txBody>
-                    <a:bodyPr>
-                      <a:noAutofit/>
-                    </a:bodyPr>
+                    <a:bodyPr/>
                     <a:lstStyle/>
                     <a:p>
                       <a:pPr lvl="0" rtl="0">
@@ -10790,21 +11227,19 @@
                         <a:buNone/>
                       </a:pPr>
                       <a:r>
-                        <a:rPr b="1" lang="en"/>
+                        <a:rPr lang="en" b="1"/>
                         <a:t>outdoor space</a:t>
                       </a:r>
                     </a:p>
                   </a:txBody>
-                  <a:tcPr marT="91425" marB="91425" marR="91425" marL="91425"/>
+                  <a:tcPr marL="91425" marR="91425" marT="91425" marB="91425"/>
                 </a:tc>
                 <a:tc>
                   <a:txBody>
-                    <a:bodyPr>
-                      <a:noAutofit/>
-                    </a:bodyPr>
+                    <a:bodyPr/>
                     <a:lstStyle/>
                     <a:p>
-                      <a:pPr lvl="0" rtl="0" algn="r">
+                      <a:pPr lvl="0" algn="r" rtl="0">
                         <a:lnSpc>
                           <a:spcPct val="115000"/>
                         </a:lnSpc>
@@ -10814,23 +11249,26 @@
                         <a:buNone/>
                       </a:pPr>
                       <a:r>
-                        <a:rPr b="1" lang="en"/>
+                        <a:rPr lang="en" b="1"/>
                         <a:t>5270</a:t>
                       </a:r>
                     </a:p>
                   </a:txBody>
-                  <a:tcPr marT="91425" marB="91425" marR="91425" marL="91425"/>
+                  <a:tcPr marL="91425" marR="91425" marT="91425" marB="91425"/>
                 </a:tc>
+                <a:extLst>
+                  <a:ext uri="{0D108BD9-81ED-4DB2-BD59-A6C34878D82A}">
+                    <a16:rowId xmlns:a16="http://schemas.microsoft.com/office/drawing/2014/main" val="10000"/>
+                  </a:ext>
+                </a:extLst>
               </a:tr>
-              <a:tr h="180975">
+              <a:tr h="0">
                 <a:tc>
                   <a:txBody>
-                    <a:bodyPr>
-                      <a:noAutofit/>
-                    </a:bodyPr>
+                    <a:bodyPr/>
                     <a:lstStyle/>
                     <a:p>
-                      <a:pPr lvl="0" rtl="0" algn="r">
+                      <a:pPr lvl="0" algn="r" rtl="0">
                         <a:lnSpc>
                           <a:spcPct val="115000"/>
                         </a:lnSpc>
@@ -10845,13 +11283,11 @@
                       </a:r>
                     </a:p>
                   </a:txBody>
-                  <a:tcPr marT="91425" marB="91425" marR="91425" marL="91425"/>
+                  <a:tcPr marL="91425" marR="91425" marT="91425" marB="91425"/>
                 </a:tc>
                 <a:tc>
                   <a:txBody>
-                    <a:bodyPr>
-                      <a:noAutofit/>
-                    </a:bodyPr>
+                    <a:bodyPr/>
                     <a:lstStyle/>
                     <a:p>
                       <a:pPr lvl="0" rtl="0">
@@ -10866,16 +11302,14 @@
                       </a:r>
                     </a:p>
                   </a:txBody>
-                  <a:tcPr marT="91425" marB="91425" marR="91425" marL="91425"/>
+                  <a:tcPr marL="91425" marR="91425" marT="91425" marB="91425"/>
                 </a:tc>
                 <a:tc>
                   <a:txBody>
-                    <a:bodyPr>
-                      <a:noAutofit/>
-                    </a:bodyPr>
+                    <a:bodyPr/>
                     <a:lstStyle/>
                     <a:p>
-                      <a:pPr lvl="0" rtl="0" algn="r">
+                      <a:pPr lvl="0" algn="r" rtl="0">
                         <a:lnSpc>
                           <a:spcPct val="115000"/>
                         </a:lnSpc>
@@ -10890,18 +11324,21 @@
                       </a:r>
                     </a:p>
                   </a:txBody>
-                  <a:tcPr marT="91425" marB="91425" marR="91425" marL="91425"/>
+                  <a:tcPr marL="91425" marR="91425" marT="91425" marB="91425"/>
                 </a:tc>
+                <a:extLst>
+                  <a:ext uri="{0D108BD9-81ED-4DB2-BD59-A6C34878D82A}">
+                    <a16:rowId xmlns:a16="http://schemas.microsoft.com/office/drawing/2014/main" val="10001"/>
+                  </a:ext>
+                </a:extLst>
               </a:tr>
-              <a:tr h="180975">
+              <a:tr h="0">
                 <a:tc>
                   <a:txBody>
-                    <a:bodyPr>
-                      <a:noAutofit/>
-                    </a:bodyPr>
+                    <a:bodyPr/>
                     <a:lstStyle/>
                     <a:p>
-                      <a:pPr lvl="0" rtl="0" algn="r">
+                      <a:pPr lvl="0" algn="r" rtl="0">
                         <a:lnSpc>
                           <a:spcPct val="115000"/>
                         </a:lnSpc>
@@ -10916,13 +11353,11 @@
                       </a:r>
                     </a:p>
                   </a:txBody>
-                  <a:tcPr marT="91425" marB="91425" marR="91425" marL="91425"/>
+                  <a:tcPr marL="91425" marR="91425" marT="91425" marB="91425"/>
                 </a:tc>
                 <a:tc>
                   <a:txBody>
-                    <a:bodyPr>
-                      <a:noAutofit/>
-                    </a:bodyPr>
+                    <a:bodyPr/>
                     <a:lstStyle/>
                     <a:p>
                       <a:pPr lvl="0" rtl="0">
@@ -10937,16 +11372,14 @@
                       </a:r>
                     </a:p>
                   </a:txBody>
-                  <a:tcPr marT="91425" marB="91425" marR="91425" marL="91425"/>
+                  <a:tcPr marL="91425" marR="91425" marT="91425" marB="91425"/>
                 </a:tc>
                 <a:tc>
                   <a:txBody>
-                    <a:bodyPr>
-                      <a:noAutofit/>
-                    </a:bodyPr>
+                    <a:bodyPr/>
                     <a:lstStyle/>
                     <a:p>
-                      <a:pPr lvl="0" rtl="0" algn="r">
+                      <a:pPr lvl="0" algn="r" rtl="0">
                         <a:lnSpc>
                           <a:spcPct val="115000"/>
                         </a:lnSpc>
@@ -10961,18 +11394,21 @@
                       </a:r>
                     </a:p>
                   </a:txBody>
-                  <a:tcPr marT="91425" marB="91425" marR="91425" marL="91425"/>
+                  <a:tcPr marL="91425" marR="91425" marT="91425" marB="91425"/>
                 </a:tc>
+                <a:extLst>
+                  <a:ext uri="{0D108BD9-81ED-4DB2-BD59-A6C34878D82A}">
+                    <a16:rowId xmlns:a16="http://schemas.microsoft.com/office/drawing/2014/main" val="10002"/>
+                  </a:ext>
+                </a:extLst>
               </a:tr>
-              <a:tr h="180975">
+              <a:tr h="0">
                 <a:tc>
                   <a:txBody>
-                    <a:bodyPr>
-                      <a:noAutofit/>
-                    </a:bodyPr>
+                    <a:bodyPr/>
                     <a:lstStyle/>
                     <a:p>
-                      <a:pPr lvl="0" rtl="0" algn="r">
+                      <a:pPr lvl="0" algn="r" rtl="0">
                         <a:lnSpc>
                           <a:spcPct val="115000"/>
                         </a:lnSpc>
@@ -10982,18 +11418,16 @@
                         <a:buNone/>
                       </a:pPr>
                       <a:r>
-                        <a:rPr b="1" lang="en"/>
+                        <a:rPr lang="en" b="1"/>
                         <a:t>16</a:t>
                       </a:r>
                     </a:p>
                   </a:txBody>
-                  <a:tcPr marT="91425" marB="91425" marR="91425" marL="91425"/>
+                  <a:tcPr marL="91425" marR="91425" marT="91425" marB="91425"/>
                 </a:tc>
                 <a:tc>
                   <a:txBody>
-                    <a:bodyPr>
-                      <a:noAutofit/>
-                    </a:bodyPr>
+                    <a:bodyPr/>
                     <a:lstStyle/>
                     <a:p>
                       <a:pPr lvl="0" rtl="0">
@@ -11003,21 +11437,19 @@
                         <a:buNone/>
                       </a:pPr>
                       <a:r>
-                        <a:rPr b="1" lang="en"/>
+                        <a:rPr lang="en" b="1"/>
                         <a:t>balcony</a:t>
                       </a:r>
                     </a:p>
                   </a:txBody>
-                  <a:tcPr marT="91425" marB="91425" marR="91425" marL="91425"/>
+                  <a:tcPr marL="91425" marR="91425" marT="91425" marB="91425"/>
                 </a:tc>
                 <a:tc>
                   <a:txBody>
-                    <a:bodyPr>
-                      <a:noAutofit/>
-                    </a:bodyPr>
+                    <a:bodyPr/>
                     <a:lstStyle/>
                     <a:p>
-                      <a:pPr lvl="0" rtl="0" algn="r">
+                      <a:pPr lvl="0" algn="r" rtl="0">
                         <a:lnSpc>
                           <a:spcPct val="115000"/>
                         </a:lnSpc>
@@ -11027,23 +11459,26 @@
                         <a:buNone/>
                       </a:pPr>
                       <a:r>
-                        <a:rPr b="1" lang="en"/>
+                        <a:rPr lang="en" b="1"/>
                         <a:t>3058</a:t>
                       </a:r>
                     </a:p>
                   </a:txBody>
-                  <a:tcPr marT="91425" marB="91425" marR="91425" marL="91425"/>
+                  <a:tcPr marL="91425" marR="91425" marT="91425" marB="91425"/>
                 </a:tc>
+                <a:extLst>
+                  <a:ext uri="{0D108BD9-81ED-4DB2-BD59-A6C34878D82A}">
+                    <a16:rowId xmlns:a16="http://schemas.microsoft.com/office/drawing/2014/main" val="10003"/>
+                  </a:ext>
+                </a:extLst>
               </a:tr>
-              <a:tr h="180975">
+              <a:tr h="0">
                 <a:tc>
                   <a:txBody>
-                    <a:bodyPr>
-                      <a:noAutofit/>
-                    </a:bodyPr>
+                    <a:bodyPr/>
                     <a:lstStyle/>
                     <a:p>
-                      <a:pPr lvl="0" rtl="0" algn="r">
+                      <a:pPr lvl="0" algn="r" rtl="0">
                         <a:lnSpc>
                           <a:spcPct val="115000"/>
                         </a:lnSpc>
@@ -11058,13 +11493,11 @@
                       </a:r>
                     </a:p>
                   </a:txBody>
-                  <a:tcPr marT="91425" marB="91425" marR="91425" marL="91425"/>
+                  <a:tcPr marL="91425" marR="91425" marT="91425" marB="91425"/>
                 </a:tc>
                 <a:tc>
                   <a:txBody>
-                    <a:bodyPr>
-                      <a:noAutofit/>
-                    </a:bodyPr>
+                    <a:bodyPr/>
                     <a:lstStyle/>
                     <a:p>
                       <a:pPr lvl="0" rtl="0">
@@ -11079,16 +11512,14 @@
                       </a:r>
                     </a:p>
                   </a:txBody>
-                  <a:tcPr marT="91425" marB="91425" marR="91425" marL="91425"/>
+                  <a:tcPr marL="91425" marR="91425" marT="91425" marB="91425"/>
                 </a:tc>
                 <a:tc>
                   <a:txBody>
-                    <a:bodyPr>
-                      <a:noAutofit/>
-                    </a:bodyPr>
+                    <a:bodyPr/>
                     <a:lstStyle/>
                     <a:p>
-                      <a:pPr lvl="0" rtl="0" algn="r">
+                      <a:pPr lvl="0" algn="r" rtl="0">
                         <a:lnSpc>
                           <a:spcPct val="115000"/>
                         </a:lnSpc>
@@ -11103,18 +11534,21 @@
                       </a:r>
                     </a:p>
                   </a:txBody>
-                  <a:tcPr marT="91425" marB="91425" marR="91425" marL="91425"/>
+                  <a:tcPr marL="91425" marR="91425" marT="91425" marB="91425"/>
                 </a:tc>
+                <a:extLst>
+                  <a:ext uri="{0D108BD9-81ED-4DB2-BD59-A6C34878D82A}">
+                    <a16:rowId xmlns:a16="http://schemas.microsoft.com/office/drawing/2014/main" val="10004"/>
+                  </a:ext>
+                </a:extLst>
               </a:tr>
-              <a:tr h="180975">
+              <a:tr h="0">
                 <a:tc>
                   <a:txBody>
-                    <a:bodyPr>
-                      <a:noAutofit/>
-                    </a:bodyPr>
+                    <a:bodyPr/>
                     <a:lstStyle/>
                     <a:p>
-                      <a:pPr lvl="0" rtl="0" algn="r">
+                      <a:pPr lvl="0" algn="r" rtl="0">
                         <a:lnSpc>
                           <a:spcPct val="115000"/>
                         </a:lnSpc>
@@ -11129,13 +11563,11 @@
                       </a:r>
                     </a:p>
                   </a:txBody>
-                  <a:tcPr marT="91425" marB="91425" marR="91425" marL="91425"/>
+                  <a:tcPr marL="91425" marR="91425" marT="91425" marB="91425"/>
                 </a:tc>
                 <a:tc>
                   <a:txBody>
-                    <a:bodyPr>
-                      <a:noAutofit/>
-                    </a:bodyPr>
+                    <a:bodyPr/>
                     <a:lstStyle/>
                     <a:p>
                       <a:pPr lvl="0" rtl="0">
@@ -11150,16 +11582,14 @@
                       </a:r>
                     </a:p>
                   </a:txBody>
-                  <a:tcPr marT="91425" marB="91425" marR="91425" marL="91425"/>
+                  <a:tcPr marL="91425" marR="91425" marT="91425" marB="91425"/>
                 </a:tc>
                 <a:tc>
                   <a:txBody>
-                    <a:bodyPr>
-                      <a:noAutofit/>
-                    </a:bodyPr>
+                    <a:bodyPr/>
                     <a:lstStyle/>
                     <a:p>
-                      <a:pPr lvl="0" rtl="0" algn="r">
+                      <a:pPr lvl="0" algn="r" rtl="0">
                         <a:lnSpc>
                           <a:spcPct val="115000"/>
                         </a:lnSpc>
@@ -11174,18 +11604,21 @@
                       </a:r>
                     </a:p>
                   </a:txBody>
-                  <a:tcPr marT="91425" marB="91425" marR="91425" marL="91425"/>
+                  <a:tcPr marL="91425" marR="91425" marT="91425" marB="91425"/>
                 </a:tc>
+                <a:extLst>
+                  <a:ext uri="{0D108BD9-81ED-4DB2-BD59-A6C34878D82A}">
+                    <a16:rowId xmlns:a16="http://schemas.microsoft.com/office/drawing/2014/main" val="10005"/>
+                  </a:ext>
+                </a:extLst>
               </a:tr>
-              <a:tr h="180975">
+              <a:tr h="0">
                 <a:tc>
                   <a:txBody>
-                    <a:bodyPr>
-                      <a:noAutofit/>
-                    </a:bodyPr>
+                    <a:bodyPr/>
                     <a:lstStyle/>
                     <a:p>
-                      <a:pPr lvl="0" rtl="0" algn="r">
+                      <a:pPr lvl="0" algn="r" rtl="0">
                         <a:lnSpc>
                           <a:spcPct val="115000"/>
                         </a:lnSpc>
@@ -11195,18 +11628,16 @@
                         <a:buNone/>
                       </a:pPr>
                       <a:r>
-                        <a:rPr b="1" lang="en"/>
+                        <a:rPr lang="en" b="1"/>
                         <a:t>19</a:t>
                       </a:r>
                     </a:p>
                   </a:txBody>
-                  <a:tcPr marT="91425" marB="91425" marR="91425" marL="91425"/>
+                  <a:tcPr marL="91425" marR="91425" marT="91425" marB="91425"/>
                 </a:tc>
                 <a:tc>
                   <a:txBody>
-                    <a:bodyPr>
-                      <a:noAutofit/>
-                    </a:bodyPr>
+                    <a:bodyPr/>
                     <a:lstStyle/>
                     <a:p>
                       <a:pPr lvl="0" rtl="0">
@@ -11216,21 +11647,19 @@
                         <a:buNone/>
                       </a:pPr>
                       <a:r>
-                        <a:rPr b="1" lang="en"/>
+                        <a:rPr lang="en" b="1"/>
                         <a:t>terrace</a:t>
                       </a:r>
                     </a:p>
                   </a:txBody>
-                  <a:tcPr marT="91425" marB="91425" marR="91425" marL="91425"/>
+                  <a:tcPr marL="91425" marR="91425" marT="91425" marB="91425"/>
                 </a:tc>
                 <a:tc>
                   <a:txBody>
-                    <a:bodyPr>
-                      <a:noAutofit/>
-                    </a:bodyPr>
+                    <a:bodyPr/>
                     <a:lstStyle/>
                     <a:p>
-                      <a:pPr lvl="0" rtl="0" algn="r">
+                      <a:pPr lvl="0" algn="r" rtl="0">
                         <a:lnSpc>
                           <a:spcPct val="115000"/>
                         </a:lnSpc>
@@ -11240,13 +11669,18 @@
                         <a:buNone/>
                       </a:pPr>
                       <a:r>
-                        <a:rPr b="1" lang="en"/>
+                        <a:rPr lang="en" b="1"/>
                         <a:t>2313</a:t>
                       </a:r>
                     </a:p>
                   </a:txBody>
-                  <a:tcPr marT="91425" marB="91425" marR="91425" marL="91425"/>
+                  <a:tcPr marL="91425" marR="91425" marT="91425" marB="91425"/>
                 </a:tc>
+                <a:extLst>
+                  <a:ext uri="{0D108BD9-81ED-4DB2-BD59-A6C34878D82A}">
+                    <a16:rowId xmlns:a16="http://schemas.microsoft.com/office/drawing/2014/main" val="10006"/>
+                  </a:ext>
+                </a:extLst>
               </a:tr>
             </a:tbl>
           </a:graphicData>
@@ -11254,7 +11688,7 @@
       </p:graphicFrame>
       <p:pic>
         <p:nvPicPr>
-          <p:cNvPr descr="regex.png" id="116" name="Shape 116"/>
+          <p:cNvPr id="116" name="Shape 116" descr="regex.png"/>
           <p:cNvPicPr preferRelativeResize="0"/>
           <p:nvPr/>
         </p:nvPicPr>
@@ -11268,7 +11702,7 @@
         </p:blipFill>
         <p:spPr>
           <a:xfrm>
-            <a:off x="7012" y="3970287"/>
+            <a:off x="0" y="4181475"/>
             <a:ext cx="5819775" cy="962025"/>
           </a:xfrm>
           <a:prstGeom prst="rect">
@@ -11289,11 +11723,11 @@
 </file>
 
 <file path=ppt/slides/slide6.xml><?xml version="1.0" encoding="utf-8"?>
-<p:sld xmlns:a="http://schemas.openxmlformats.org/drawingml/2006/main" xmlns:r="http://schemas.openxmlformats.org/officeDocument/2006/relationships" xmlns:mc="http://schemas.openxmlformats.org/markup-compatibility/2006" xmlns:mv="urn:schemas-microsoft-com:mac:vml" xmlns:p="http://schemas.openxmlformats.org/presentationml/2006/main" xmlns:c="http://schemas.openxmlformats.org/drawingml/2006/chart" xmlns:dgm="http://schemas.openxmlformats.org/drawingml/2006/diagram" xmlns:o="urn:schemas-microsoft-com:office:office" xmlns:v="urn:schemas-microsoft-com:vml" xmlns:pvml="urn:schemas-microsoft-com:office:powerpoint" xmlns:com="http://schemas.openxmlformats.org/drawingml/2006/compatibility" xmlns:p14="http://schemas.microsoft.com/office/powerpoint/2010/main">
+<p:sld xmlns:a="http://schemas.openxmlformats.org/drawingml/2006/main" xmlns:r="http://schemas.openxmlformats.org/officeDocument/2006/relationships" xmlns:p="http://schemas.openxmlformats.org/presentationml/2006/main">
   <p:cSld>
     <p:spTree>
       <p:nvGrpSpPr>
-        <p:cNvPr id="120" name="Shape 120"/>
+        <p:cNvPr id="1" name="Shape 120"/>
         <p:cNvGrpSpPr/>
         <p:nvPr/>
       </p:nvGrpSpPr>
@@ -11308,7 +11742,9 @@
       <p:sp>
         <p:nvSpPr>
           <p:cNvPr id="121" name="Shape 121"/>
-          <p:cNvSpPr txBox="1"/>
+          <p:cNvSpPr txBox="1">
+            <a:spLocks noGrp="1"/>
+          </p:cNvSpPr>
           <p:nvPr>
             <p:ph type="title"/>
           </p:nvPr>
@@ -11323,7 +11759,7 @@
           </a:prstGeom>
         </p:spPr>
         <p:txBody>
-          <a:bodyPr anchorCtr="0" anchor="t" bIns="91425" lIns="91425" rIns="91425" tIns="91425">
+          <a:bodyPr lIns="91425" tIns="91425" rIns="91425" bIns="91425" anchor="t" anchorCtr="0">
             <a:noAutofit/>
           </a:bodyPr>
           <a:lstStyle/>
@@ -11344,9 +11780,11 @@
       <p:sp>
         <p:nvSpPr>
           <p:cNvPr id="122" name="Shape 122"/>
-          <p:cNvSpPr txBox="1"/>
+          <p:cNvSpPr txBox="1">
+            <a:spLocks noGrp="1"/>
+          </p:cNvSpPr>
           <p:nvPr>
-            <p:ph idx="1" type="body"/>
+            <p:ph type="body" idx="1"/>
           </p:nvPr>
         </p:nvSpPr>
         <p:spPr>
@@ -11359,12 +11797,12 @@
           </a:prstGeom>
         </p:spPr>
         <p:txBody>
-          <a:bodyPr anchorCtr="0" anchor="t" bIns="91425" lIns="91425" rIns="91425" tIns="91425">
+          <a:bodyPr lIns="91425" tIns="91425" rIns="91425" bIns="91425" anchor="t" anchorCtr="0">
             <a:noAutofit/>
           </a:bodyPr>
           <a:lstStyle/>
           <a:p>
-            <a:pPr indent="-228600" lvl="0" marL="457200" rtl="0">
+            <a:pPr marL="457200" lvl="0" indent="-228600" rtl="0">
               <a:spcBef>
                 <a:spcPts val="0"/>
               </a:spcBef>
@@ -11375,7 +11813,7 @@
             </a:r>
           </a:p>
           <a:p>
-            <a:pPr indent="-228600" lvl="0" marL="457200" rtl="0">
+            <a:pPr marL="457200" lvl="0" indent="-228600" rtl="0">
               <a:spcBef>
                 <a:spcPts val="0"/>
               </a:spcBef>
@@ -11386,7 +11824,7 @@
             </a:r>
           </a:p>
           <a:p>
-            <a:pPr indent="-228600" lvl="0" marL="457200" rtl="0">
+            <a:pPr marL="457200" lvl="0" indent="-228600" rtl="0">
               <a:spcBef>
                 <a:spcPts val="0"/>
               </a:spcBef>
@@ -11403,9 +11841,6 @@
               </a:spcBef>
               <a:buNone/>
             </a:pPr>
-            <a:r>
-              <a:t/>
-            </a:r>
             <a:endParaRPr b="1"/>
           </a:p>
           <a:p>
@@ -11415,9 +11850,6 @@
               </a:spcBef>
               <a:buNone/>
             </a:pPr>
-            <a:r>
-              <a:t/>
-            </a:r>
             <a:endParaRPr/>
           </a:p>
           <a:p>
@@ -11427,9 +11859,6 @@
               </a:spcBef>
               <a:buNone/>
             </a:pPr>
-            <a:r>
-              <a:t/>
-            </a:r>
             <a:endParaRPr/>
           </a:p>
           <a:p>
@@ -11439,9 +11868,6 @@
               </a:spcBef>
               <a:buNone/>
             </a:pPr>
-            <a:r>
-              <a:t/>
-            </a:r>
             <a:endParaRPr/>
           </a:p>
         </p:txBody>
@@ -11454,7 +11880,7 @@
         </p:nvGraphicFramePr>
         <p:xfrm>
           <a:off x="248575" y="2608287"/>
-          <a:ext cx="3000000" cy="3000000"/>
+          <a:ext cx="4401250" cy="2229160"/>
         </p:xfrm>
         <a:graphic>
           <a:graphicData uri="http://schemas.openxmlformats.org/drawingml/2006/table">
@@ -11464,45 +11890,78 @@
                 <a:tableStyleId>{37DCDE32-41A7-4E3E-9E9F-917331AB9A35}</a:tableStyleId>
               </a:tblPr>
               <a:tblGrid>
-                <a:gridCol w="1754125"/>
-                <a:gridCol w="1403300"/>
-                <a:gridCol w="1243825"/>
+                <a:gridCol w="1754125">
+                  <a:extLst>
+                    <a:ext uri="{9D8B030D-6E8A-4147-A177-3AD203B41FA5}">
+                      <a16:colId xmlns:a16="http://schemas.microsoft.com/office/drawing/2014/main" val="20000"/>
+                    </a:ext>
+                  </a:extLst>
+                </a:gridCol>
+                <a:gridCol w="1403300">
+                  <a:extLst>
+                    <a:ext uri="{9D8B030D-6E8A-4147-A177-3AD203B41FA5}">
+                      <a16:colId xmlns:a16="http://schemas.microsoft.com/office/drawing/2014/main" val="20001"/>
+                    </a:ext>
+                  </a:extLst>
+                </a:gridCol>
+                <a:gridCol w="1243825">
+                  <a:extLst>
+                    <a:ext uri="{9D8B030D-6E8A-4147-A177-3AD203B41FA5}">
+                      <a16:colId xmlns:a16="http://schemas.microsoft.com/office/drawing/2014/main" val="20002"/>
+                    </a:ext>
+                  </a:extLst>
+                </a:gridCol>
               </a:tblGrid>
               <a:tr h="376800">
                 <a:tc gridSpan="3">
                   <a:txBody>
-                    <a:bodyPr>
-                      <a:noAutofit/>
-                    </a:bodyPr>
+                    <a:bodyPr/>
                     <a:lstStyle/>
                     <a:p>
-                      <a:pPr lvl="0" rtl="0" algn="ctr">
+                      <a:pPr lvl="0" algn="ctr" rtl="0">
                         <a:spcBef>
                           <a:spcPts val="0"/>
                         </a:spcBef>
                         <a:buNone/>
                       </a:pPr>
                       <a:r>
-                        <a:rPr b="1" lang="en"/>
-                        <a:t>10 </a:t>
-                      </a:r>
-                      <a:r>
-                        <a:rPr b="1" lang="en"/>
-                        <a:t>Most Important Features</a:t>
+                        <a:rPr lang="en" b="1"/>
+                        <a:t>10 Most Important Features</a:t>
                       </a:r>
                     </a:p>
                   </a:txBody>
-                  <a:tcPr marT="91425" marB="91425" marR="91425" marL="91425"/>
+                  <a:tcPr marL="91425" marR="91425" marT="91425" marB="91425"/>
                 </a:tc>
-                <a:tc hMerge="1"/>
-                <a:tc hMerge="1"/>
+                <a:tc hMerge="1">
+                  <a:txBody>
+                    <a:bodyPr/>
+                    <a:lstStyle/>
+                    <a:p>
+                      <a:endParaRPr lang="en-US"/>
+                    </a:p>
+                  </a:txBody>
+                  <a:tcPr/>
+                </a:tc>
+                <a:tc hMerge="1">
+                  <a:txBody>
+                    <a:bodyPr/>
+                    <a:lstStyle/>
+                    <a:p>
+                      <a:endParaRPr lang="en-US"/>
+                    </a:p>
+                  </a:txBody>
+                  <a:tcPr/>
+                </a:tc>
+                <a:extLst>
+                  <a:ext uri="{0D108BD9-81ED-4DB2-BD59-A6C34878D82A}">
+                    <a16:rowId xmlns:a16="http://schemas.microsoft.com/office/drawing/2014/main" val="10000"/>
+                  </a:ext>
+                </a:extLst>
               </a:tr>
               <a:tr h="457125">
                 <a:tc>
                   <a:txBody>
-                    <a:bodyPr>
-                      <a:noAutofit/>
-                    </a:bodyPr>
+                    <a:bodyPr/>
                     <a:lstStyle/>
                     <a:p>
                       <a:pPr lvl="0" rtl="0">
@@ -11517,13 +11976,11 @@
                       </a:r>
                     </a:p>
                   </a:txBody>
-                  <a:tcPr marT="91425" marB="91425" marR="91425" marL="91425"/>
+                  <a:tcPr marL="91425" marR="91425" marT="91425" marB="91425"/>
                 </a:tc>
                 <a:tc>
                   <a:txBody>
-                    <a:bodyPr>
-                      <a:noAutofit/>
-                    </a:bodyPr>
+                    <a:bodyPr/>
                     <a:lstStyle/>
                     <a:p>
                       <a:pPr lvl="0" rtl="0">
@@ -11538,13 +11995,11 @@
                       </a:r>
                     </a:p>
                   </a:txBody>
-                  <a:tcPr marT="91425" marB="91425" marR="91425" marL="91425"/>
+                  <a:tcPr marL="91425" marR="91425" marT="91425" marB="91425"/>
                 </a:tc>
                 <a:tc>
                   <a:txBody>
-                    <a:bodyPr>
-                      <a:noAutofit/>
-                    </a:bodyPr>
+                    <a:bodyPr/>
                     <a:lstStyle/>
                     <a:p>
                       <a:pPr lvl="0" rtl="0">
@@ -11559,15 +12014,18 @@
                       </a:r>
                     </a:p>
                   </a:txBody>
-                  <a:tcPr marT="91425" marB="91425" marR="91425" marL="91425"/>
+                  <a:tcPr marL="91425" marR="91425" marT="91425" marB="91425"/>
                 </a:tc>
+                <a:extLst>
+                  <a:ext uri="{0D108BD9-81ED-4DB2-BD59-A6C34878D82A}">
+                    <a16:rowId xmlns:a16="http://schemas.microsoft.com/office/drawing/2014/main" val="10001"/>
+                  </a:ext>
+                </a:extLst>
               </a:tr>
               <a:tr h="457125">
                 <a:tc>
                   <a:txBody>
-                    <a:bodyPr>
-                      <a:noAutofit/>
-                    </a:bodyPr>
+                    <a:bodyPr/>
                     <a:lstStyle/>
                     <a:p>
                       <a:pPr lvl="0" rtl="0">
@@ -11582,13 +12040,11 @@
                       </a:r>
                     </a:p>
                   </a:txBody>
-                  <a:tcPr marT="91425" marB="91425" marR="91425" marL="91425"/>
+                  <a:tcPr marL="91425" marR="91425" marT="91425" marB="91425"/>
                 </a:tc>
                 <a:tc>
                   <a:txBody>
-                    <a:bodyPr>
-                      <a:noAutofit/>
-                    </a:bodyPr>
+                    <a:bodyPr/>
                     <a:lstStyle/>
                     <a:p>
                       <a:pPr lvl="0" rtl="0">
@@ -11603,13 +12059,11 @@
                       </a:r>
                     </a:p>
                   </a:txBody>
-                  <a:tcPr marT="91425" marB="91425" marR="91425" marL="91425"/>
+                  <a:tcPr marL="91425" marR="91425" marT="91425" marB="91425"/>
                 </a:tc>
                 <a:tc>
                   <a:txBody>
-                    <a:bodyPr>
-                      <a:noAutofit/>
-                    </a:bodyPr>
+                    <a:bodyPr/>
                     <a:lstStyle/>
                     <a:p>
                       <a:pPr lvl="0" rtl="0">
@@ -11624,15 +12078,18 @@
                       </a:r>
                     </a:p>
                   </a:txBody>
-                  <a:tcPr marT="91425" marB="91425" marR="91425" marL="91425"/>
+                  <a:tcPr marL="91425" marR="91425" marT="91425" marB="91425"/>
                 </a:tc>
+                <a:extLst>
+                  <a:ext uri="{0D108BD9-81ED-4DB2-BD59-A6C34878D82A}">
+                    <a16:rowId xmlns:a16="http://schemas.microsoft.com/office/drawing/2014/main" val="10002"/>
+                  </a:ext>
+                </a:extLst>
               </a:tr>
               <a:tr h="457125">
                 <a:tc>
                   <a:txBody>
-                    <a:bodyPr>
-                      <a:noAutofit/>
-                    </a:bodyPr>
+                    <a:bodyPr/>
                     <a:lstStyle/>
                     <a:p>
                       <a:pPr lvl="0" rtl="0">
@@ -11647,13 +12104,11 @@
                       </a:r>
                     </a:p>
                   </a:txBody>
-                  <a:tcPr marT="91425" marB="91425" marR="91425" marL="91425"/>
+                  <a:tcPr marL="91425" marR="91425" marT="91425" marB="91425"/>
                 </a:tc>
                 <a:tc>
                   <a:txBody>
-                    <a:bodyPr>
-                      <a:noAutofit/>
-                    </a:bodyPr>
+                    <a:bodyPr/>
                     <a:lstStyle/>
                     <a:p>
                       <a:pPr lvl="0" rtl="0">
@@ -11668,13 +12123,11 @@
                       </a:r>
                     </a:p>
                   </a:txBody>
-                  <a:tcPr marT="91425" marB="91425" marR="91425" marL="91425"/>
+                  <a:tcPr marL="91425" marR="91425" marT="91425" marB="91425"/>
                 </a:tc>
                 <a:tc>
                   <a:txBody>
-                    <a:bodyPr>
-                      <a:noAutofit/>
-                    </a:bodyPr>
+                    <a:bodyPr/>
                     <a:lstStyle/>
                     <a:p>
                       <a:pPr lvl="0" rtl="0">
@@ -11689,15 +12142,18 @@
                       </a:r>
                     </a:p>
                   </a:txBody>
-                  <a:tcPr marT="91425" marB="91425" marR="91425" marL="91425"/>
+                  <a:tcPr marL="91425" marR="91425" marT="91425" marB="91425"/>
                 </a:tc>
+                <a:extLst>
+                  <a:ext uri="{0D108BD9-81ED-4DB2-BD59-A6C34878D82A}">
+                    <a16:rowId xmlns:a16="http://schemas.microsoft.com/office/drawing/2014/main" val="10003"/>
+                  </a:ext>
+                </a:extLst>
               </a:tr>
               <a:tr h="461575">
                 <a:tc>
                   <a:txBody>
-                    <a:bodyPr>
-                      <a:noAutofit/>
-                    </a:bodyPr>
+                    <a:bodyPr/>
                     <a:lstStyle/>
                     <a:p>
                       <a:pPr lvl="0" rtl="0">
@@ -11712,13 +12168,11 @@
                       </a:r>
                     </a:p>
                   </a:txBody>
-                  <a:tcPr marT="91425" marB="91425" marR="91425" marL="91425"/>
+                  <a:tcPr marL="91425" marR="91425" marT="91425" marB="91425"/>
                 </a:tc>
                 <a:tc>
                   <a:txBody>
-                    <a:bodyPr>
-                      <a:noAutofit/>
-                    </a:bodyPr>
+                    <a:bodyPr/>
                     <a:lstStyle/>
                     <a:p>
                       <a:pPr lvl="0" rtl="0">
@@ -11727,19 +12181,14 @@
                         </a:spcBef>
                         <a:buNone/>
                       </a:pPr>
-                      <a:r>
-                        <a:t/>
-                      </a:r>
                       <a:endParaRPr/>
                     </a:p>
                   </a:txBody>
-                  <a:tcPr marT="91425" marB="91425" marR="91425" marL="91425"/>
+                  <a:tcPr marL="91425" marR="91425" marT="91425" marB="91425"/>
                 </a:tc>
                 <a:tc>
                   <a:txBody>
-                    <a:bodyPr>
-                      <a:noAutofit/>
-                    </a:bodyPr>
+                    <a:bodyPr/>
                     <a:lstStyle/>
                     <a:p>
                       <a:pPr lvl="0" rtl="0">
@@ -11748,14 +12197,16 @@
                         </a:spcBef>
                         <a:buNone/>
                       </a:pPr>
-                      <a:r>
-                        <a:t/>
-                      </a:r>
                       <a:endParaRPr/>
                     </a:p>
                   </a:txBody>
-                  <a:tcPr marT="91425" marB="91425" marR="91425" marL="91425"/>
+                  <a:tcPr marL="91425" marR="91425" marT="91425" marB="91425"/>
                 </a:tc>
+                <a:extLst>
+                  <a:ext uri="{0D108BD9-81ED-4DB2-BD59-A6C34878D82A}">
+                    <a16:rowId xmlns:a16="http://schemas.microsoft.com/office/drawing/2014/main" val="10004"/>
+                  </a:ext>
+                </a:extLst>
               </a:tr>
             </a:tbl>
           </a:graphicData>
@@ -11763,7 +12214,7 @@
       </p:graphicFrame>
       <p:pic>
         <p:nvPicPr>
-          <p:cNvPr descr="prune_ll.png" id="124" name="Shape 124"/>
+          <p:cNvPr id="124" name="Shape 124" descr="prune_ll.png"/>
           <p:cNvPicPr preferRelativeResize="0"/>
           <p:nvPr/>
         </p:nvPicPr>
@@ -11798,11 +12249,11 @@
 </file>
 
 <file path=ppt/slides/slide7.xml><?xml version="1.0" encoding="utf-8"?>
-<p:sld xmlns:a="http://schemas.openxmlformats.org/drawingml/2006/main" xmlns:r="http://schemas.openxmlformats.org/officeDocument/2006/relationships" xmlns:mc="http://schemas.openxmlformats.org/markup-compatibility/2006" xmlns:mv="urn:schemas-microsoft-com:mac:vml" xmlns:p="http://schemas.openxmlformats.org/presentationml/2006/main" xmlns:c="http://schemas.openxmlformats.org/drawingml/2006/chart" xmlns:dgm="http://schemas.openxmlformats.org/drawingml/2006/diagram" xmlns:o="urn:schemas-microsoft-com:office:office" xmlns:v="urn:schemas-microsoft-com:vml" xmlns:pvml="urn:schemas-microsoft-com:office:powerpoint" xmlns:com="http://schemas.openxmlformats.org/drawingml/2006/compatibility" xmlns:p14="http://schemas.microsoft.com/office/powerpoint/2010/main">
+<p:sld xmlns:a="http://schemas.openxmlformats.org/drawingml/2006/main" xmlns:r="http://schemas.openxmlformats.org/officeDocument/2006/relationships" xmlns:p="http://schemas.openxmlformats.org/presentationml/2006/main">
   <p:cSld>
     <p:spTree>
       <p:nvGrpSpPr>
-        <p:cNvPr id="128" name="Shape 128"/>
+        <p:cNvPr id="1" name="Shape 128"/>
         <p:cNvGrpSpPr/>
         <p:nvPr/>
       </p:nvGrpSpPr>
@@ -11817,7 +12268,9 @@
       <p:sp>
         <p:nvSpPr>
           <p:cNvPr id="129" name="Shape 129"/>
-          <p:cNvSpPr txBox="1"/>
+          <p:cNvSpPr txBox="1">
+            <a:spLocks noGrp="1"/>
+          </p:cNvSpPr>
           <p:nvPr>
             <p:ph type="title"/>
           </p:nvPr>
@@ -11832,7 +12285,7 @@
           </a:prstGeom>
         </p:spPr>
         <p:txBody>
-          <a:bodyPr anchorCtr="0" anchor="t" bIns="91425" lIns="91425" rIns="91425" tIns="91425">
+          <a:bodyPr lIns="91425" tIns="91425" rIns="91425" bIns="91425" anchor="t" anchorCtr="0">
             <a:noAutofit/>
           </a:bodyPr>
           <a:lstStyle/>
@@ -11853,9 +12306,11 @@
       <p:sp>
         <p:nvSpPr>
           <p:cNvPr id="130" name="Shape 130"/>
-          <p:cNvSpPr txBox="1"/>
+          <p:cNvSpPr txBox="1">
+            <a:spLocks noGrp="1"/>
+          </p:cNvSpPr>
           <p:nvPr>
-            <p:ph idx="1" type="body"/>
+            <p:ph type="body" idx="1"/>
           </p:nvPr>
         </p:nvSpPr>
         <p:spPr>
@@ -11868,12 +12323,12 @@
           </a:prstGeom>
         </p:spPr>
         <p:txBody>
-          <a:bodyPr anchorCtr="0" anchor="t" bIns="91425" lIns="91425" rIns="91425" tIns="91425">
+          <a:bodyPr lIns="91425" tIns="91425" rIns="91425" bIns="91425" anchor="t" anchorCtr="0">
             <a:noAutofit/>
           </a:bodyPr>
           <a:lstStyle/>
           <a:p>
-            <a:pPr indent="-228600" lvl="0" marL="457200" rtl="0">
+            <a:pPr marL="457200" lvl="0" indent="-228600" rtl="0">
               <a:spcBef>
                 <a:spcPts val="0"/>
               </a:spcBef>
@@ -11884,7 +12339,7 @@
             </a:r>
           </a:p>
           <a:p>
-            <a:pPr indent="-228600" lvl="0" marL="457200" rtl="0">
+            <a:pPr marL="457200" lvl="0" indent="-228600" rtl="0">
               <a:spcBef>
                 <a:spcPts val="0"/>
               </a:spcBef>
@@ -11895,7 +12350,7 @@
             </a:r>
           </a:p>
           <a:p>
-            <a:pPr indent="-228600" lvl="0" marL="457200">
+            <a:pPr marL="457200" lvl="0" indent="-228600">
               <a:spcBef>
                 <a:spcPts val="0"/>
               </a:spcBef>
@@ -11909,7 +12364,7 @@
       </p:sp>
       <p:pic>
         <p:nvPicPr>
-          <p:cNvPr descr="Feat.scree.png" id="131" name="Shape 131"/>
+          <p:cNvPr id="131" name="Shape 131" descr="Feat.scree.png"/>
           <p:cNvPicPr preferRelativeResize="0"/>
           <p:nvPr/>
         </p:nvPicPr>
@@ -11944,11 +12399,11 @@
 </file>
 
 <file path=ppt/slides/slide8.xml><?xml version="1.0" encoding="utf-8"?>
-<p:sld xmlns:a="http://schemas.openxmlformats.org/drawingml/2006/main" xmlns:r="http://schemas.openxmlformats.org/officeDocument/2006/relationships" xmlns:mc="http://schemas.openxmlformats.org/markup-compatibility/2006" xmlns:mv="urn:schemas-microsoft-com:mac:vml" xmlns:p="http://schemas.openxmlformats.org/presentationml/2006/main" xmlns:c="http://schemas.openxmlformats.org/drawingml/2006/chart" xmlns:dgm="http://schemas.openxmlformats.org/drawingml/2006/diagram" xmlns:o="urn:schemas-microsoft-com:office:office" xmlns:v="urn:schemas-microsoft-com:vml" xmlns:pvml="urn:schemas-microsoft-com:office:powerpoint" xmlns:com="http://schemas.openxmlformats.org/drawingml/2006/compatibility" xmlns:p14="http://schemas.microsoft.com/office/powerpoint/2010/main">
+<p:sld xmlns:a="http://schemas.openxmlformats.org/drawingml/2006/main" xmlns:r="http://schemas.openxmlformats.org/officeDocument/2006/relationships" xmlns:p="http://schemas.openxmlformats.org/presentationml/2006/main">
   <p:cSld>
     <p:spTree>
       <p:nvGrpSpPr>
-        <p:cNvPr id="135" name="Shape 135"/>
+        <p:cNvPr id="1" name="Shape 135"/>
         <p:cNvGrpSpPr/>
         <p:nvPr/>
       </p:nvGrpSpPr>
@@ -11963,7 +12418,9 @@
       <p:sp>
         <p:nvSpPr>
           <p:cNvPr id="136" name="Shape 136"/>
-          <p:cNvSpPr txBox="1"/>
+          <p:cNvSpPr txBox="1">
+            <a:spLocks noGrp="1"/>
+          </p:cNvSpPr>
           <p:nvPr>
             <p:ph type="title"/>
           </p:nvPr>
@@ -11978,7 +12435,7 @@
           </a:prstGeom>
         </p:spPr>
         <p:txBody>
-          <a:bodyPr anchorCtr="0" anchor="t" bIns="91425" lIns="91425" rIns="91425" tIns="91425">
+          <a:bodyPr lIns="91425" tIns="91425" rIns="91425" bIns="91425" anchor="t" anchorCtr="0">
             <a:noAutofit/>
           </a:bodyPr>
           <a:lstStyle/>
@@ -11998,7 +12455,7 @@
       </p:sp>
       <p:pic>
         <p:nvPicPr>
-          <p:cNvPr descr="photosize.png" id="137" name="Shape 137"/>
+          <p:cNvPr id="137" name="Shape 137" descr="photosize.png"/>
           <p:cNvPicPr preferRelativeResize="0"/>
           <p:nvPr/>
         </p:nvPicPr>
@@ -12006,7 +12463,7 @@
           <a:blip r:embed="rId3">
             <a:alphaModFix/>
           </a:blip>
-          <a:srcRect b="0" l="0" r="0" t="0"/>
+          <a:srcRect/>
           <a:stretch/>
         </p:blipFill>
         <p:spPr>
@@ -12043,7 +12500,7 @@
           </a:ln>
         </p:spPr>
         <p:txBody>
-          <a:bodyPr anchorCtr="0" anchor="t" bIns="91425" lIns="91425" rIns="91425" tIns="91425">
+          <a:bodyPr lIns="91425" tIns="91425" rIns="91425" bIns="91425" anchor="t" anchorCtr="0">
             <a:noAutofit/>
           </a:bodyPr>
           <a:lstStyle/>
@@ -12054,9 +12511,6 @@
               </a:spcBef>
               <a:buNone/>
             </a:pPr>
-            <a:r>
-              <a:t/>
-            </a:r>
             <a:endParaRPr/>
           </a:p>
         </p:txBody>
@@ -12081,12 +12535,12 @@
           </a:ln>
         </p:spPr>
         <p:txBody>
-          <a:bodyPr anchorCtr="0" anchor="t" bIns="91425" lIns="91425" rIns="91425" tIns="91425">
+          <a:bodyPr lIns="91425" tIns="91425" rIns="91425" bIns="91425" anchor="t" anchorCtr="0">
             <a:noAutofit/>
           </a:bodyPr>
           <a:lstStyle/>
           <a:p>
-            <a:pPr indent="-342900" lvl="0" marL="457200" rtl="0">
+            <a:pPr marL="457200" lvl="0" indent="-342900" rtl="0">
               <a:spcBef>
                 <a:spcPts val="0"/>
               </a:spcBef>
@@ -12095,11 +12549,7 @@
             </a:pPr>
             <a:r>
               <a:rPr lang="en" sz="1800"/>
-              <a:t>How t</a:t>
-            </a:r>
-            <a:r>
-              <a:rPr lang="en" sz="1800"/>
-              <a:t>o determine the quality of the photos without having to download all 80G?</a:t>
+              <a:t>How to determine the quality of the photos without having to download all 80G?</a:t>
             </a:r>
           </a:p>
           <a:p>
@@ -12109,13 +12559,10 @@
               </a:spcBef>
               <a:buNone/>
             </a:pPr>
-            <a:r>
-              <a:t/>
-            </a:r>
             <a:endParaRPr sz="1800"/>
           </a:p>
           <a:p>
-            <a:pPr indent="-342900" lvl="0" marL="457200">
+            <a:pPr marL="457200" lvl="0" indent="-342900">
               <a:spcBef>
                 <a:spcPts val="0"/>
               </a:spcBef>
@@ -12138,11 +12585,11 @@
 </file>
 
 <file path=ppt/slides/slide9.xml><?xml version="1.0" encoding="utf-8"?>
-<p:sld xmlns:a="http://schemas.openxmlformats.org/drawingml/2006/main" xmlns:r="http://schemas.openxmlformats.org/officeDocument/2006/relationships" xmlns:mc="http://schemas.openxmlformats.org/markup-compatibility/2006" xmlns:mv="urn:schemas-microsoft-com:mac:vml" xmlns:p="http://schemas.openxmlformats.org/presentationml/2006/main" xmlns:c="http://schemas.openxmlformats.org/drawingml/2006/chart" xmlns:dgm="http://schemas.openxmlformats.org/drawingml/2006/diagram" xmlns:o="urn:schemas-microsoft-com:office:office" xmlns:v="urn:schemas-microsoft-com:vml" xmlns:pvml="urn:schemas-microsoft-com:office:powerpoint" xmlns:com="http://schemas.openxmlformats.org/drawingml/2006/compatibility" xmlns:p14="http://schemas.microsoft.com/office/powerpoint/2010/main">
+<p:sld xmlns:a="http://schemas.openxmlformats.org/drawingml/2006/main" xmlns:r="http://schemas.openxmlformats.org/officeDocument/2006/relationships" xmlns:p="http://schemas.openxmlformats.org/presentationml/2006/main">
   <p:cSld>
     <p:spTree>
       <p:nvGrpSpPr>
-        <p:cNvPr id="143" name="Shape 143"/>
+        <p:cNvPr id="1" name="Shape 143"/>
         <p:cNvGrpSpPr/>
         <p:nvPr/>
       </p:nvGrpSpPr>
@@ -12157,7 +12604,9 @@
       <p:sp>
         <p:nvSpPr>
           <p:cNvPr id="144" name="Shape 144"/>
-          <p:cNvSpPr txBox="1"/>
+          <p:cNvSpPr txBox="1">
+            <a:spLocks noGrp="1"/>
+          </p:cNvSpPr>
           <p:nvPr>
             <p:ph type="ctrTitle"/>
           </p:nvPr>
@@ -12172,7 +12621,7 @@
           </a:prstGeom>
         </p:spPr>
         <p:txBody>
-          <a:bodyPr anchorCtr="0" anchor="b" bIns="91425" lIns="91425" rIns="91425" tIns="91425">
+          <a:bodyPr lIns="91425" tIns="91425" rIns="91425" bIns="91425" anchor="b" anchorCtr="0">
             <a:noAutofit/>
           </a:bodyPr>
           <a:lstStyle/>
@@ -12193,9 +12642,11 @@
       <p:sp>
         <p:nvSpPr>
           <p:cNvPr id="145" name="Shape 145"/>
-          <p:cNvSpPr txBox="1"/>
+          <p:cNvSpPr txBox="1">
+            <a:spLocks noGrp="1"/>
+          </p:cNvSpPr>
           <p:nvPr>
-            <p:ph idx="1" type="subTitle"/>
+            <p:ph type="subTitle" idx="1"/>
           </p:nvPr>
         </p:nvSpPr>
         <p:spPr>
@@ -12208,7 +12659,7 @@
           </a:prstGeom>
         </p:spPr>
         <p:txBody>
-          <a:bodyPr anchorCtr="0" anchor="t" bIns="91425" lIns="91425" rIns="91425" tIns="91425">
+          <a:bodyPr lIns="91425" tIns="91425" rIns="91425" bIns="91425" anchor="t" anchorCtr="0">
             <a:noAutofit/>
           </a:bodyPr>
           <a:lstStyle/>
@@ -12235,7 +12686,7 @@
 </file>
 
 <file path=ppt/theme/theme1.xml><?xml version="1.0" encoding="utf-8"?>
-<a:theme xmlns:a="http://schemas.openxmlformats.org/drawingml/2006/main" xmlns:r="http://schemas.openxmlformats.org/officeDocument/2006/relationships" name="geometric">
+<a:theme xmlns:a="http://schemas.openxmlformats.org/drawingml/2006/main" name="geometric">
   <a:themeElements>
     <a:clrScheme name="Geometric">
       <a:dk1>
@@ -12510,11 +12961,13 @@
       </a:bgFillStyleLst>
     </a:fmtScheme>
   </a:themeElements>
+  <a:objectDefaults/>
+  <a:extraClrSchemeLst/>
 </a:theme>
 </file>
 
 <file path=ppt/theme/theme2.xml><?xml version="1.0" encoding="utf-8"?>
-<a:theme xmlns:a="http://schemas.openxmlformats.org/drawingml/2006/main" xmlns:r="http://schemas.openxmlformats.org/officeDocument/2006/relationships" name="Custom Theme">
+<a:theme xmlns:a="http://schemas.openxmlformats.org/drawingml/2006/main" name="Custom Theme">
   <a:themeElements>
     <a:clrScheme name="Default">
       <a:dk1>
@@ -12789,5 +13242,7 @@
       </a:bgFillStyleLst>
     </a:fmtScheme>
   </a:themeElements>
+  <a:objectDefaults/>
+  <a:extraClrSchemeLst/>
 </a:theme>
 </file>